--- a/dns/dns3-presentation.pptx
+++ b/dns/dns3-presentation.pptx
@@ -1,52 +1,52 @@
 
 <file path=ppt/presentation.xml><?xml version="1.0" encoding="utf-8"?>
-<p:presentation xmlns:a="http://schemas.openxmlformats.org/drawingml/2006/main" xmlns:r="http://schemas.openxmlformats.org/officeDocument/2006/relationships" xmlns:p="http://schemas.openxmlformats.org/presentationml/2006/main">
+<p:presentation xmlns:a="http://schemas.openxmlformats.org/drawingml/2006/main" xmlns:r="http://schemas.openxmlformats.org/officeDocument/2006/relationships" xmlns:p="http://schemas.openxmlformats.org/presentationml/2006/main" saveSubsetFonts="1">
   <p:sldMasterIdLst>
-    <p:sldMasterId id="2147483648" r:id="rId5"/>
+    <p:sldMasterId id="2147483648" r:id="rId1"/>
   </p:sldMasterIdLst>
   <p:notesMasterIdLst>
-    <p:notesMasterId r:id="rId7"/>
+    <p:notesMasterId r:id="rId41"/>
   </p:notesMasterIdLst>
   <p:sldIdLst>
-    <p:sldId id="256" r:id="rId8"/>
-    <p:sldId id="257" r:id="rId9"/>
-    <p:sldId id="258" r:id="rId10"/>
-    <p:sldId id="259" r:id="rId11"/>
-    <p:sldId id="260" r:id="rId12"/>
-    <p:sldId id="261" r:id="rId13"/>
-    <p:sldId id="262" r:id="rId14"/>
-    <p:sldId id="263" r:id="rId15"/>
-    <p:sldId id="264" r:id="rId16"/>
-    <p:sldId id="265" r:id="rId17"/>
-    <p:sldId id="266" r:id="rId18"/>
-    <p:sldId id="267" r:id="rId19"/>
-    <p:sldId id="268" r:id="rId20"/>
-    <p:sldId id="269" r:id="rId21"/>
-    <p:sldId id="270" r:id="rId22"/>
-    <p:sldId id="271" r:id="rId23"/>
-    <p:sldId id="272" r:id="rId24"/>
-    <p:sldId id="273" r:id="rId25"/>
-    <p:sldId id="274" r:id="rId26"/>
-    <p:sldId id="275" r:id="rId27"/>
-    <p:sldId id="276" r:id="rId28"/>
-    <p:sldId id="277" r:id="rId29"/>
-    <p:sldId id="278" r:id="rId30"/>
-    <p:sldId id="279" r:id="rId31"/>
-    <p:sldId id="280" r:id="rId32"/>
-    <p:sldId id="281" r:id="rId33"/>
-    <p:sldId id="282" r:id="rId34"/>
-    <p:sldId id="283" r:id="rId35"/>
-    <p:sldId id="284" r:id="rId36"/>
-    <p:sldId id="285" r:id="rId37"/>
-    <p:sldId id="286" r:id="rId38"/>
-    <p:sldId id="287" r:id="rId39"/>
-    <p:sldId id="288" r:id="rId40"/>
-    <p:sldId id="289" r:id="rId41"/>
-    <p:sldId id="290" r:id="rId42"/>
-    <p:sldId id="291" r:id="rId43"/>
-    <p:sldId id="292" r:id="rId44"/>
-    <p:sldId id="293" r:id="rId45"/>
-    <p:sldId id="294" r:id="rId46"/>
+    <p:sldId id="256" r:id="rId2"/>
+    <p:sldId id="257" r:id="rId3"/>
+    <p:sldId id="258" r:id="rId4"/>
+    <p:sldId id="259" r:id="rId5"/>
+    <p:sldId id="260" r:id="rId6"/>
+    <p:sldId id="261" r:id="rId7"/>
+    <p:sldId id="262" r:id="rId8"/>
+    <p:sldId id="263" r:id="rId9"/>
+    <p:sldId id="264" r:id="rId10"/>
+    <p:sldId id="265" r:id="rId11"/>
+    <p:sldId id="266" r:id="rId12"/>
+    <p:sldId id="267" r:id="rId13"/>
+    <p:sldId id="268" r:id="rId14"/>
+    <p:sldId id="269" r:id="rId15"/>
+    <p:sldId id="270" r:id="rId16"/>
+    <p:sldId id="271" r:id="rId17"/>
+    <p:sldId id="272" r:id="rId18"/>
+    <p:sldId id="273" r:id="rId19"/>
+    <p:sldId id="274" r:id="rId20"/>
+    <p:sldId id="275" r:id="rId21"/>
+    <p:sldId id="276" r:id="rId22"/>
+    <p:sldId id="277" r:id="rId23"/>
+    <p:sldId id="278" r:id="rId24"/>
+    <p:sldId id="279" r:id="rId25"/>
+    <p:sldId id="280" r:id="rId26"/>
+    <p:sldId id="281" r:id="rId27"/>
+    <p:sldId id="282" r:id="rId28"/>
+    <p:sldId id="283" r:id="rId29"/>
+    <p:sldId id="284" r:id="rId30"/>
+    <p:sldId id="285" r:id="rId31"/>
+    <p:sldId id="286" r:id="rId32"/>
+    <p:sldId id="287" r:id="rId33"/>
+    <p:sldId id="288" r:id="rId34"/>
+    <p:sldId id="289" r:id="rId35"/>
+    <p:sldId id="290" r:id="rId36"/>
+    <p:sldId id="291" r:id="rId37"/>
+    <p:sldId id="292" r:id="rId38"/>
+    <p:sldId id="293" r:id="rId39"/>
+    <p:sldId id="294" r:id="rId40"/>
   </p:sldIdLst>
   <p:sldSz cx="10071100" cy="7556500"/>
   <p:notesSz cx="6858000" cy="9144000"/>
@@ -154,13 +154,14 @@
 </p:presentation>
 </file>
 
-<file path=ppt/commentAuthors.xml><?xml version="1.0" encoding="utf-8"?>
-<p:cmAuthorLst xmlns:a="http://schemas.openxmlformats.org/drawingml/2006/main" xmlns:r="http://schemas.openxmlformats.org/officeDocument/2006/relationships" xmlns:p="http://schemas.openxmlformats.org/presentationml/2006/main"/>
-</file>
-
 <file path=ppt/notesMasters/notesMaster1.xml><?xml version="1.0" encoding="utf-8"?>
 <p:notesMaster xmlns:a="http://schemas.openxmlformats.org/drawingml/2006/main" xmlns:r="http://schemas.openxmlformats.org/officeDocument/2006/relationships" xmlns:p="http://schemas.openxmlformats.org/presentationml/2006/main">
   <p:cSld>
+    <p:bg>
+      <p:bgRef idx="1001">
+        <a:schemeClr val="bg1"/>
+      </p:bgRef>
+    </p:bg>
     <p:spTree>
       <p:nvGrpSpPr>
         <p:cNvPr id="1" name=""/>
@@ -178,7 +179,9 @@
       <p:sp>
         <p:nvSpPr>
           <p:cNvPr id="4" name="Shape 4"/>
-          <p:cNvSpPr/>
+          <p:cNvSpPr>
+            <a:spLocks noGrp="1" noRot="1" noChangeAspect="1"/>
+          </p:cNvSpPr>
           <p:nvPr>
             <p:ph type="sldImg"/>
           </p:nvPr>
@@ -197,13 +200,16 @@
           <a:lstStyle/>
           <a:p>
             <a:pPr lvl="0"/>
+            <a:endParaRPr/>
           </a:p>
         </p:txBody>
       </p:sp>
       <p:sp>
         <p:nvSpPr>
           <p:cNvPr id="5" name="Shape 5"/>
-          <p:cNvSpPr/>
+          <p:cNvSpPr>
+            <a:spLocks noGrp="1"/>
+          </p:cNvSpPr>
           <p:nvPr>
             <p:ph type="body" sz="quarter" idx="1"/>
           </p:nvPr>
@@ -222,10 +228,16 @@
           <a:lstStyle/>
           <a:p>
             <a:pPr lvl="0"/>
+            <a:endParaRPr/>
           </a:p>
         </p:txBody>
       </p:sp>
     </p:spTree>
+    <p:extLst>
+      <p:ext uri="{BB962C8B-B14F-4D97-AF65-F5344CB8AC3E}">
+        <p14:creationId xmlns:p14="http://schemas.microsoft.com/office/powerpoint/2010/main" val="799205779"/>
+      </p:ext>
+    </p:extLst>
   </p:cSld>
   <p:clrMap bg1="lt1" tx1="dk1" bg2="lt2" tx2="dk2" accent1="accent1" accent2="accent2" accent3="accent3" accent4="accent4" accent5="accent5" accent6="accent6" hlink="hlink" folHlink="folHlink"/>
   <p:notesStyle>
@@ -333,7 +345,7 @@
 </file>
 
 <file path=ppt/slideLayouts/slideLayout1.xml><?xml version="1.0" encoding="utf-8"?>
-<p:sldLayout xmlns:a="http://schemas.openxmlformats.org/drawingml/2006/main" xmlns:r="http://schemas.openxmlformats.org/officeDocument/2006/relationships" xmlns:p="http://schemas.openxmlformats.org/presentationml/2006/main" type="tx" showMasterSp="1" showMasterPhAnim="1">
+<p:sldLayout xmlns:a="http://schemas.openxmlformats.org/drawingml/2006/main" xmlns:r="http://schemas.openxmlformats.org/officeDocument/2006/relationships" xmlns:p="http://schemas.openxmlformats.org/presentationml/2006/main" type="tx">
   <p:cSld name="Default">
     <p:spTree>
       <p:nvGrpSpPr>
@@ -354,7 +366,7 @@
   <p:clrMapOvr>
     <a:masterClrMapping/>
   </p:clrMapOvr>
-  <p:transition spd="med" advClick="1"/>
+  <p:transition spd="med"/>
 </p:sldLayout>
 </file>
 
@@ -366,6 +378,7 @@
         <a:solidFill>
           <a:srgbClr val="FFFFFF"/>
         </a:solidFill>
+        <a:effectLst/>
       </p:bgPr>
     </p:bg>
     <p:spTree>
@@ -389,7 +402,7 @@
           <p:nvPr/>
         </p:nvPicPr>
         <p:blipFill>
-          <a:blip r:embed="rId2">
+          <a:blip r:embed="rId3">
             <a:extLst/>
           </a:blip>
           <a:stretch>
@@ -413,9 +426,9 @@
   </p:cSld>
   <p:clrMap bg1="lt1" tx1="dk1" bg2="lt2" tx2="dk2" accent1="accent1" accent2="accent2" accent3="accent3" accent4="accent4" accent5="accent5" accent6="accent6" hlink="hlink" folHlink="folHlink"/>
   <p:sldLayoutIdLst>
-    <p:sldLayoutId id="2147483649" r:id="rId3"/>
+    <p:sldLayoutId id="2147483649" r:id="rId1"/>
   </p:sldLayoutIdLst>
-  <p:transition spd="med" advClick="1"/>
+  <p:transition spd="med"/>
   <p:txStyles>
     <p:titleStyle>
       <a:lvl1pPr algn="ctr" defTabSz="457200">
@@ -833,7 +846,7 @@
 </file>
 
 <file path=ppt/slides/slide1.xml><?xml version="1.0" encoding="utf-8"?>
-<p:sld xmlns:a="http://schemas.openxmlformats.org/drawingml/2006/main" xmlns:r="http://schemas.openxmlformats.org/officeDocument/2006/relationships" xmlns:p="http://schemas.openxmlformats.org/presentationml/2006/main" showMasterSp="1" showMasterPhAnim="1">
+<p:sld xmlns:a="http://schemas.openxmlformats.org/drawingml/2006/main" xmlns:r="http://schemas.openxmlformats.org/officeDocument/2006/relationships" xmlns:p="http://schemas.openxmlformats.org/presentationml/2006/main">
   <p:cSld>
     <p:spTree>
       <p:nvGrpSpPr>
@@ -965,7 +978,7 @@
               <a:defRPr sz="1800"/>
             </a:pPr>
             <a:r>
-              <a:rPr sz="3100">
+              <a:rPr sz="3100" dirty="0">
                 <a:latin typeface="Calibri"/>
                 <a:ea typeface="Calibri"/>
                 <a:cs typeface="Calibri"/>
@@ -973,12 +986,6 @@
               </a:rPr>
               <a:t>Joe Abley</a:t>
             </a:r>
-            <a:endParaRPr sz="3100">
-              <a:latin typeface="Calibri"/>
-              <a:ea typeface="Calibri"/>
-              <a:cs typeface="Calibri"/>
-              <a:sym typeface="Calibri"/>
-            </a:endParaRPr>
           </a:p>
           <a:p>
             <a:pPr lvl="0" algn="ctr" defTabSz="914400">
@@ -1010,8 +1017,50 @@
                 <a:cs typeface="Calibri"/>
                 <a:sym typeface="Calibri"/>
               </a:rPr>
-              <a:t>AfNOG Workshop, AIS 2015, Tunis</a:t>
-            </a:r>
+              <a:t>AfNOG Workshop, AIS </a:t>
+            </a:r>
+            <a:r>
+              <a:rPr sz="3100" smtClean="0">
+                <a:latin typeface="Calibri"/>
+                <a:ea typeface="Calibri"/>
+                <a:cs typeface="Calibri"/>
+                <a:sym typeface="Calibri"/>
+              </a:rPr>
+              <a:t>201</a:t>
+            </a:r>
+            <a:r>
+              <a:rPr lang="en-US" sz="3100" smtClean="0">
+                <a:latin typeface="Calibri"/>
+                <a:ea typeface="Calibri"/>
+                <a:cs typeface="Calibri"/>
+                <a:sym typeface="Calibri"/>
+              </a:rPr>
+              <a:t>6</a:t>
+            </a:r>
+            <a:r>
+              <a:rPr sz="3100" smtClean="0">
+                <a:latin typeface="Calibri"/>
+                <a:ea typeface="Calibri"/>
+                <a:cs typeface="Calibri"/>
+                <a:sym typeface="Calibri"/>
+              </a:rPr>
+              <a:t>, </a:t>
+            </a:r>
+            <a:r>
+              <a:rPr lang="en-US" sz="3100" smtClean="0">
+                <a:latin typeface="Calibri"/>
+                <a:ea typeface="Calibri"/>
+                <a:cs typeface="Calibri"/>
+                <a:sym typeface="Calibri"/>
+              </a:rPr>
+              <a:t>Gaborone</a:t>
+            </a:r>
+            <a:endParaRPr sz="3100">
+              <a:latin typeface="Calibri"/>
+              <a:ea typeface="Calibri"/>
+              <a:cs typeface="Calibri"/>
+              <a:sym typeface="Calibri"/>
+            </a:endParaRPr>
           </a:p>
         </p:txBody>
       </p:sp>
@@ -1044,7 +1093,7 @@
           </a:bodyPr>
           <a:lstStyle/>
           <a:p>
-            <a:pPr lvl="1" marL="288925" algn="ctr" defTabSz="914400">
+            <a:pPr marL="288925" lvl="1" algn="ctr" defTabSz="914400">
               <a:lnSpc>
                 <a:spcPct val="96000"/>
               </a:lnSpc>
@@ -1076,15 +1125,9 @@
               </a:rPr>
               <a:t>Session 3: Authoritative</a:t>
             </a:r>
-            <a:endParaRPr sz="4400">
-              <a:latin typeface="Tahoma"/>
-              <a:ea typeface="Tahoma"/>
-              <a:cs typeface="Tahoma"/>
-              <a:sym typeface="Tahoma"/>
-            </a:endParaRPr>
-          </a:p>
-          <a:p>
-            <a:pPr lvl="1" marL="288925" algn="ctr" defTabSz="914400">
+          </a:p>
+          <a:p>
+            <a:pPr marL="288925" lvl="1" algn="ctr" defTabSz="914400">
               <a:lnSpc>
                 <a:spcPct val="96000"/>
               </a:lnSpc>
@@ -1124,12 +1167,12 @@
   <p:clrMapOvr>
     <a:masterClrMapping/>
   </p:clrMapOvr>
-  <p:transition spd="med" advClick="1"/>
+  <p:transition spd="med"/>
 </p:sld>
 </file>
 
 <file path=ppt/slides/slide10.xml><?xml version="1.0" encoding="utf-8"?>
-<p:sld xmlns:a="http://schemas.openxmlformats.org/drawingml/2006/main" xmlns:r="http://schemas.openxmlformats.org/officeDocument/2006/relationships" xmlns:p="http://schemas.openxmlformats.org/presentationml/2006/main" showMasterSp="1" showMasterPhAnim="1">
+<p:sld xmlns:a="http://schemas.openxmlformats.org/drawingml/2006/main" xmlns:r="http://schemas.openxmlformats.org/officeDocument/2006/relationships" xmlns:p="http://schemas.openxmlformats.org/presentationml/2006/main">
   <p:cSld>
     <p:spTree>
       <p:nvGrpSpPr>
@@ -1148,7 +1191,9 @@
       <p:sp>
         <p:nvSpPr>
           <p:cNvPr id="47" name="Shape 47"/>
-          <p:cNvSpPr/>
+          <p:cNvSpPr>
+            <a:spLocks noGrp="1"/>
+          </p:cNvSpPr>
           <p:nvPr>
             <p:ph type="title" idx="4294967295"/>
           </p:nvPr>
@@ -1172,7 +1217,7 @@
         </p:spPr>
         <p:txBody>
           <a:bodyPr lIns="0" tIns="0" rIns="0" bIns="0" anchor="ctr">
-            <a:normAutofit fontScale="100000" lnSpcReduction="0"/>
+            <a:normAutofit/>
           </a:bodyPr>
           <a:lstStyle>
             <a:lvl1pPr>
@@ -1206,7 +1251,9 @@
       <p:sp>
         <p:nvSpPr>
           <p:cNvPr id="48" name="Shape 48"/>
-          <p:cNvSpPr/>
+          <p:cNvSpPr>
+            <a:spLocks noGrp="1"/>
+          </p:cNvSpPr>
           <p:nvPr>
             <p:ph type="body" idx="4294967295"/>
           </p:nvPr>
@@ -1230,7 +1277,7 @@
         </p:spPr>
         <p:txBody>
           <a:bodyPr lIns="0" tIns="0" rIns="0" bIns="0">
-            <a:normAutofit fontScale="100000" lnSpcReduction="0"/>
+            <a:normAutofit/>
           </a:bodyPr>
           <a:lstStyle/>
           <a:p>
@@ -1263,7 +1310,6 @@
               <a:rPr sz="3200"/>
               <a:t> (manually created) containing your RRs</a:t>
             </a:r>
-            <a:endParaRPr sz="3200"/>
           </a:p>
           <a:p>
             <a:pPr lvl="0">
@@ -1287,10 +1333,9 @@
               <a:rPr sz="3200"/>
               <a:t>Choose a logical place to keep them</a:t>
             </a:r>
-            <a:endParaRPr sz="3200"/>
-          </a:p>
-          <a:p>
-            <a:pPr lvl="1" marL="863600" indent="-287337">
+          </a:p>
+          <a:p>
+            <a:pPr marL="863600" lvl="1" indent="-287337">
               <a:spcBef>
                 <a:spcPts val="1100"/>
               </a:spcBef>
@@ -1314,10 +1359,9 @@
               <a:rPr sz="2800"/>
               <a:t>e.g. /usr/local/etc/namedb/master/tiscali.co.uk</a:t>
             </a:r>
-            <a:endParaRPr sz="2800"/>
-          </a:p>
-          <a:p>
-            <a:pPr lvl="1" marL="863600" indent="-287337">
+          </a:p>
+          <a:p>
+            <a:pPr marL="863600" lvl="1" indent="-287337">
               <a:spcBef>
                 <a:spcPts val="1100"/>
               </a:spcBef>
@@ -1405,12 +1449,6 @@
               </a:rPr>
               <a:t>zone "example.com" {</a:t>
             </a:r>
-            <a:endParaRPr>
-              <a:latin typeface="Courier New"/>
-              <a:ea typeface="Courier New"/>
-              <a:cs typeface="Courier New"/>
-              <a:sym typeface="Courier New"/>
-            </a:endParaRPr>
           </a:p>
           <a:p>
             <a:pPr lvl="0" defTabSz="914400">
@@ -1441,12 +1479,6 @@
               </a:rPr>
               <a:t>        type master;</a:t>
             </a:r>
-            <a:endParaRPr>
-              <a:latin typeface="Courier New"/>
-              <a:ea typeface="Courier New"/>
-              <a:cs typeface="Courier New"/>
-              <a:sym typeface="Courier New"/>
-            </a:endParaRPr>
           </a:p>
           <a:p>
             <a:pPr lvl="0" defTabSz="914400">
@@ -1477,12 +1509,6 @@
               </a:rPr>
               <a:t>        file "master/example.com";</a:t>
             </a:r>
-            <a:endParaRPr>
-              <a:latin typeface="Courier New"/>
-              <a:ea typeface="Courier New"/>
-              <a:cs typeface="Courier New"/>
-              <a:sym typeface="Courier New"/>
-            </a:endParaRPr>
           </a:p>
           <a:p>
             <a:pPr lvl="0" defTabSz="914400">
@@ -1513,12 +1539,6 @@
               </a:rPr>
               <a:t>        allow-transfer { 192.188.58.126;</a:t>
             </a:r>
-            <a:endParaRPr>
-              <a:latin typeface="Courier New"/>
-              <a:ea typeface="Courier New"/>
-              <a:cs typeface="Courier New"/>
-              <a:sym typeface="Courier New"/>
-            </a:endParaRPr>
           </a:p>
           <a:p>
             <a:pPr lvl="0" defTabSz="914400">
@@ -1549,12 +1569,6 @@
               </a:rPr>
               <a:t>                         192.188.58.2; };</a:t>
             </a:r>
-            <a:endParaRPr>
-              <a:latin typeface="Courier New"/>
-              <a:ea typeface="Courier New"/>
-              <a:cs typeface="Courier New"/>
-              <a:sym typeface="Courier New"/>
-            </a:endParaRPr>
           </a:p>
           <a:p>
             <a:pPr lvl="0" defTabSz="914400">
@@ -1593,12 +1607,12 @@
   <p:clrMapOvr>
     <a:masterClrMapping/>
   </p:clrMapOvr>
-  <p:transition spd="med" advClick="1"/>
+  <p:transition spd="med"/>
 </p:sld>
 </file>
 
 <file path=ppt/slides/slide11.xml><?xml version="1.0" encoding="utf-8"?>
-<p:sld xmlns:a="http://schemas.openxmlformats.org/drawingml/2006/main" xmlns:r="http://schemas.openxmlformats.org/officeDocument/2006/relationships" xmlns:p="http://schemas.openxmlformats.org/presentationml/2006/main" showMasterSp="1" showMasterPhAnim="1">
+<p:sld xmlns:a="http://schemas.openxmlformats.org/drawingml/2006/main" xmlns:r="http://schemas.openxmlformats.org/officeDocument/2006/relationships" xmlns:p="http://schemas.openxmlformats.org/presentationml/2006/main">
   <p:cSld>
     <p:spTree>
       <p:nvGrpSpPr>
@@ -1617,7 +1631,9 @@
       <p:sp>
         <p:nvSpPr>
           <p:cNvPr id="51" name="Shape 51"/>
-          <p:cNvSpPr/>
+          <p:cNvSpPr>
+            <a:spLocks noGrp="1"/>
+          </p:cNvSpPr>
           <p:nvPr>
             <p:ph type="title" idx="4294967295"/>
           </p:nvPr>
@@ -1641,7 +1657,7 @@
         </p:spPr>
         <p:txBody>
           <a:bodyPr lIns="0" tIns="0" rIns="0" bIns="0" anchor="ctr">
-            <a:normAutofit fontScale="100000" lnSpcReduction="0"/>
+            <a:normAutofit/>
           </a:bodyPr>
           <a:lstStyle>
             <a:lvl1pPr>
@@ -1674,7 +1690,9 @@
       <p:sp>
         <p:nvSpPr>
           <p:cNvPr id="52" name="Shape 52"/>
-          <p:cNvSpPr/>
+          <p:cNvSpPr>
+            <a:spLocks noGrp="1"/>
+          </p:cNvSpPr>
           <p:nvPr>
             <p:ph type="body" idx="4294967295"/>
           </p:nvPr>
@@ -1698,7 +1716,7 @@
         </p:spPr>
         <p:txBody>
           <a:bodyPr lIns="0" tIns="0" rIns="0" bIns="0">
-            <a:normAutofit fontScale="100000" lnSpcReduction="0"/>
+            <a:normAutofit/>
           </a:bodyPr>
           <a:lstStyle/>
           <a:p>
@@ -1723,7 +1741,6 @@
               <a:rPr sz="3200"/>
               <a:t>named.conf points to IP address of master and location where zone file should be created</a:t>
             </a:r>
-            <a:endParaRPr sz="3200"/>
           </a:p>
           <a:p>
             <a:pPr lvl="0">
@@ -1747,7 +1764,6 @@
               <a:rPr sz="3200"/>
               <a:t>Zone files are transferred automatically</a:t>
             </a:r>
-            <a:endParaRPr sz="3200"/>
           </a:p>
           <a:p>
             <a:pPr lvl="0">
@@ -1835,12 +1851,6 @@
               </a:rPr>
               <a:t>zone "example.com" {</a:t>
             </a:r>
-            <a:endParaRPr>
-              <a:latin typeface="Courier New"/>
-              <a:ea typeface="Courier New"/>
-              <a:cs typeface="Courier New"/>
-              <a:sym typeface="Courier New"/>
-            </a:endParaRPr>
           </a:p>
           <a:p>
             <a:pPr lvl="0" defTabSz="914400">
@@ -1871,12 +1881,6 @@
               </a:rPr>
               <a:t>        type slave;</a:t>
             </a:r>
-            <a:endParaRPr>
-              <a:latin typeface="Courier New"/>
-              <a:ea typeface="Courier New"/>
-              <a:cs typeface="Courier New"/>
-              <a:sym typeface="Courier New"/>
-            </a:endParaRPr>
           </a:p>
           <a:p>
             <a:pPr lvl="0" defTabSz="914400">
@@ -1907,12 +1911,6 @@
               </a:rPr>
               <a:t>        masters { 192.188.58.126; };</a:t>
             </a:r>
-            <a:endParaRPr>
-              <a:latin typeface="Courier New"/>
-              <a:ea typeface="Courier New"/>
-              <a:cs typeface="Courier New"/>
-              <a:sym typeface="Courier New"/>
-            </a:endParaRPr>
           </a:p>
           <a:p>
             <a:pPr lvl="0" defTabSz="914400">
@@ -1943,12 +1941,6 @@
               </a:rPr>
               <a:t>        file "slave/example.com";</a:t>
             </a:r>
-            <a:endParaRPr>
-              <a:latin typeface="Courier New"/>
-              <a:ea typeface="Courier New"/>
-              <a:cs typeface="Courier New"/>
-              <a:sym typeface="Courier New"/>
-            </a:endParaRPr>
           </a:p>
           <a:p>
             <a:pPr lvl="0" defTabSz="914400">
@@ -1979,12 +1971,6 @@
               </a:rPr>
               <a:t>        allow-transfer { none; };</a:t>
             </a:r>
-            <a:endParaRPr>
-              <a:latin typeface="Courier New"/>
-              <a:ea typeface="Courier New"/>
-              <a:cs typeface="Courier New"/>
-              <a:sym typeface="Courier New"/>
-            </a:endParaRPr>
           </a:p>
           <a:p>
             <a:pPr lvl="0" defTabSz="914400">
@@ -2023,12 +2009,12 @@
   <p:clrMapOvr>
     <a:masterClrMapping/>
   </p:clrMapOvr>
-  <p:transition spd="med" advClick="1"/>
+  <p:transition spd="med"/>
 </p:sld>
 </file>
 
 <file path=ppt/slides/slide12.xml><?xml version="1.0" encoding="utf-8"?>
-<p:sld xmlns:a="http://schemas.openxmlformats.org/drawingml/2006/main" xmlns:r="http://schemas.openxmlformats.org/officeDocument/2006/relationships" xmlns:p="http://schemas.openxmlformats.org/presentationml/2006/main" showMasterSp="1" showMasterPhAnim="1">
+<p:sld xmlns:a="http://schemas.openxmlformats.org/drawingml/2006/main" xmlns:r="http://schemas.openxmlformats.org/officeDocument/2006/relationships" xmlns:p="http://schemas.openxmlformats.org/presentationml/2006/main">
   <p:cSld>
     <p:spTree>
       <p:nvGrpSpPr>
@@ -2047,7 +2033,9 @@
       <p:sp>
         <p:nvSpPr>
           <p:cNvPr id="55" name="Shape 55"/>
-          <p:cNvSpPr/>
+          <p:cNvSpPr>
+            <a:spLocks noGrp="1"/>
+          </p:cNvSpPr>
           <p:nvPr>
             <p:ph type="title" idx="4294967295"/>
           </p:nvPr>
@@ -2071,7 +2059,7 @@
         </p:spPr>
         <p:txBody>
           <a:bodyPr lIns="0" tIns="0" rIns="0" bIns="0" anchor="ctr">
-            <a:normAutofit fontScale="100000" lnSpcReduction="0"/>
+            <a:normAutofit/>
           </a:bodyPr>
           <a:lstStyle>
             <a:lvl1pPr>
@@ -2105,7 +2093,9 @@
       <p:sp>
         <p:nvSpPr>
           <p:cNvPr id="56" name="Shape 56"/>
-          <p:cNvSpPr/>
+          <p:cNvSpPr>
+            <a:spLocks noGrp="1"/>
+          </p:cNvSpPr>
           <p:nvPr>
             <p:ph type="body" idx="4294967295"/>
           </p:nvPr>
@@ -2129,7 +2119,7 @@
         </p:spPr>
         <p:txBody>
           <a:bodyPr lIns="0" tIns="0" rIns="0" bIns="0">
-            <a:normAutofit fontScale="100000" lnSpcReduction="0"/>
+            <a:normAutofit/>
           </a:bodyPr>
           <a:lstStyle/>
           <a:p>
@@ -2154,7 +2144,6 @@
               <a:rPr sz="3200"/>
               <a:t>It's perfectly OK for one server to be Master for some zones and Slave for others</a:t>
             </a:r>
-            <a:endParaRPr sz="3200"/>
           </a:p>
           <a:p>
             <a:pPr lvl="0">
@@ -2178,10 +2167,9 @@
               <a:rPr sz="3200"/>
               <a:t>That's why we recommend keeping the files in different directories</a:t>
             </a:r>
-            <a:endParaRPr sz="3200"/>
-          </a:p>
-          <a:p>
-            <a:pPr lvl="1" marL="863600" indent="-287337">
+          </a:p>
+          <a:p>
+            <a:pPr marL="863600" lvl="1" indent="-287337">
               <a:spcBef>
                 <a:spcPts val="1100"/>
               </a:spcBef>
@@ -2205,10 +2193,9 @@
               <a:rPr sz="2800"/>
               <a:t>/usr/local/etc/namedb/master/</a:t>
             </a:r>
-            <a:endParaRPr sz="2800"/>
-          </a:p>
-          <a:p>
-            <a:pPr lvl="1" marL="863600" indent="-287337">
+          </a:p>
+          <a:p>
+            <a:pPr marL="863600" lvl="1" indent="-287337">
               <a:spcBef>
                 <a:spcPts val="1100"/>
               </a:spcBef>
@@ -2232,10 +2219,9 @@
               <a:rPr sz="2800"/>
               <a:t>/usr/local/etc/namedb/slave/</a:t>
             </a:r>
-            <a:endParaRPr sz="2800"/>
-          </a:p>
-          <a:p>
-            <a:pPr lvl="2" marL="1295400" indent="-215900">
+          </a:p>
+          <a:p>
+            <a:pPr marL="1295400" lvl="2" indent="-215900">
               <a:spcBef>
                 <a:spcPts val="800"/>
               </a:spcBef>
@@ -2267,12 +2253,12 @@
   <p:clrMapOvr>
     <a:masterClrMapping/>
   </p:clrMapOvr>
-  <p:transition spd="med" advClick="1"/>
+  <p:transition spd="med"/>
 </p:sld>
 </file>
 
 <file path=ppt/slides/slide13.xml><?xml version="1.0" encoding="utf-8"?>
-<p:sld xmlns:a="http://schemas.openxmlformats.org/drawingml/2006/main" xmlns:r="http://schemas.openxmlformats.org/officeDocument/2006/relationships" xmlns:p="http://schemas.openxmlformats.org/presentationml/2006/main" showMasterSp="1" showMasterPhAnim="1">
+<p:sld xmlns:a="http://schemas.openxmlformats.org/drawingml/2006/main" xmlns:r="http://schemas.openxmlformats.org/officeDocument/2006/relationships" xmlns:p="http://schemas.openxmlformats.org/presentationml/2006/main">
   <p:cSld>
     <p:spTree>
       <p:nvGrpSpPr>
@@ -2291,7 +2277,9 @@
       <p:sp>
         <p:nvSpPr>
           <p:cNvPr id="58" name="Shape 58"/>
-          <p:cNvSpPr/>
+          <p:cNvSpPr>
+            <a:spLocks noGrp="1"/>
+          </p:cNvSpPr>
           <p:nvPr>
             <p:ph type="title" idx="4294967295"/>
           </p:nvPr>
@@ -2315,7 +2303,7 @@
         </p:spPr>
         <p:txBody>
           <a:bodyPr lIns="0" tIns="0" rIns="0" bIns="0" anchor="ctr">
-            <a:normAutofit fontScale="100000" lnSpcReduction="0"/>
+            <a:normAutofit/>
           </a:bodyPr>
           <a:lstStyle>
             <a:lvl1pPr>
@@ -2349,7 +2337,9 @@
       <p:sp>
         <p:nvSpPr>
           <p:cNvPr id="59" name="Shape 59"/>
-          <p:cNvSpPr/>
+          <p:cNvSpPr>
+            <a:spLocks noGrp="1"/>
+          </p:cNvSpPr>
           <p:nvPr>
             <p:ph type="body" idx="4294967295"/>
           </p:nvPr>
@@ -2373,7 +2363,7 @@
         </p:spPr>
         <p:txBody>
           <a:bodyPr lIns="0" tIns="0" rIns="0" bIns="0">
-            <a:normAutofit fontScale="100000" lnSpcReduction="0"/>
+            <a:normAutofit/>
           </a:bodyPr>
           <a:lstStyle/>
           <a:p>
@@ -2398,7 +2388,6 @@
               <a:rPr sz="3200"/>
               <a:t>Remote machines can request a transfer of the entire zone contents</a:t>
             </a:r>
-            <a:endParaRPr sz="3200"/>
           </a:p>
           <a:p>
             <a:pPr lvl="0">
@@ -2422,7 +2411,6 @@
               <a:rPr sz="3200"/>
               <a:t>By default, this is permitted to anyone</a:t>
             </a:r>
-            <a:endParaRPr sz="3200"/>
           </a:p>
           <a:p>
             <a:pPr lvl="0">
@@ -2446,7 +2434,6 @@
               <a:rPr sz="3200"/>
               <a:t>Better to restrict this</a:t>
             </a:r>
-            <a:endParaRPr sz="3200"/>
           </a:p>
           <a:p>
             <a:pPr lvl="0">
@@ -2534,12 +2521,6 @@
               </a:rPr>
               <a:t>options {</a:t>
             </a:r>
-            <a:endParaRPr>
-              <a:latin typeface="Courier New"/>
-              <a:ea typeface="Courier New"/>
-              <a:cs typeface="Courier New"/>
-              <a:sym typeface="Courier New"/>
-            </a:endParaRPr>
           </a:p>
           <a:p>
             <a:pPr lvl="0" defTabSz="914400">
@@ -2570,12 +2551,6 @@
               </a:rPr>
               <a:t>    allow-transfer { 127.0.0.1; };</a:t>
             </a:r>
-            <a:endParaRPr>
-              <a:latin typeface="Courier New"/>
-              <a:ea typeface="Courier New"/>
-              <a:cs typeface="Courier New"/>
-              <a:sym typeface="Courier New"/>
-            </a:endParaRPr>
           </a:p>
           <a:p>
             <a:pPr lvl="0" defTabSz="914400">
@@ -2614,12 +2589,12 @@
   <p:clrMapOvr>
     <a:masterClrMapping/>
   </p:clrMapOvr>
-  <p:transition spd="med" advClick="1"/>
+  <p:transition spd="med"/>
 </p:sld>
 </file>
 
 <file path=ppt/slides/slide14.xml><?xml version="1.0" encoding="utf-8"?>
-<p:sld xmlns:a="http://schemas.openxmlformats.org/drawingml/2006/main" xmlns:r="http://schemas.openxmlformats.org/officeDocument/2006/relationships" xmlns:p="http://schemas.openxmlformats.org/presentationml/2006/main" showMasterSp="1" showMasterPhAnim="1">
+<p:sld xmlns:a="http://schemas.openxmlformats.org/drawingml/2006/main" xmlns:r="http://schemas.openxmlformats.org/officeDocument/2006/relationships" xmlns:p="http://schemas.openxmlformats.org/presentationml/2006/main">
   <p:cSld>
     <p:spTree>
       <p:nvGrpSpPr>
@@ -2638,7 +2613,9 @@
       <p:sp>
         <p:nvSpPr>
           <p:cNvPr id="62" name="Shape 62"/>
-          <p:cNvSpPr/>
+          <p:cNvSpPr>
+            <a:spLocks noGrp="1"/>
+          </p:cNvSpPr>
           <p:nvPr>
             <p:ph type="title" idx="4294967295"/>
           </p:nvPr>
@@ -2662,7 +2639,7 @@
         </p:spPr>
         <p:txBody>
           <a:bodyPr lIns="0" tIns="0" rIns="0" bIns="0" anchor="ctr">
-            <a:normAutofit fontScale="100000" lnSpcReduction="0"/>
+            <a:normAutofit/>
           </a:bodyPr>
           <a:lstStyle>
             <a:lvl1pPr>
@@ -2696,7 +2673,9 @@
       <p:sp>
         <p:nvSpPr>
           <p:cNvPr id="63" name="Shape 63"/>
-          <p:cNvSpPr/>
+          <p:cNvSpPr>
+            <a:spLocks noGrp="1"/>
+          </p:cNvSpPr>
           <p:nvPr>
             <p:ph type="body" idx="4294967295"/>
           </p:nvPr>
@@ -2720,7 +2699,7 @@
         </p:spPr>
         <p:txBody>
           <a:bodyPr lIns="0" tIns="0" rIns="0" bIns="0">
-            <a:normAutofit fontScale="100000" lnSpcReduction="0"/>
+            <a:normAutofit/>
           </a:bodyPr>
           <a:lstStyle/>
           <a:p>
@@ -2745,10 +2724,9 @@
               <a:rPr sz="3200"/>
               <a:t>Global options</a:t>
             </a:r>
-            <a:endParaRPr sz="3200"/>
-          </a:p>
-          <a:p>
-            <a:pPr lvl="1" marL="863600" indent="-287337">
+          </a:p>
+          <a:p>
+            <a:pPr marL="863600" lvl="1" indent="-287337">
               <a:spcBef>
                 <a:spcPts val="1100"/>
               </a:spcBef>
@@ -2772,10 +2750,9 @@
               <a:rPr sz="2800"/>
               <a:t>$TTL 1d</a:t>
             </a:r>
-            <a:endParaRPr sz="2800"/>
-          </a:p>
-          <a:p>
-            <a:pPr lvl="1" marL="863600" indent="-287337">
+          </a:p>
+          <a:p>
+            <a:pPr marL="863600" lvl="1" indent="-287337">
               <a:spcBef>
                 <a:spcPts val="1100"/>
               </a:spcBef>
@@ -2799,7 +2776,6 @@
               <a:rPr sz="2800"/>
               <a:t>Sets the default TTL for all other records</a:t>
             </a:r>
-            <a:endParaRPr sz="2800"/>
           </a:p>
           <a:p>
             <a:pPr lvl="0">
@@ -2823,10 +2799,9 @@
               <a:rPr sz="3200"/>
               <a:t>SOA RR</a:t>
             </a:r>
-            <a:endParaRPr sz="3200"/>
-          </a:p>
-          <a:p>
-            <a:pPr lvl="1" marL="863600" indent="-287337">
+          </a:p>
+          <a:p>
+            <a:pPr marL="863600" lvl="1" indent="-287337">
               <a:spcBef>
                 <a:spcPts val="1100"/>
               </a:spcBef>
@@ -2850,10 +2825,9 @@
               <a:rPr sz="2800"/>
               <a:t>"Start Of Authority"</a:t>
             </a:r>
-            <a:endParaRPr sz="2800"/>
-          </a:p>
-          <a:p>
-            <a:pPr lvl="1" marL="863600" indent="-287337">
+          </a:p>
+          <a:p>
+            <a:pPr marL="863600" lvl="1" indent="-287337">
               <a:spcBef>
                 <a:spcPts val="1100"/>
               </a:spcBef>
@@ -2877,7 +2851,6 @@
               <a:rPr sz="2800"/>
               <a:t>Housekeeping information for the zone</a:t>
             </a:r>
-            <a:endParaRPr sz="2800"/>
           </a:p>
           <a:p>
             <a:pPr lvl="0">
@@ -2901,10 +2874,9 @@
               <a:rPr sz="3200"/>
               <a:t>NS RRs</a:t>
             </a:r>
-            <a:endParaRPr sz="3200"/>
-          </a:p>
-          <a:p>
-            <a:pPr lvl="1" marL="863600" indent="-287337">
+          </a:p>
+          <a:p>
+            <a:pPr marL="863600" lvl="1" indent="-287337">
               <a:spcBef>
                 <a:spcPts val="1100"/>
               </a:spcBef>
@@ -2928,7 +2900,6 @@
               <a:rPr sz="2800"/>
               <a:t>List all the nameservers for the zone, master and slaves</a:t>
             </a:r>
-            <a:endParaRPr sz="2800"/>
           </a:p>
           <a:p>
             <a:pPr lvl="0">
@@ -2952,10 +2923,9 @@
               <a:rPr sz="3200"/>
               <a:t>Other RRs</a:t>
             </a:r>
-            <a:endParaRPr sz="3200"/>
-          </a:p>
-          <a:p>
-            <a:pPr lvl="1" marL="863600" indent="-287337">
+          </a:p>
+          <a:p>
+            <a:pPr marL="863600" lvl="1" indent="-287337">
               <a:spcBef>
                 <a:spcPts val="1100"/>
               </a:spcBef>
@@ -2987,12 +2957,12 @@
   <p:clrMapOvr>
     <a:masterClrMapping/>
   </p:clrMapOvr>
-  <p:transition spd="med" advClick="1"/>
+  <p:transition spd="med"/>
 </p:sld>
 </file>
 
 <file path=ppt/slides/slide15.xml><?xml version="1.0" encoding="utf-8"?>
-<p:sld xmlns:a="http://schemas.openxmlformats.org/drawingml/2006/main" xmlns:r="http://schemas.openxmlformats.org/officeDocument/2006/relationships" xmlns:p="http://schemas.openxmlformats.org/presentationml/2006/main" showMasterSp="1" showMasterPhAnim="1">
+<p:sld xmlns:a="http://schemas.openxmlformats.org/drawingml/2006/main" xmlns:r="http://schemas.openxmlformats.org/officeDocument/2006/relationships" xmlns:p="http://schemas.openxmlformats.org/presentationml/2006/main">
   <p:cSld>
     <p:spTree>
       <p:nvGrpSpPr>
@@ -3011,7 +2981,9 @@
       <p:sp>
         <p:nvSpPr>
           <p:cNvPr id="65" name="Shape 65"/>
-          <p:cNvSpPr/>
+          <p:cNvSpPr>
+            <a:spLocks noGrp="1"/>
+          </p:cNvSpPr>
           <p:nvPr>
             <p:ph type="title" idx="4294967295"/>
           </p:nvPr>
@@ -3035,7 +3007,7 @@
         </p:spPr>
         <p:txBody>
           <a:bodyPr lIns="0" tIns="0" rIns="0" bIns="0" anchor="ctr">
-            <a:normAutofit fontScale="100000" lnSpcReduction="0"/>
+            <a:normAutofit/>
           </a:bodyPr>
           <a:lstStyle>
             <a:lvl1pPr>
@@ -3069,7 +3041,9 @@
       <p:sp>
         <p:nvSpPr>
           <p:cNvPr id="66" name="Shape 66"/>
-          <p:cNvSpPr/>
+          <p:cNvSpPr>
+            <a:spLocks noGrp="1"/>
+          </p:cNvSpPr>
           <p:nvPr>
             <p:ph type="body" idx="4294967295"/>
           </p:nvPr>
@@ -3093,11 +3067,11 @@
         </p:spPr>
         <p:txBody>
           <a:bodyPr lIns="0" tIns="0" rIns="0" bIns="0">
-            <a:normAutofit fontScale="100000" lnSpcReduction="0"/>
+            <a:normAutofit/>
           </a:bodyPr>
           <a:lstStyle/>
           <a:p>
-            <a:pPr lvl="0" marL="391318" indent="-283368">
+            <a:pPr marL="391318" lvl="0" indent="-283368">
               <a:tabLst>
                 <a:tab pos="723900" algn="l"/>
                 <a:tab pos="1447800" algn="l"/>
@@ -3118,10 +3092,9 @@
               <a:rPr sz="2800"/>
               <a:t>One per line (except SOA can extend over several lines)</a:t>
             </a:r>
-            <a:endParaRPr sz="2800"/>
-          </a:p>
-          <a:p>
-            <a:pPr lvl="0" marL="391318" indent="-283368">
+          </a:p>
+          <a:p>
+            <a:pPr marL="391318" lvl="0" indent="-283368">
               <a:tabLst>
                 <a:tab pos="723900" algn="l"/>
                 <a:tab pos="1447800" algn="l"/>
@@ -3142,10 +3115,9 @@
               <a:rPr sz="2800"/>
               <a:t>If you omit the Domain Name, it is the same as the previous line</a:t>
             </a:r>
-            <a:endParaRPr sz="2800"/>
-          </a:p>
-          <a:p>
-            <a:pPr lvl="0" marL="391318" indent="-283368">
+          </a:p>
+          <a:p>
+            <a:pPr marL="391318" lvl="0" indent="-283368">
               <a:tabLst>
                 <a:tab pos="723900" algn="l"/>
                 <a:tab pos="1447800" algn="l"/>
@@ -3166,10 +3138,9 @@
               <a:rPr sz="2800"/>
               <a:t>TTL shortcuts: e.g. 60s, 30m, 4h, 1w2d</a:t>
             </a:r>
-            <a:endParaRPr sz="2800"/>
-          </a:p>
-          <a:p>
-            <a:pPr lvl="0" marL="391318" indent="-283368">
+          </a:p>
+          <a:p>
+            <a:pPr marL="391318" lvl="0" indent="-283368">
               <a:tabLst>
                 <a:tab pos="723900" algn="l"/>
                 <a:tab pos="1447800" algn="l"/>
@@ -3190,10 +3161,9 @@
               <a:rPr sz="2800"/>
               <a:t>If you omit the TTL, uses the $TTL default value</a:t>
             </a:r>
-            <a:endParaRPr sz="2800"/>
-          </a:p>
-          <a:p>
-            <a:pPr lvl="0" marL="391318" indent="-283368">
+          </a:p>
+          <a:p>
+            <a:pPr marL="391318" lvl="0" indent="-283368">
               <a:tabLst>
                 <a:tab pos="723900" algn="l"/>
                 <a:tab pos="1447800" algn="l"/>
@@ -3214,10 +3184,9 @@
               <a:rPr sz="2800"/>
               <a:t>If you omit the Class, it defaults to IN</a:t>
             </a:r>
-            <a:endParaRPr sz="2800"/>
-          </a:p>
-          <a:p>
-            <a:pPr lvl="0" marL="391318" indent="-283368">
+          </a:p>
+          <a:p>
+            <a:pPr marL="391318" lvl="0" indent="-283368">
               <a:tabLst>
                 <a:tab pos="723900" algn="l"/>
                 <a:tab pos="1447800" algn="l"/>
@@ -3238,10 +3207,9 @@
               <a:rPr sz="2800"/>
               <a:t>Type and Data cannot be omitted</a:t>
             </a:r>
-            <a:endParaRPr sz="2800"/>
-          </a:p>
-          <a:p>
-            <a:pPr lvl="0" marL="391318" indent="-283368">
+          </a:p>
+          <a:p>
+            <a:pPr marL="391318" lvl="0" indent="-283368">
               <a:tabLst>
                 <a:tab pos="723900" algn="l"/>
                 <a:tab pos="1447800" algn="l"/>
@@ -3326,12 +3294,6 @@
               </a:rPr>
               <a:t>www      3600  IN      A      212.74.112.80</a:t>
             </a:r>
-            <a:endParaRPr b="1">
-              <a:latin typeface="Courier New"/>
-              <a:ea typeface="Courier New"/>
-              <a:cs typeface="Courier New"/>
-              <a:sym typeface="Courier New"/>
-            </a:endParaRPr>
           </a:p>
           <a:p>
             <a:pPr lvl="0" defTabSz="914400">
@@ -3370,12 +3332,12 @@
   <p:clrMapOvr>
     <a:masterClrMapping/>
   </p:clrMapOvr>
-  <p:transition spd="med" advClick="1"/>
+  <p:transition spd="med"/>
 </p:sld>
 </file>
 
 <file path=ppt/slides/slide16.xml><?xml version="1.0" encoding="utf-8"?>
-<p:sld xmlns:a="http://schemas.openxmlformats.org/drawingml/2006/main" xmlns:r="http://schemas.openxmlformats.org/officeDocument/2006/relationships" xmlns:p="http://schemas.openxmlformats.org/presentationml/2006/main" showMasterSp="1" showMasterPhAnim="1">
+<p:sld xmlns:a="http://schemas.openxmlformats.org/drawingml/2006/main" xmlns:r="http://schemas.openxmlformats.org/officeDocument/2006/relationships" xmlns:p="http://schemas.openxmlformats.org/presentationml/2006/main">
   <p:cSld>
     <p:spTree>
       <p:nvGrpSpPr>
@@ -3394,7 +3356,9 @@
       <p:sp>
         <p:nvSpPr>
           <p:cNvPr id="69" name="Shape 69"/>
-          <p:cNvSpPr/>
+          <p:cNvSpPr>
+            <a:spLocks noGrp="1"/>
+          </p:cNvSpPr>
           <p:nvPr>
             <p:ph type="title" idx="4294967295"/>
           </p:nvPr>
@@ -3418,7 +3382,7 @@
         </p:spPr>
         <p:txBody>
           <a:bodyPr lIns="0" tIns="0" rIns="0" bIns="0" anchor="ctr">
-            <a:normAutofit fontScale="100000" lnSpcReduction="0"/>
+            <a:normAutofit/>
           </a:bodyPr>
           <a:lstStyle>
             <a:lvl1pPr>
@@ -3452,7 +3416,9 @@
       <p:sp>
         <p:nvSpPr>
           <p:cNvPr id="70" name="Shape 70"/>
-          <p:cNvSpPr/>
+          <p:cNvSpPr>
+            <a:spLocks noGrp="1"/>
+          </p:cNvSpPr>
           <p:nvPr>
             <p:ph type="body" idx="4294967295"/>
           </p:nvPr>
@@ -3476,7 +3442,7 @@
         </p:spPr>
         <p:txBody>
           <a:bodyPr lIns="0" tIns="0" rIns="0" bIns="0">
-            <a:normAutofit fontScale="100000" lnSpcReduction="0"/>
+            <a:normAutofit/>
           </a:bodyPr>
           <a:lstStyle/>
           <a:p>
@@ -3501,7 +3467,6 @@
               <a:rPr sz="3200"/>
               <a:t>If the Domain Name does not end in a dot, the zone's own domain ("origin") is appended</a:t>
             </a:r>
-            <a:endParaRPr sz="3200"/>
           </a:p>
           <a:p>
             <a:pPr lvl="0">
@@ -3525,7 +3490,6 @@
               <a:rPr sz="3200"/>
               <a:t>A Domain Name of "@" means the origin itself</a:t>
             </a:r>
-            <a:endParaRPr sz="3200"/>
           </a:p>
           <a:p>
             <a:pPr lvl="0">
@@ -3549,10 +3513,9 @@
               <a:rPr sz="3200"/>
               <a:t>e.g. in zone file for example.com:</a:t>
             </a:r>
-            <a:endParaRPr sz="3200"/>
-          </a:p>
-          <a:p>
-            <a:pPr lvl="1" marL="863600" indent="-287337">
+          </a:p>
+          <a:p>
+            <a:pPr marL="863600" lvl="1" indent="-287337">
               <a:lnSpc>
                 <a:spcPct val="95000"/>
               </a:lnSpc>
@@ -3589,7 +3552,7 @@
               <a:t>  </a:t>
             </a:r>
             <a:r>
-              <a:rPr i="1" sz="2800"/>
+              <a:rPr sz="2800" i="1"/>
               <a:t>means </a:t>
             </a:r>
             <a:r>
@@ -3605,15 +3568,9 @@
               </a:rPr>
               <a:t>example.com.</a:t>
             </a:r>
-            <a:endParaRPr sz="2800">
-              <a:latin typeface="Courier New"/>
-              <a:ea typeface="Courier New"/>
-              <a:cs typeface="Courier New"/>
-              <a:sym typeface="Courier New"/>
-            </a:endParaRPr>
-          </a:p>
-          <a:p>
-            <a:pPr lvl="1" marL="863600" indent="-287337">
+          </a:p>
+          <a:p>
+            <a:pPr marL="863600" lvl="1" indent="-287337">
               <a:lnSpc>
                 <a:spcPct val="95000"/>
               </a:lnSpc>
@@ -3650,7 +3607,7 @@
               <a:t>  </a:t>
             </a:r>
             <a:r>
-              <a:rPr i="1" sz="2800"/>
+              <a:rPr sz="2800" i="1"/>
               <a:t>means </a:t>
             </a:r>
             <a:r>
@@ -3674,12 +3631,12 @@
   <p:clrMapOvr>
     <a:masterClrMapping/>
   </p:clrMapOvr>
-  <p:transition spd="med" advClick="1"/>
+  <p:transition spd="med"/>
 </p:sld>
 </file>
 
 <file path=ppt/slides/slide17.xml><?xml version="1.0" encoding="utf-8"?>
-<p:sld xmlns:a="http://schemas.openxmlformats.org/drawingml/2006/main" xmlns:r="http://schemas.openxmlformats.org/officeDocument/2006/relationships" xmlns:p="http://schemas.openxmlformats.org/presentationml/2006/main" showMasterSp="1" showMasterPhAnim="1">
+<p:sld xmlns:a="http://schemas.openxmlformats.org/drawingml/2006/main" xmlns:r="http://schemas.openxmlformats.org/officeDocument/2006/relationships" xmlns:p="http://schemas.openxmlformats.org/presentationml/2006/main">
   <p:cSld>
     <p:spTree>
       <p:nvGrpSpPr>
@@ -3698,7 +3655,9 @@
       <p:sp>
         <p:nvSpPr>
           <p:cNvPr id="72" name="Shape 72"/>
-          <p:cNvSpPr/>
+          <p:cNvSpPr>
+            <a:spLocks noGrp="1"/>
+          </p:cNvSpPr>
           <p:nvPr>
             <p:ph type="title" idx="4294967295"/>
           </p:nvPr>
@@ -3722,7 +3681,7 @@
         </p:spPr>
         <p:txBody>
           <a:bodyPr lIns="0" tIns="0" rIns="0" bIns="0" anchor="ctr">
-            <a:normAutofit fontScale="100000" lnSpcReduction="0"/>
+            <a:normAutofit/>
           </a:bodyPr>
           <a:lstStyle>
             <a:lvl1pPr>
@@ -3873,12 +3832,6 @@
               </a:rPr>
               <a:t>$TTL 1d</a:t>
             </a:r>
-            <a:endParaRPr sz="2000">
-              <a:latin typeface="Courier New"/>
-              <a:ea typeface="Courier New"/>
-              <a:cs typeface="Courier New"/>
-              <a:sym typeface="Courier New"/>
-            </a:endParaRPr>
           </a:p>
           <a:p>
             <a:pPr lvl="0" defTabSz="914400">
@@ -3909,12 +3862,6 @@
               </a:rPr>
               <a:t>@                       SOA ( ... )</a:t>
             </a:r>
-            <a:endParaRPr sz="2000">
-              <a:latin typeface="Courier New"/>
-              <a:ea typeface="Courier New"/>
-              <a:cs typeface="Courier New"/>
-              <a:sym typeface="Courier New"/>
-            </a:endParaRPr>
           </a:p>
           <a:p>
             <a:pPr lvl="0" defTabSz="914400">
@@ -3945,12 +3892,6 @@
               </a:rPr>
               <a:t>                        NS  ns0</a:t>
             </a:r>
-            <a:endParaRPr sz="2000">
-              <a:latin typeface="Courier New"/>
-              <a:ea typeface="Courier New"/>
-              <a:cs typeface="Courier New"/>
-              <a:sym typeface="Courier New"/>
-            </a:endParaRPr>
           </a:p>
           <a:p>
             <a:pPr lvl="0" defTabSz="914400">
@@ -3981,12 +3922,6 @@
               </a:rPr>
               <a:t>                        NS  ns0.as9105.net.</a:t>
             </a:r>
-            <a:endParaRPr sz="2000">
-              <a:latin typeface="Courier New"/>
-              <a:ea typeface="Courier New"/>
-              <a:cs typeface="Courier New"/>
-              <a:sym typeface="Courier New"/>
-            </a:endParaRPr>
           </a:p>
           <a:p>
             <a:pPr lvl="0" defTabSz="914400">
@@ -4017,12 +3952,6 @@
               </a:rPr>
               <a:t>; Main webserver</a:t>
             </a:r>
-            <a:endParaRPr sz="2000">
-              <a:latin typeface="Courier New"/>
-              <a:ea typeface="Courier New"/>
-              <a:cs typeface="Courier New"/>
-              <a:sym typeface="Courier New"/>
-            </a:endParaRPr>
           </a:p>
           <a:p>
             <a:pPr lvl="0" defTabSz="914400">
@@ -4053,12 +3982,6 @@
               </a:rPr>
               <a:t>www                     A   212.74.112.80</a:t>
             </a:r>
-            <a:endParaRPr sz="2000">
-              <a:latin typeface="Courier New"/>
-              <a:ea typeface="Courier New"/>
-              <a:cs typeface="Courier New"/>
-              <a:sym typeface="Courier New"/>
-            </a:endParaRPr>
           </a:p>
           <a:p>
             <a:pPr lvl="0" defTabSz="914400">
@@ -4153,12 +4076,6 @@
               </a:rPr>
               <a:t>example.com.     86400  IN  SOA ( ... )</a:t>
             </a:r>
-            <a:endParaRPr sz="2000">
-              <a:latin typeface="Courier New"/>
-              <a:ea typeface="Courier New"/>
-              <a:cs typeface="Courier New"/>
-              <a:sym typeface="Courier New"/>
-            </a:endParaRPr>
           </a:p>
           <a:p>
             <a:pPr lvl="0" defTabSz="914400">
@@ -4189,12 +4106,6 @@
               </a:rPr>
               <a:t>example.com.     86400  IN  NS  ns0.example.com.</a:t>
             </a:r>
-            <a:endParaRPr sz="2000">
-              <a:latin typeface="Courier New"/>
-              <a:ea typeface="Courier New"/>
-              <a:cs typeface="Courier New"/>
-              <a:sym typeface="Courier New"/>
-            </a:endParaRPr>
           </a:p>
           <a:p>
             <a:pPr lvl="0" defTabSz="914400">
@@ -4225,12 +4136,6 @@
               </a:rPr>
               <a:t>example.com.     86400  IN  NS  ns0.as9105.net.</a:t>
             </a:r>
-            <a:endParaRPr sz="2000">
-              <a:latin typeface="Courier New"/>
-              <a:ea typeface="Courier New"/>
-              <a:cs typeface="Courier New"/>
-              <a:sym typeface="Courier New"/>
-            </a:endParaRPr>
           </a:p>
           <a:p>
             <a:pPr lvl="0" defTabSz="914400">
@@ -4261,12 +4166,6 @@
               </a:rPr>
               <a:t>www.example.com. 86400  IN  A   212.74.112.80</a:t>
             </a:r>
-            <a:endParaRPr sz="2000">
-              <a:latin typeface="Courier New"/>
-              <a:ea typeface="Courier New"/>
-              <a:cs typeface="Courier New"/>
-              <a:sym typeface="Courier New"/>
-            </a:endParaRPr>
           </a:p>
           <a:p>
             <a:pPr lvl="0" defTabSz="914400">
@@ -4352,6 +4251,7 @@
                 </a:lnSpc>
                 <a:defRPr sz="1800"/>
               </a:pPr>
+              <a:endParaRPr/>
             </a:p>
           </p:txBody>
         </p:sp>
@@ -4393,6 +4293,7 @@
                 </a:lnSpc>
                 <a:defRPr sz="1800"/>
               </a:pPr>
+              <a:endParaRPr/>
             </a:p>
           </p:txBody>
         </p:sp>
@@ -4449,6 +4350,7 @@
                 </a:lnSpc>
                 <a:defRPr sz="1800"/>
               </a:pPr>
+              <a:endParaRPr/>
             </a:p>
           </p:txBody>
         </p:sp>
@@ -4490,6 +4392,7 @@
                 </a:lnSpc>
                 <a:defRPr sz="1800"/>
               </a:pPr>
+              <a:endParaRPr/>
             </a:p>
           </p:txBody>
         </p:sp>
@@ -4525,6 +4428,7 @@
               </a:lnSpc>
               <a:defRPr sz="1800"/>
             </a:pPr>
+            <a:endParaRPr/>
           </a:p>
         </p:txBody>
       </p:sp>
@@ -4533,14 +4437,14 @@
   <p:clrMapOvr>
     <a:masterClrMapping/>
   </p:clrMapOvr>
-  <p:transition spd="med" advClick="1"/>
+  <p:transition spd="med"/>
   <p:timing>
     <p:tnLst>
       <p:par>
-        <p:cTn id="1" nodeType="tmRoot" restart="never" dur="indefinite" fill="hold">
+        <p:cTn id="1" dur="indefinite" restart="never" fill="hold" nodeType="tmRoot">
           <p:childTnLst>
             <p:seq concurrent="1" prevAc="none" nextAc="seek">
-              <p:cTn id="2" nodeType="mainSeq" dur="indefinite" fill="hold">
+              <p:cTn id="2" dur="indefinite" fill="hold" nodeType="mainSeq">
                 <p:childTnLst>
                   <p:par>
                     <p:cTn id="3" fill="hold">
@@ -4555,11 +4459,11 @@
                             </p:stCondLst>
                             <p:childTnLst>
                               <p:par>
-                                <p:cTn id="5" nodeType="clickEffect" presetClass="entr" presetSubtype="1" presetID="2" grpId="1" fill="hold">
+                                <p:cTn id="5" presetID="2" presetClass="entr" presetSubtype="1" fill="hold" grpId="1" nodeType="clickEffect">
                                   <p:stCondLst>
                                     <p:cond delay="0"/>
                                   </p:stCondLst>
-                                  <p:iterate type="el" backwards="0">
+                                  <p:iterate>
                                     <p:tmAbs val="0"/>
                                   </p:iterate>
                                   <p:childTnLst>
@@ -4645,11 +4549,11 @@
                             </p:stCondLst>
                             <p:childTnLst>
                               <p:par>
-                                <p:cTn id="11" nodeType="clickEffect" presetClass="entr" presetSubtype="1" presetID="2" grpId="2" fill="hold">
+                                <p:cTn id="11" presetID="2" presetClass="entr" presetSubtype="1" fill="hold" grpId="2" nodeType="clickEffect">
                                   <p:stCondLst>
                                     <p:cond delay="0"/>
                                   </p:stCondLst>
-                                  <p:iterate type="el" backwards="0">
+                                  <p:iterate>
                                     <p:tmAbs val="0"/>
                                   </p:iterate>
                                   <p:childTnLst>
@@ -4735,11 +4639,11 @@
                             </p:stCondLst>
                             <p:childTnLst>
                               <p:par>
-                                <p:cTn id="17" nodeType="clickEffect" presetClass="entr" presetSubtype="1" presetID="2" grpId="3" fill="hold">
+                                <p:cTn id="17" presetID="2" presetClass="entr" presetSubtype="1" fill="hold" grpId="3" nodeType="clickEffect">
                                   <p:stCondLst>
                                     <p:cond delay="0"/>
                                   </p:stCondLst>
-                                  <p:iterate type="el" backwards="0">
+                                  <p:iterate>
                                     <p:tmAbs val="0"/>
                                   </p:iterate>
                                   <p:childTnLst>
@@ -4815,14 +4719,14 @@
                 </p:childTnLst>
               </p:cTn>
               <p:prevCondLst>
-                <p:cond evt="onPrev">
+                <p:cond evt="onPrev" delay="0">
                   <p:tgtEl>
                     <p:sldTgt/>
                   </p:tgtEl>
                 </p:cond>
               </p:prevCondLst>
               <p:nextCondLst>
-                <p:cond evt="onNext">
+                <p:cond evt="onNext" delay="0">
                   <p:tgtEl>
                     <p:sldTgt/>
                   </p:tgtEl>
@@ -4834,16 +4738,16 @@
       </p:par>
     </p:tnLst>
     <p:bldLst>
-      <p:bldP build="whole" bldLvl="1" animBg="1" rev="0" advAuto="0" spid="82" grpId="2"/>
-      <p:bldP build="whole" bldLvl="1" animBg="1" rev="0" advAuto="0" spid="78" grpId="1"/>
-      <p:bldP build="whole" bldLvl="1" animBg="1" rev="0" advAuto="0" spid="81" grpId="3"/>
+      <p:bldP spid="78" grpId="1" animBg="1" advAuto="0"/>
+      <p:bldP spid="81" grpId="3" animBg="1" advAuto="0"/>
+      <p:bldP spid="82" grpId="2" animBg="1" advAuto="0"/>
     </p:bldLst>
   </p:timing>
 </p:sld>
 </file>
 
 <file path=ppt/slides/slide18.xml><?xml version="1.0" encoding="utf-8"?>
-<p:sld xmlns:a="http://schemas.openxmlformats.org/drawingml/2006/main" xmlns:r="http://schemas.openxmlformats.org/officeDocument/2006/relationships" xmlns:p="http://schemas.openxmlformats.org/presentationml/2006/main" showMasterSp="1" showMasterPhAnim="1">
+<p:sld xmlns:a="http://schemas.openxmlformats.org/drawingml/2006/main" xmlns:r="http://schemas.openxmlformats.org/officeDocument/2006/relationships" xmlns:p="http://schemas.openxmlformats.org/presentationml/2006/main">
   <p:cSld>
     <p:spTree>
       <p:nvGrpSpPr>
@@ -4862,7 +4766,9 @@
       <p:sp>
         <p:nvSpPr>
           <p:cNvPr id="84" name="Shape 84"/>
-          <p:cNvSpPr/>
+          <p:cNvSpPr>
+            <a:spLocks noGrp="1"/>
+          </p:cNvSpPr>
           <p:nvPr>
             <p:ph type="title" idx="4294967295"/>
           </p:nvPr>
@@ -4886,7 +4792,7 @@
         </p:spPr>
         <p:txBody>
           <a:bodyPr lIns="0" tIns="0" rIns="0" bIns="0" anchor="ctr">
-            <a:normAutofit fontScale="100000" lnSpcReduction="0"/>
+            <a:normAutofit/>
           </a:bodyPr>
           <a:lstStyle>
             <a:lvl1pPr>
@@ -4978,6 +4884,27 @@
               </a:rPr>
               <a:t>$TTL 1d</a:t>
             </a:r>
+          </a:p>
+          <a:p>
+            <a:pPr lvl="0" defTabSz="914400">
+              <a:lnSpc>
+                <a:spcPct val="100000"/>
+              </a:lnSpc>
+              <a:tabLst>
+                <a:tab pos="723900" algn="l"/>
+                <a:tab pos="1447800" algn="l"/>
+                <a:tab pos="2171700" algn="l"/>
+                <a:tab pos="2895600" algn="l"/>
+                <a:tab pos="3619500" algn="l"/>
+                <a:tab pos="4343400" algn="l"/>
+                <a:tab pos="5067300" algn="l"/>
+                <a:tab pos="5791200" algn="l"/>
+                <a:tab pos="6515100" algn="l"/>
+                <a:tab pos="7239000" algn="l"/>
+                <a:tab pos="7962900" algn="l"/>
+              </a:tabLst>
+              <a:defRPr sz="1800"/>
+            </a:pPr>
             <a:endParaRPr sz="2000">
               <a:latin typeface="Courier New"/>
               <a:ea typeface="Courier New"/>
@@ -5005,35 +4932,8 @@
               </a:tabLst>
               <a:defRPr sz="1800"/>
             </a:pPr>
-            <a:endParaRPr sz="2000">
-              <a:latin typeface="Courier New"/>
-              <a:ea typeface="Courier New"/>
-              <a:cs typeface="Courier New"/>
-              <a:sym typeface="Courier New"/>
-            </a:endParaRPr>
-          </a:p>
-          <a:p>
-            <a:pPr lvl="0" defTabSz="914400">
-              <a:lnSpc>
-                <a:spcPct val="100000"/>
-              </a:lnSpc>
-              <a:tabLst>
-                <a:tab pos="723900" algn="l"/>
-                <a:tab pos="1447800" algn="l"/>
-                <a:tab pos="2171700" algn="l"/>
-                <a:tab pos="2895600" algn="l"/>
-                <a:tab pos="3619500" algn="l"/>
-                <a:tab pos="4343400" algn="l"/>
-                <a:tab pos="5067300" algn="l"/>
-                <a:tab pos="5791200" algn="l"/>
-                <a:tab pos="6515100" algn="l"/>
-                <a:tab pos="7239000" algn="l"/>
-                <a:tab pos="7962900" algn="l"/>
-              </a:tabLst>
-              <a:defRPr sz="1800"/>
-            </a:pPr>
-            <a:r>
-              <a:rPr b="1" sz="2000">
+            <a:r>
+              <a:rPr sz="2000" b="1">
                 <a:latin typeface="Courier New"/>
                 <a:ea typeface="Courier New"/>
                 <a:cs typeface="Courier New"/>
@@ -5041,12 +4941,6 @@
               </a:rPr>
               <a:t>@  1h  IN  SOA  ns1.example.net. joe.pooh.org. (</a:t>
             </a:r>
-            <a:endParaRPr b="1" sz="2000">
-              <a:latin typeface="Courier New"/>
-              <a:ea typeface="Courier New"/>
-              <a:cs typeface="Courier New"/>
-              <a:sym typeface="Courier New"/>
-            </a:endParaRPr>
           </a:p>
           <a:p>
             <a:pPr lvl="0" defTabSz="914400">
@@ -5078,7 +4972,7 @@
               <a:t>             </a:t>
             </a:r>
             <a:r>
-              <a:rPr b="1" sz="2000">
+              <a:rPr sz="2000" b="1">
                 <a:latin typeface="Courier New"/>
                 <a:ea typeface="Courier New"/>
                 <a:cs typeface="Courier New"/>
@@ -5095,12 +4989,6 @@
               </a:rPr>
               <a:t>     ; Serial</a:t>
             </a:r>
-            <a:endParaRPr sz="2000">
-              <a:latin typeface="Courier New"/>
-              <a:ea typeface="Courier New"/>
-              <a:cs typeface="Courier New"/>
-              <a:sym typeface="Courier New"/>
-            </a:endParaRPr>
           </a:p>
           <a:p>
             <a:pPr lvl="0" defTabSz="914400">
@@ -5132,7 +5020,7 @@
               <a:t>             </a:t>
             </a:r>
             <a:r>
-              <a:rPr b="1" sz="2000">
+              <a:rPr sz="2000" b="1">
                 <a:latin typeface="Courier New"/>
                 <a:ea typeface="Courier New"/>
                 <a:cs typeface="Courier New"/>
@@ -5149,12 +5037,6 @@
               </a:rPr>
               <a:t>             ; Refresh</a:t>
             </a:r>
-            <a:endParaRPr sz="2000">
-              <a:latin typeface="Courier New"/>
-              <a:ea typeface="Courier New"/>
-              <a:cs typeface="Courier New"/>
-              <a:sym typeface="Courier New"/>
-            </a:endParaRPr>
           </a:p>
           <a:p>
             <a:pPr lvl="0" defTabSz="914400">
@@ -5186,7 +5068,7 @@
               <a:t>             </a:t>
             </a:r>
             <a:r>
-              <a:rPr b="1" sz="2000">
+              <a:rPr sz="2000" b="1">
                 <a:latin typeface="Courier New"/>
                 <a:ea typeface="Courier New"/>
                 <a:cs typeface="Courier New"/>
@@ -5203,12 +5085,6 @@
               </a:rPr>
               <a:t>             ; Retry</a:t>
             </a:r>
-            <a:endParaRPr sz="2000">
-              <a:latin typeface="Courier New"/>
-              <a:ea typeface="Courier New"/>
-              <a:cs typeface="Courier New"/>
-              <a:sym typeface="Courier New"/>
-            </a:endParaRPr>
           </a:p>
           <a:p>
             <a:pPr lvl="0" defTabSz="914400">
@@ -5240,7 +5116,7 @@
               <a:t>             </a:t>
             </a:r>
             <a:r>
-              <a:rPr b="1" sz="2000">
+              <a:rPr sz="2000" b="1">
                 <a:latin typeface="Courier New"/>
                 <a:ea typeface="Courier New"/>
                 <a:cs typeface="Courier New"/>
@@ -5257,12 +5133,6 @@
               </a:rPr>
               <a:t>             ; Expire</a:t>
             </a:r>
-            <a:endParaRPr sz="2000">
-              <a:latin typeface="Courier New"/>
-              <a:ea typeface="Courier New"/>
-              <a:cs typeface="Courier New"/>
-              <a:sym typeface="Courier New"/>
-            </a:endParaRPr>
           </a:p>
           <a:p>
             <a:pPr lvl="0" defTabSz="914400">
@@ -5294,7 +5164,7 @@
               <a:t>             </a:t>
             </a:r>
             <a:r>
-              <a:rPr b="1" sz="2000">
+              <a:rPr sz="2000" b="1">
                 <a:latin typeface="Courier New"/>
                 <a:ea typeface="Courier New"/>
                 <a:cs typeface="Courier New"/>
@@ -5311,12 +5181,6 @@
               </a:rPr>
               <a:t>           ; Negative</a:t>
             </a:r>
-            <a:endParaRPr sz="2000">
-              <a:latin typeface="Courier New"/>
-              <a:ea typeface="Courier New"/>
-              <a:cs typeface="Courier New"/>
-              <a:sym typeface="Courier New"/>
-            </a:endParaRPr>
           </a:p>
           <a:p>
             <a:pPr lvl="0" defTabSz="914400">
@@ -5374,12 +5238,6 @@
               </a:rPr>
               <a:t>       IN  NS  ns1.example.net.</a:t>
             </a:r>
-            <a:endParaRPr sz="2000">
-              <a:latin typeface="Courier New"/>
-              <a:ea typeface="Courier New"/>
-              <a:cs typeface="Courier New"/>
-              <a:sym typeface="Courier New"/>
-            </a:endParaRPr>
           </a:p>
           <a:p>
             <a:pPr lvl="0" defTabSz="914400">
@@ -5410,12 +5268,6 @@
               </a:rPr>
               <a:t>       IN  NS  ns2.example.net.</a:t>
             </a:r>
-            <a:endParaRPr sz="2000">
-              <a:latin typeface="Courier New"/>
-              <a:ea typeface="Courier New"/>
-              <a:cs typeface="Courier New"/>
-              <a:sym typeface="Courier New"/>
-            </a:endParaRPr>
           </a:p>
           <a:p>
             <a:pPr lvl="0" defTabSz="914400">
@@ -5454,12 +5306,12 @@
   <p:clrMapOvr>
     <a:masterClrMapping/>
   </p:clrMapOvr>
-  <p:transition spd="med" advClick="1"/>
+  <p:transition spd="med"/>
 </p:sld>
 </file>
 
 <file path=ppt/slides/slide19.xml><?xml version="1.0" encoding="utf-8"?>
-<p:sld xmlns:a="http://schemas.openxmlformats.org/drawingml/2006/main" xmlns:r="http://schemas.openxmlformats.org/officeDocument/2006/relationships" xmlns:p="http://schemas.openxmlformats.org/presentationml/2006/main" showMasterSp="1" showMasterPhAnim="1">
+<p:sld xmlns:a="http://schemas.openxmlformats.org/drawingml/2006/main" xmlns:r="http://schemas.openxmlformats.org/officeDocument/2006/relationships" xmlns:p="http://schemas.openxmlformats.org/presentationml/2006/main">
   <p:cSld>
     <p:spTree>
       <p:nvGrpSpPr>
@@ -5478,7 +5330,9 @@
       <p:sp>
         <p:nvSpPr>
           <p:cNvPr id="87" name="Shape 87"/>
-          <p:cNvSpPr/>
+          <p:cNvSpPr>
+            <a:spLocks noGrp="1"/>
+          </p:cNvSpPr>
           <p:nvPr>
             <p:ph type="title" idx="4294967295"/>
           </p:nvPr>
@@ -5502,7 +5356,7 @@
         </p:spPr>
         <p:txBody>
           <a:bodyPr lIns="0" tIns="0" rIns="0" bIns="0" anchor="ctr">
-            <a:normAutofit fontScale="100000" lnSpcReduction="0"/>
+            <a:normAutofit/>
           </a:bodyPr>
           <a:lstStyle>
             <a:lvl1pPr>
@@ -5536,7 +5390,9 @@
       <p:sp>
         <p:nvSpPr>
           <p:cNvPr id="88" name="Shape 88"/>
-          <p:cNvSpPr/>
+          <p:cNvSpPr>
+            <a:spLocks noGrp="1"/>
+          </p:cNvSpPr>
           <p:nvPr>
             <p:ph type="body" idx="4294967295"/>
           </p:nvPr>
@@ -5560,7 +5416,7 @@
         </p:spPr>
         <p:txBody>
           <a:bodyPr lIns="0" tIns="0" rIns="0" bIns="0">
-            <a:normAutofit fontScale="100000" lnSpcReduction="0"/>
+            <a:normAutofit/>
           </a:bodyPr>
           <a:lstStyle/>
           <a:p>
@@ -5593,15 +5449,9 @@
               </a:rPr>
               <a:t>ns1.example.net.</a:t>
             </a:r>
-            <a:endParaRPr sz="3200">
-              <a:latin typeface="Courier New"/>
-              <a:ea typeface="Courier New"/>
-              <a:cs typeface="Courier New"/>
-              <a:sym typeface="Courier New"/>
-            </a:endParaRPr>
-          </a:p>
-          <a:p>
-            <a:pPr lvl="1" marL="863600" indent="-287337">
+          </a:p>
+          <a:p>
+            <a:pPr marL="863600" lvl="1" indent="-287337">
               <a:spcBef>
                 <a:spcPts val="1100"/>
               </a:spcBef>
@@ -5625,7 +5475,6 @@
               <a:rPr sz="2800"/>
               <a:t>hostname of master nameserver</a:t>
             </a:r>
-            <a:endParaRPr sz="2800"/>
           </a:p>
           <a:p>
             <a:pPr lvl="0">
@@ -5657,15 +5506,9 @@
               </a:rPr>
               <a:t>jabley.hopcount.ca.</a:t>
             </a:r>
-            <a:endParaRPr sz="3200">
-              <a:latin typeface="Courier New"/>
-              <a:ea typeface="Courier New"/>
-              <a:cs typeface="Courier New"/>
-              <a:sym typeface="Courier New"/>
-            </a:endParaRPr>
-          </a:p>
-          <a:p>
-            <a:pPr lvl="1" marL="863600" indent="-287337">
+          </a:p>
+          <a:p>
+            <a:pPr marL="863600" lvl="1" indent="-287337">
               <a:spcBef>
                 <a:spcPts val="1100"/>
               </a:spcBef>
@@ -5689,7 +5532,6 @@
               <a:rPr sz="2800"/>
               <a:t>E-mail address of responsible person, with "@" changed to dot, and trailing dot</a:t>
             </a:r>
-            <a:endParaRPr sz="2800"/>
           </a:p>
           <a:p>
             <a:pPr lvl="0">
@@ -5713,7 +5555,6 @@
               <a:rPr sz="3200"/>
               <a:t>Serial number</a:t>
             </a:r>
-            <a:endParaRPr sz="3200"/>
           </a:p>
           <a:p>
             <a:pPr lvl="0">
@@ -5737,10 +5578,9 @@
               <a:rPr sz="3200"/>
               <a:t>Refresh interval</a:t>
             </a:r>
-            <a:endParaRPr sz="3200"/>
-          </a:p>
-          <a:p>
-            <a:pPr lvl="1" marL="863600" indent="-287337">
+          </a:p>
+          <a:p>
+            <a:pPr marL="863600" lvl="1" indent="-287337">
               <a:spcBef>
                 <a:spcPts val="1100"/>
               </a:spcBef>
@@ -5764,7 +5604,6 @@
               <a:rPr sz="2800"/>
               <a:t>How often Slave checks serial number on Master</a:t>
             </a:r>
-            <a:endParaRPr sz="2800"/>
           </a:p>
           <a:p>
             <a:pPr lvl="0">
@@ -5788,10 +5627,9 @@
               <a:rPr sz="3200"/>
               <a:t>Retry interval</a:t>
             </a:r>
-            <a:endParaRPr sz="3200"/>
-          </a:p>
-          <a:p>
-            <a:pPr lvl="1" marL="863600" indent="-287337">
+          </a:p>
+          <a:p>
+            <a:pPr marL="863600" lvl="1" indent="-287337">
               <a:spcBef>
                 <a:spcPts val="1100"/>
               </a:spcBef>
@@ -5823,12 +5661,12 @@
   <p:clrMapOvr>
     <a:masterClrMapping/>
   </p:clrMapOvr>
-  <p:transition spd="med" advClick="1"/>
+  <p:transition spd="med"/>
 </p:sld>
 </file>
 
 <file path=ppt/slides/slide2.xml><?xml version="1.0" encoding="utf-8"?>
-<p:sld xmlns:a="http://schemas.openxmlformats.org/drawingml/2006/main" xmlns:r="http://schemas.openxmlformats.org/officeDocument/2006/relationships" xmlns:p="http://schemas.openxmlformats.org/presentationml/2006/main" showMasterSp="1" showMasterPhAnim="1">
+<p:sld xmlns:a="http://schemas.openxmlformats.org/drawingml/2006/main" xmlns:r="http://schemas.openxmlformats.org/officeDocument/2006/relationships" xmlns:p="http://schemas.openxmlformats.org/presentationml/2006/main">
   <p:cSld>
     <p:spTree>
       <p:nvGrpSpPr>
@@ -5847,7 +5685,9 @@
       <p:sp>
         <p:nvSpPr>
           <p:cNvPr id="11" name="Shape 11"/>
-          <p:cNvSpPr/>
+          <p:cNvSpPr>
+            <a:spLocks noGrp="1"/>
+          </p:cNvSpPr>
           <p:nvPr>
             <p:ph type="title" idx="4294967295"/>
           </p:nvPr>
@@ -5871,7 +5711,7 @@
         </p:spPr>
         <p:txBody>
           <a:bodyPr lIns="0" tIns="0" rIns="0" bIns="0" anchor="ctr">
-            <a:normAutofit fontScale="100000" lnSpcReduction="0"/>
+            <a:normAutofit/>
           </a:bodyPr>
           <a:lstStyle>
             <a:lvl1pPr>
@@ -5905,7 +5745,9 @@
       <p:sp>
         <p:nvSpPr>
           <p:cNvPr id="12" name="Shape 12"/>
-          <p:cNvSpPr/>
+          <p:cNvSpPr>
+            <a:spLocks noGrp="1"/>
+          </p:cNvSpPr>
           <p:nvPr>
             <p:ph type="body" idx="4294967295"/>
           </p:nvPr>
@@ -5929,7 +5771,7 @@
         </p:spPr>
         <p:txBody>
           <a:bodyPr lIns="0" tIns="0" rIns="0" bIns="0">
-            <a:normAutofit fontScale="100000" lnSpcReduction="0"/>
+            <a:normAutofit/>
           </a:bodyPr>
           <a:lstStyle/>
           <a:p>
@@ -5954,7 +5796,6 @@
               <a:rPr sz="3200"/>
               <a:t>DNS is a distributed database</a:t>
             </a:r>
-            <a:endParaRPr sz="3200"/>
           </a:p>
           <a:p>
             <a:pPr lvl="0">
@@ -5978,7 +5819,6 @@
               <a:rPr sz="3200"/>
               <a:t>Stub asks Resolver for information</a:t>
             </a:r>
-            <a:endParaRPr sz="3200"/>
           </a:p>
           <a:p>
             <a:pPr lvl="0">
@@ -6002,7 +5842,6 @@
               <a:rPr sz="3200"/>
               <a:t>Resolver traverses the DNS delegation tree to find Authoritative nameserver which has the information requested</a:t>
             </a:r>
-            <a:endParaRPr sz="3200"/>
           </a:p>
           <a:p>
             <a:pPr lvl="0">
@@ -6034,12 +5873,12 @@
   <p:clrMapOvr>
     <a:masterClrMapping/>
   </p:clrMapOvr>
-  <p:transition spd="med" advClick="1"/>
+  <p:transition spd="med"/>
 </p:sld>
 </file>
 
 <file path=ppt/slides/slide20.xml><?xml version="1.0" encoding="utf-8"?>
-<p:sld xmlns:a="http://schemas.openxmlformats.org/drawingml/2006/main" xmlns:r="http://schemas.openxmlformats.org/officeDocument/2006/relationships" xmlns:p="http://schemas.openxmlformats.org/presentationml/2006/main" showMasterSp="1" showMasterPhAnim="1">
+<p:sld xmlns:a="http://schemas.openxmlformats.org/drawingml/2006/main" xmlns:r="http://schemas.openxmlformats.org/officeDocument/2006/relationships" xmlns:p="http://schemas.openxmlformats.org/presentationml/2006/main">
   <p:cSld>
     <p:spTree>
       <p:nvGrpSpPr>
@@ -6058,7 +5897,9 @@
       <p:sp>
         <p:nvSpPr>
           <p:cNvPr id="90" name="Shape 90"/>
-          <p:cNvSpPr/>
+          <p:cNvSpPr>
+            <a:spLocks noGrp="1"/>
+          </p:cNvSpPr>
           <p:nvPr>
             <p:ph type="title" idx="4294967295"/>
           </p:nvPr>
@@ -6082,7 +5923,7 @@
         </p:spPr>
         <p:txBody>
           <a:bodyPr lIns="0" tIns="0" rIns="0" bIns="0" anchor="ctr">
-            <a:normAutofit fontScale="100000" lnSpcReduction="0"/>
+            <a:normAutofit/>
           </a:bodyPr>
           <a:lstStyle>
             <a:lvl1pPr>
@@ -6116,7 +5957,9 @@
       <p:sp>
         <p:nvSpPr>
           <p:cNvPr id="91" name="Shape 91"/>
-          <p:cNvSpPr/>
+          <p:cNvSpPr>
+            <a:spLocks noGrp="1"/>
+          </p:cNvSpPr>
           <p:nvPr>
             <p:ph type="body" idx="4294967295"/>
           </p:nvPr>
@@ -6140,7 +5983,7 @@
         </p:spPr>
         <p:txBody>
           <a:bodyPr lIns="0" tIns="0" rIns="0" bIns="0">
-            <a:normAutofit fontScale="100000" lnSpcReduction="0"/>
+            <a:normAutofit/>
           </a:bodyPr>
           <a:lstStyle/>
           <a:p>
@@ -6165,10 +6008,9 @@
               <a:rPr sz="3200"/>
               <a:t>Expiry time</a:t>
             </a:r>
-            <a:endParaRPr sz="3200"/>
-          </a:p>
-          <a:p>
-            <a:pPr lvl="1" marL="863600" indent="-287337">
+          </a:p>
+          <a:p>
+            <a:pPr marL="863600" lvl="1" indent="-287337">
               <a:spcBef>
                 <a:spcPts val="1100"/>
               </a:spcBef>
@@ -6192,7 +6034,6 @@
               <a:rPr sz="2800"/>
               <a:t>If the slave is unable to contact the master for this period of time, it will delete its copy of the zone data</a:t>
             </a:r>
-            <a:endParaRPr sz="2800"/>
           </a:p>
           <a:p>
             <a:pPr lvl="0">
@@ -6216,10 +6057,9 @@
               <a:rPr sz="3200"/>
               <a:t>Negative / Minimum</a:t>
             </a:r>
-            <a:endParaRPr sz="3200"/>
-          </a:p>
-          <a:p>
-            <a:pPr lvl="1" marL="863600" indent="-287337">
+          </a:p>
+          <a:p>
+            <a:pPr marL="863600" lvl="1" indent="-287337">
               <a:spcBef>
                 <a:spcPts val="1100"/>
               </a:spcBef>
@@ -6243,10 +6083,9 @@
               <a:rPr sz="2800"/>
               <a:t>Old software used this as a minimum value of the TTL</a:t>
             </a:r>
-            <a:endParaRPr sz="2800"/>
-          </a:p>
-          <a:p>
-            <a:pPr lvl="1" marL="863600" indent="-287337">
+          </a:p>
+          <a:p>
+            <a:pPr marL="863600" lvl="1" indent="-287337">
               <a:spcBef>
                 <a:spcPts val="1100"/>
               </a:spcBef>
@@ -6270,7 +6109,6 @@
               <a:rPr sz="2800"/>
               <a:t>Now it is used for negative caching: indicates how long a cache may store the non-existence of a RR</a:t>
             </a:r>
-            <a:endParaRPr sz="2800"/>
           </a:p>
           <a:p>
             <a:pPr lvl="0">
@@ -6294,10 +6132,9 @@
               <a:rPr sz="3200"/>
               <a:t>RIPE-203 has recommended values</a:t>
             </a:r>
-            <a:endParaRPr sz="3200"/>
-          </a:p>
-          <a:p>
-            <a:pPr lvl="1" marL="863600" indent="-287337">
+          </a:p>
+          <a:p>
+            <a:pPr marL="863600" lvl="1" indent="-287337">
               <a:spcBef>
                 <a:spcPts val="1100"/>
               </a:spcBef>
@@ -6329,12 +6166,12 @@
   <p:clrMapOvr>
     <a:masterClrMapping/>
   </p:clrMapOvr>
-  <p:transition spd="med" advClick="1"/>
+  <p:transition spd="med"/>
 </p:sld>
 </file>
 
 <file path=ppt/slides/slide21.xml><?xml version="1.0" encoding="utf-8"?>
-<p:sld xmlns:a="http://schemas.openxmlformats.org/drawingml/2006/main" xmlns:r="http://schemas.openxmlformats.org/officeDocument/2006/relationships" xmlns:p="http://schemas.openxmlformats.org/presentationml/2006/main" showMasterSp="1" showMasterPhAnim="1">
+<p:sld xmlns:a="http://schemas.openxmlformats.org/drawingml/2006/main" xmlns:r="http://schemas.openxmlformats.org/officeDocument/2006/relationships" xmlns:p="http://schemas.openxmlformats.org/presentationml/2006/main">
   <p:cSld>
     <p:spTree>
       <p:nvGrpSpPr>
@@ -6353,7 +6190,9 @@
       <p:sp>
         <p:nvSpPr>
           <p:cNvPr id="93" name="Shape 93"/>
-          <p:cNvSpPr/>
+          <p:cNvSpPr>
+            <a:spLocks noGrp="1"/>
+          </p:cNvSpPr>
           <p:nvPr>
             <p:ph type="title" idx="4294967295"/>
           </p:nvPr>
@@ -6377,7 +6216,7 @@
         </p:spPr>
         <p:txBody>
           <a:bodyPr lIns="0" tIns="0" rIns="0" bIns="0" anchor="ctr">
-            <a:normAutofit fontScale="100000" lnSpcReduction="0"/>
+            <a:normAutofit/>
           </a:bodyPr>
           <a:lstStyle>
             <a:lvl1pPr>
@@ -6411,7 +6250,9 @@
       <p:sp>
         <p:nvSpPr>
           <p:cNvPr id="94" name="Shape 94"/>
-          <p:cNvSpPr/>
+          <p:cNvSpPr>
+            <a:spLocks noGrp="1"/>
+          </p:cNvSpPr>
           <p:nvPr>
             <p:ph type="body" idx="4294967295"/>
           </p:nvPr>
@@ -6435,7 +6276,7 @@
         </p:spPr>
         <p:txBody>
           <a:bodyPr lIns="0" tIns="0" rIns="0" bIns="0">
-            <a:normAutofit fontScale="100000" lnSpcReduction="0"/>
+            <a:normAutofit/>
           </a:bodyPr>
           <a:lstStyle/>
           <a:p>
@@ -6460,7 +6301,6 @@
               <a:rPr sz="3200"/>
               <a:t>List all authoritative nameservers for the zone - master and slave(s)</a:t>
             </a:r>
-            <a:endParaRPr sz="3200"/>
           </a:p>
           <a:p>
             <a:pPr lvl="0">
@@ -6548,12 +6388,6 @@
               </a:rPr>
               <a:t>$TTL 1d</a:t>
             </a:r>
-            <a:endParaRPr sz="2000">
-              <a:latin typeface="Courier New"/>
-              <a:ea typeface="Courier New"/>
-              <a:cs typeface="Courier New"/>
-              <a:sym typeface="Courier New"/>
-            </a:endParaRPr>
           </a:p>
           <a:p>
             <a:pPr lvl="0" defTabSz="914400">
@@ -6611,12 +6445,6 @@
               </a:rPr>
               <a:t>@  1h  IN  SOA  ns1.example.net. joe.pooh.org. (</a:t>
             </a:r>
-            <a:endParaRPr sz="2000">
-              <a:latin typeface="Courier New"/>
-              <a:ea typeface="Courier New"/>
-              <a:cs typeface="Courier New"/>
-              <a:sym typeface="Courier New"/>
-            </a:endParaRPr>
           </a:p>
           <a:p>
             <a:pPr lvl="0" defTabSz="914400">
@@ -6647,12 +6475,6 @@
               </a:rPr>
               <a:t>             2004030300     ; Serial</a:t>
             </a:r>
-            <a:endParaRPr sz="2000">
-              <a:latin typeface="Courier New"/>
-              <a:ea typeface="Courier New"/>
-              <a:cs typeface="Courier New"/>
-              <a:sym typeface="Courier New"/>
-            </a:endParaRPr>
           </a:p>
           <a:p>
             <a:pPr lvl="0" defTabSz="914400">
@@ -6683,12 +6505,6 @@
               </a:rPr>
               <a:t>             8h             ; Refresh</a:t>
             </a:r>
-            <a:endParaRPr sz="2000">
-              <a:latin typeface="Courier New"/>
-              <a:ea typeface="Courier New"/>
-              <a:cs typeface="Courier New"/>
-              <a:sym typeface="Courier New"/>
-            </a:endParaRPr>
           </a:p>
           <a:p>
             <a:pPr lvl="0" defTabSz="914400">
@@ -6719,12 +6535,6 @@
               </a:rPr>
               <a:t>             1h             ; Retry</a:t>
             </a:r>
-            <a:endParaRPr sz="2000">
-              <a:latin typeface="Courier New"/>
-              <a:ea typeface="Courier New"/>
-              <a:cs typeface="Courier New"/>
-              <a:sym typeface="Courier New"/>
-            </a:endParaRPr>
           </a:p>
           <a:p>
             <a:pPr lvl="0" defTabSz="914400">
@@ -6755,12 +6565,6 @@
               </a:rPr>
               <a:t>             4w             ; Expire</a:t>
             </a:r>
-            <a:endParaRPr sz="2000">
-              <a:latin typeface="Courier New"/>
-              <a:ea typeface="Courier New"/>
-              <a:cs typeface="Courier New"/>
-              <a:sym typeface="Courier New"/>
-            </a:endParaRPr>
           </a:p>
           <a:p>
             <a:pPr lvl="0" defTabSz="914400">
@@ -6791,6 +6595,27 @@
               </a:rPr>
               <a:t>             1h )           ; Negative</a:t>
             </a:r>
+          </a:p>
+          <a:p>
+            <a:pPr lvl="0" defTabSz="914400">
+              <a:lnSpc>
+                <a:spcPct val="100000"/>
+              </a:lnSpc>
+              <a:tabLst>
+                <a:tab pos="723900" algn="l"/>
+                <a:tab pos="1447800" algn="l"/>
+                <a:tab pos="2171700" algn="l"/>
+                <a:tab pos="2895600" algn="l"/>
+                <a:tab pos="3619500" algn="l"/>
+                <a:tab pos="4343400" algn="l"/>
+                <a:tab pos="5067300" algn="l"/>
+                <a:tab pos="5791200" algn="l"/>
+                <a:tab pos="6515100" algn="l"/>
+                <a:tab pos="7239000" algn="l"/>
+                <a:tab pos="7962900" algn="l"/>
+              </a:tabLst>
+              <a:defRPr sz="1800"/>
+            </a:pPr>
             <a:endParaRPr sz="2000">
               <a:latin typeface="Courier New"/>
               <a:ea typeface="Courier New"/>
@@ -6818,35 +6643,8 @@
               </a:tabLst>
               <a:defRPr sz="1800"/>
             </a:pPr>
-            <a:endParaRPr sz="2000">
-              <a:latin typeface="Courier New"/>
-              <a:ea typeface="Courier New"/>
-              <a:cs typeface="Courier New"/>
-              <a:sym typeface="Courier New"/>
-            </a:endParaRPr>
-          </a:p>
-          <a:p>
-            <a:pPr lvl="0" defTabSz="914400">
-              <a:lnSpc>
-                <a:spcPct val="100000"/>
-              </a:lnSpc>
-              <a:tabLst>
-                <a:tab pos="723900" algn="l"/>
-                <a:tab pos="1447800" algn="l"/>
-                <a:tab pos="2171700" algn="l"/>
-                <a:tab pos="2895600" algn="l"/>
-                <a:tab pos="3619500" algn="l"/>
-                <a:tab pos="4343400" algn="l"/>
-                <a:tab pos="5067300" algn="l"/>
-                <a:tab pos="5791200" algn="l"/>
-                <a:tab pos="6515100" algn="l"/>
-                <a:tab pos="7239000" algn="l"/>
-                <a:tab pos="7962900" algn="l"/>
-              </a:tabLst>
-              <a:defRPr sz="1800"/>
-            </a:pPr>
-            <a:r>
-              <a:rPr b="1" sz="2000">
+            <a:r>
+              <a:rPr sz="2000" b="1">
                 <a:latin typeface="Courier New"/>
                 <a:ea typeface="Courier New"/>
                 <a:cs typeface="Courier New"/>
@@ -6854,12 +6652,6 @@
               </a:rPr>
               <a:t>       IN  NS  ns1.example.net.</a:t>
             </a:r>
-            <a:endParaRPr b="1" sz="2000">
-              <a:latin typeface="Courier New"/>
-              <a:ea typeface="Courier New"/>
-              <a:cs typeface="Courier New"/>
-              <a:sym typeface="Courier New"/>
-            </a:endParaRPr>
           </a:p>
           <a:p>
             <a:pPr lvl="0" defTabSz="914400">
@@ -6882,7 +6674,7 @@
               <a:defRPr sz="1800"/>
             </a:pPr>
             <a:r>
-              <a:rPr b="1" sz="2000">
+              <a:rPr sz="2000" b="1">
                 <a:latin typeface="Courier New"/>
                 <a:ea typeface="Courier New"/>
                 <a:cs typeface="Courier New"/>
@@ -6890,12 +6682,6 @@
               </a:rPr>
               <a:t>       IN  NS  ns2.example.net.</a:t>
             </a:r>
-            <a:endParaRPr b="1" sz="2000">
-              <a:latin typeface="Courier New"/>
-              <a:ea typeface="Courier New"/>
-              <a:cs typeface="Courier New"/>
-              <a:sym typeface="Courier New"/>
-            </a:endParaRPr>
           </a:p>
           <a:p>
             <a:pPr lvl="0" defTabSz="914400">
@@ -6918,7 +6704,7 @@
               <a:defRPr sz="1800"/>
             </a:pPr>
             <a:r>
-              <a:rPr b="1" sz="2000">
+              <a:rPr sz="2000" b="1">
                 <a:latin typeface="Courier New"/>
                 <a:ea typeface="Courier New"/>
                 <a:cs typeface="Courier New"/>
@@ -6934,12 +6720,12 @@
   <p:clrMapOvr>
     <a:masterClrMapping/>
   </p:clrMapOvr>
-  <p:transition spd="med" advClick="1"/>
+  <p:transition spd="med"/>
 </p:sld>
 </file>
 
 <file path=ppt/slides/slide22.xml><?xml version="1.0" encoding="utf-8"?>
-<p:sld xmlns:a="http://schemas.openxmlformats.org/drawingml/2006/main" xmlns:r="http://schemas.openxmlformats.org/officeDocument/2006/relationships" xmlns:p="http://schemas.openxmlformats.org/presentationml/2006/main" showMasterSp="1" showMasterPhAnim="1">
+<p:sld xmlns:a="http://schemas.openxmlformats.org/drawingml/2006/main" xmlns:r="http://schemas.openxmlformats.org/officeDocument/2006/relationships" xmlns:p="http://schemas.openxmlformats.org/presentationml/2006/main">
   <p:cSld>
     <p:spTree>
       <p:nvGrpSpPr>
@@ -6958,7 +6744,9 @@
       <p:sp>
         <p:nvSpPr>
           <p:cNvPr id="97" name="Shape 97"/>
-          <p:cNvSpPr/>
+          <p:cNvSpPr>
+            <a:spLocks noGrp="1"/>
+          </p:cNvSpPr>
           <p:nvPr>
             <p:ph type="title" idx="4294967295"/>
           </p:nvPr>
@@ -6982,7 +6770,7 @@
         </p:spPr>
         <p:txBody>
           <a:bodyPr lIns="0" tIns="0" rIns="0" bIns="0" anchor="ctr">
-            <a:normAutofit fontScale="100000" lnSpcReduction="0"/>
+            <a:normAutofit/>
           </a:bodyPr>
           <a:lstStyle>
             <a:lvl1pPr>
@@ -7016,7 +6804,9 @@
       <p:sp>
         <p:nvSpPr>
           <p:cNvPr id="98" name="Shape 98"/>
-          <p:cNvSpPr/>
+          <p:cNvSpPr>
+            <a:spLocks noGrp="1"/>
+          </p:cNvSpPr>
           <p:nvPr>
             <p:ph type="body" idx="4294967295"/>
           </p:nvPr>
@@ -7040,7 +6830,7 @@
         </p:spPr>
         <p:txBody>
           <a:bodyPr lIns="0" tIns="0" rIns="0" bIns="0">
-            <a:normAutofit fontScale="100000" lnSpcReduction="0"/>
+            <a:normAutofit/>
           </a:bodyPr>
           <a:lstStyle/>
           <a:p>
@@ -7073,12 +6863,6 @@
               </a:rPr>
               <a:t>IN  A   1.2.3.4</a:t>
             </a:r>
-            <a:endParaRPr sz="3200">
-              <a:latin typeface="Courier New"/>
-              <a:ea typeface="Courier New"/>
-              <a:cs typeface="Courier New"/>
-              <a:sym typeface="Courier New"/>
-            </a:endParaRPr>
           </a:p>
           <a:p>
             <a:pPr lvl="0">
@@ -7110,15 +6894,9 @@
               </a:rPr>
               <a:t>IN  MX  10 mailhost.example.com.</a:t>
             </a:r>
-            <a:endParaRPr sz="3200">
-              <a:latin typeface="Courier New"/>
-              <a:ea typeface="Courier New"/>
-              <a:cs typeface="Courier New"/>
-              <a:sym typeface="Courier New"/>
-            </a:endParaRPr>
-          </a:p>
-          <a:p>
-            <a:pPr lvl="1" marL="863600" indent="-287337">
+          </a:p>
+          <a:p>
+            <a:pPr marL="863600" lvl="1" indent="-287337">
               <a:spcBef>
                 <a:spcPts val="1100"/>
               </a:spcBef>
@@ -7142,10 +6920,9 @@
               <a:rPr sz="2800"/>
               <a:t>The number is a "preference value". Mail is delivered to the lowest-number MX first</a:t>
             </a:r>
-            <a:endParaRPr sz="2800"/>
-          </a:p>
-          <a:p>
-            <a:pPr lvl="1" marL="863600" indent="-287337">
+          </a:p>
+          <a:p>
+            <a:pPr marL="863600" lvl="1" indent="-287337">
               <a:spcBef>
                 <a:spcPts val="1100"/>
               </a:spcBef>
@@ -7169,7 +6946,6 @@
               <a:rPr sz="2800"/>
               <a:t>Must point to HOSTNAME not IP address</a:t>
             </a:r>
-            <a:endParaRPr sz="2800"/>
           </a:p>
           <a:p>
             <a:pPr lvl="0">
@@ -7201,12 +6977,6 @@
               </a:rPr>
               <a:t>IN  CNAME  host.example.com.</a:t>
             </a:r>
-            <a:endParaRPr sz="3200">
-              <a:latin typeface="Courier New"/>
-              <a:ea typeface="Courier New"/>
-              <a:cs typeface="Courier New"/>
-              <a:sym typeface="Courier New"/>
-            </a:endParaRPr>
           </a:p>
           <a:p>
             <a:pPr lvl="0">
@@ -7238,12 +7008,6 @@
               </a:rPr>
               <a:t>IN  PTR    host.example.com.</a:t>
             </a:r>
-            <a:endParaRPr sz="3200">
-              <a:latin typeface="Courier New"/>
-              <a:ea typeface="Courier New"/>
-              <a:cs typeface="Courier New"/>
-              <a:sym typeface="Courier New"/>
-            </a:endParaRPr>
           </a:p>
           <a:p>
             <a:pPr lvl="0">
@@ -7283,12 +7047,12 @@
   <p:clrMapOvr>
     <a:masterClrMapping/>
   </p:clrMapOvr>
-  <p:transition spd="med" advClick="1"/>
+  <p:transition spd="med"/>
 </p:sld>
 </file>
 
 <file path=ppt/slides/slide23.xml><?xml version="1.0" encoding="utf-8"?>
-<p:sld xmlns:a="http://schemas.openxmlformats.org/drawingml/2006/main" xmlns:r="http://schemas.openxmlformats.org/officeDocument/2006/relationships" xmlns:p="http://schemas.openxmlformats.org/presentationml/2006/main" showMasterSp="1" showMasterPhAnim="1">
+<p:sld xmlns:a="http://schemas.openxmlformats.org/drawingml/2006/main" xmlns:r="http://schemas.openxmlformats.org/officeDocument/2006/relationships" xmlns:p="http://schemas.openxmlformats.org/presentationml/2006/main">
   <p:cSld>
     <p:spTree>
       <p:nvGrpSpPr>
@@ -7307,7 +7071,9 @@
       <p:sp>
         <p:nvSpPr>
           <p:cNvPr id="100" name="Shape 100"/>
-          <p:cNvSpPr/>
+          <p:cNvSpPr>
+            <a:spLocks noGrp="1"/>
+          </p:cNvSpPr>
           <p:nvPr>
             <p:ph type="title" idx="4294967295"/>
           </p:nvPr>
@@ -7331,7 +7097,7 @@
         </p:spPr>
         <p:txBody>
           <a:bodyPr lIns="0" tIns="0" rIns="0" bIns="0" anchor="ctr">
-            <a:normAutofit fontScale="100000" lnSpcReduction="0"/>
+            <a:normAutofit/>
           </a:bodyPr>
           <a:lstStyle>
             <a:lvl1pPr>
@@ -7365,7 +7131,9 @@
       <p:sp>
         <p:nvSpPr>
           <p:cNvPr id="101" name="Shape 101"/>
-          <p:cNvSpPr/>
+          <p:cNvSpPr>
+            <a:spLocks noGrp="1"/>
+          </p:cNvSpPr>
           <p:nvPr>
             <p:ph type="body" idx="4294967295"/>
           </p:nvPr>
@@ -7389,7 +7157,7 @@
         </p:spPr>
         <p:txBody>
           <a:bodyPr lIns="0" tIns="0" rIns="0" bIns="0">
-            <a:normAutofit fontScale="100000" lnSpcReduction="0"/>
+            <a:normAutofit/>
           </a:bodyPr>
           <a:lstStyle/>
           <a:p>
@@ -7414,7 +7182,6 @@
               <a:rPr sz="3200"/>
               <a:t>Remember to increase the serial number!</a:t>
             </a:r>
-            <a:endParaRPr sz="3200"/>
           </a:p>
           <a:p>
             <a:pPr lvl="0">
@@ -7463,15 +7230,9 @@
               </a:rPr>
               <a:t>   /usr/local/etc/namedb/master/example.com</a:t>
             </a:r>
-            <a:endParaRPr sz="3200">
-              <a:latin typeface="Courier New"/>
-              <a:ea typeface="Courier New"/>
-              <a:cs typeface="Courier New"/>
-              <a:sym typeface="Courier New"/>
-            </a:endParaRPr>
-          </a:p>
-          <a:p>
-            <a:pPr lvl="1" marL="863600" indent="-287337">
+          </a:p>
+          <a:p>
+            <a:pPr marL="863600" lvl="1" indent="-287337">
               <a:spcBef>
                 <a:spcPts val="1100"/>
               </a:spcBef>
@@ -7495,10 +7256,9 @@
               <a:rPr sz="2800"/>
               <a:t>bind 9 feature</a:t>
             </a:r>
-            <a:endParaRPr sz="2800"/>
-          </a:p>
-          <a:p>
-            <a:pPr lvl="1" marL="863600" indent="-287337">
+          </a:p>
+          <a:p>
+            <a:pPr marL="863600" lvl="1" indent="-287337">
               <a:spcBef>
                 <a:spcPts val="1100"/>
               </a:spcBef>
@@ -7522,7 +7282,6 @@
               <a:rPr sz="2800"/>
               <a:t>reports zone file syntax errors; correct them!</a:t>
             </a:r>
-            <a:endParaRPr sz="2800"/>
           </a:p>
           <a:p>
             <a:pPr lvl="0">
@@ -7554,15 +7313,9 @@
               </a:rPr>
               <a:t>named-checkconf</a:t>
             </a:r>
-            <a:endParaRPr sz="3200">
-              <a:latin typeface="Courier New"/>
-              <a:ea typeface="Courier New"/>
-              <a:cs typeface="Courier New"/>
-              <a:sym typeface="Courier New"/>
-            </a:endParaRPr>
-          </a:p>
-          <a:p>
-            <a:pPr lvl="1" marL="863600" indent="-287337">
+          </a:p>
+          <a:p>
+            <a:pPr marL="863600" lvl="1" indent="-287337">
               <a:spcBef>
                 <a:spcPts val="1100"/>
               </a:spcBef>
@@ -7586,7 +7339,6 @@
               <a:rPr sz="2800"/>
               <a:t>reports errors in named.conf</a:t>
             </a:r>
-            <a:endParaRPr sz="2800"/>
           </a:p>
           <a:p>
             <a:pPr lvl="0">
@@ -7618,15 +7370,9 @@
               </a:rPr>
               <a:t>rndc reload</a:t>
             </a:r>
-            <a:endParaRPr sz="3200">
-              <a:latin typeface="Courier New"/>
-              <a:ea typeface="Courier New"/>
-              <a:cs typeface="Courier New"/>
-              <a:sym typeface="Courier New"/>
-            </a:endParaRPr>
-          </a:p>
-          <a:p>
-            <a:pPr lvl="1" marL="863600" indent="-287337">
+          </a:p>
+          <a:p>
+            <a:pPr marL="863600" lvl="1" indent="-287337">
               <a:spcBef>
                 <a:spcPts val="1100"/>
               </a:spcBef>
@@ -7659,12 +7405,6 @@
               </a:rPr>
               <a:t>rndc reload example.com</a:t>
             </a:r>
-            <a:endParaRPr sz="2800">
-              <a:latin typeface="Courier New"/>
-              <a:ea typeface="Courier New"/>
-              <a:cs typeface="Courier New"/>
-              <a:sym typeface="Courier New"/>
-            </a:endParaRPr>
           </a:p>
           <a:p>
             <a:pPr lvl="0">
@@ -7704,12 +7444,12 @@
   <p:clrMapOvr>
     <a:masterClrMapping/>
   </p:clrMapOvr>
-  <p:transition spd="med" advClick="1"/>
+  <p:transition spd="med"/>
 </p:sld>
 </file>
 
 <file path=ppt/slides/slide24.xml><?xml version="1.0" encoding="utf-8"?>
-<p:sld xmlns:a="http://schemas.openxmlformats.org/drawingml/2006/main" xmlns:r="http://schemas.openxmlformats.org/officeDocument/2006/relationships" xmlns:p="http://schemas.openxmlformats.org/presentationml/2006/main" showMasterSp="1" showMasterPhAnim="1">
+<p:sld xmlns:a="http://schemas.openxmlformats.org/drawingml/2006/main" xmlns:r="http://schemas.openxmlformats.org/officeDocument/2006/relationships" xmlns:p="http://schemas.openxmlformats.org/presentationml/2006/main">
   <p:cSld>
     <p:spTree>
       <p:nvGrpSpPr>
@@ -7728,7 +7468,9 @@
       <p:sp>
         <p:nvSpPr>
           <p:cNvPr id="103" name="Shape 103"/>
-          <p:cNvSpPr/>
+          <p:cNvSpPr>
+            <a:spLocks noGrp="1"/>
+          </p:cNvSpPr>
           <p:nvPr>
             <p:ph type="title" idx="4294967295"/>
           </p:nvPr>
@@ -7752,7 +7494,7 @@
         </p:spPr>
         <p:txBody>
           <a:bodyPr lIns="0" tIns="0" rIns="0" bIns="0" anchor="ctr">
-            <a:normAutofit fontScale="100000" lnSpcReduction="0"/>
+            <a:normAutofit/>
           </a:bodyPr>
           <a:lstStyle>
             <a:lvl1pPr>
@@ -7786,7 +7528,9 @@
       <p:sp>
         <p:nvSpPr>
           <p:cNvPr id="104" name="Shape 104"/>
-          <p:cNvSpPr/>
+          <p:cNvSpPr>
+            <a:spLocks noGrp="1"/>
+          </p:cNvSpPr>
           <p:nvPr>
             <p:ph type="body" idx="4294967295"/>
           </p:nvPr>
@@ -7810,7 +7554,7 @@
         </p:spPr>
         <p:txBody>
           <a:bodyPr lIns="0" tIns="0" rIns="0" bIns="0">
-            <a:normAutofit fontScale="100000" lnSpcReduction="0"/>
+            <a:normAutofit/>
           </a:bodyPr>
           <a:lstStyle/>
           <a:p>
@@ -7835,7 +7579,6 @@
               <a:rPr sz="3200"/>
               <a:t>If you have an error in named.conf or a zone file, named may continue to run but will not be authoritative for the bad zone(s)</a:t>
             </a:r>
-            <a:endParaRPr sz="3200"/>
           </a:p>
           <a:p>
             <a:pPr lvl="0">
@@ -7859,7 +7602,6 @@
               <a:rPr sz="3200"/>
               <a:t>You will be lame for the zone without realising it</a:t>
             </a:r>
-            <a:endParaRPr sz="3200"/>
           </a:p>
           <a:p>
             <a:pPr lvl="0">
@@ -7883,7 +7625,6 @@
               <a:rPr sz="3200"/>
               <a:t>Slaves will not be able to contact the master</a:t>
             </a:r>
-            <a:endParaRPr sz="3200"/>
           </a:p>
           <a:p>
             <a:pPr lvl="0">
@@ -7907,7 +7648,6 @@
               <a:rPr sz="3200"/>
               <a:t>Eventually (e.g. 4 weeks later) the slaves will expire the zone</a:t>
             </a:r>
-            <a:endParaRPr sz="3200"/>
           </a:p>
           <a:p>
             <a:pPr lvl="0">
@@ -7939,12 +7679,12 @@
   <p:clrMapOvr>
     <a:masterClrMapping/>
   </p:clrMapOvr>
-  <p:transition spd="med" advClick="1"/>
+  <p:transition spd="med"/>
 </p:sld>
 </file>
 
 <file path=ppt/slides/slide25.xml><?xml version="1.0" encoding="utf-8"?>
-<p:sld xmlns:a="http://schemas.openxmlformats.org/drawingml/2006/main" xmlns:r="http://schemas.openxmlformats.org/officeDocument/2006/relationships" xmlns:p="http://schemas.openxmlformats.org/presentationml/2006/main" showMasterSp="1" showMasterPhAnim="1">
+<p:sld xmlns:a="http://schemas.openxmlformats.org/drawingml/2006/main" xmlns:r="http://schemas.openxmlformats.org/officeDocument/2006/relationships" xmlns:p="http://schemas.openxmlformats.org/presentationml/2006/main">
   <p:cSld>
     <p:spTree>
       <p:nvGrpSpPr>
@@ -7963,7 +7703,9 @@
       <p:sp>
         <p:nvSpPr>
           <p:cNvPr id="106" name="Shape 106"/>
-          <p:cNvSpPr/>
+          <p:cNvSpPr>
+            <a:spLocks noGrp="1"/>
+          </p:cNvSpPr>
           <p:nvPr>
             <p:ph type="title" idx="4294967295"/>
           </p:nvPr>
@@ -7987,7 +7729,7 @@
         </p:spPr>
         <p:txBody>
           <a:bodyPr lIns="0" tIns="0" rIns="0" bIns="0" anchor="ctr">
-            <a:normAutofit fontScale="100000" lnSpcReduction="0"/>
+            <a:normAutofit/>
           </a:bodyPr>
           <a:lstStyle>
             <a:lvl1pPr>
@@ -8021,7 +7763,9 @@
       <p:sp>
         <p:nvSpPr>
           <p:cNvPr id="107" name="Shape 107"/>
-          <p:cNvSpPr/>
+          <p:cNvSpPr>
+            <a:spLocks noGrp="1"/>
+          </p:cNvSpPr>
           <p:nvPr>
             <p:ph type="body" idx="4294967295"/>
           </p:nvPr>
@@ -8045,11 +7789,11 @@
         </p:spPr>
         <p:txBody>
           <a:bodyPr lIns="0" tIns="0" rIns="0" bIns="0">
-            <a:normAutofit fontScale="100000" lnSpcReduction="0"/>
+            <a:normAutofit/>
           </a:bodyPr>
           <a:lstStyle/>
           <a:p>
-            <a:pPr lvl="0" marL="391318" indent="-283368">
+            <a:pPr marL="391318" lvl="0" indent="-283368">
               <a:lnSpc>
                 <a:spcPct val="95000"/>
               </a:lnSpc>
@@ -8070,7 +7814,7 @@
               <a:defRPr sz="1800"/>
             </a:pPr>
             <a:r>
-              <a:rPr b="1" sz="2800">
+              <a:rPr sz="2800" b="1">
                 <a:latin typeface="Courier New"/>
                 <a:ea typeface="Courier New"/>
                 <a:cs typeface="Courier New"/>
@@ -8078,15 +7822,9 @@
               </a:rPr>
               <a:t>dig +norec @x.x.x.x example.com. soa</a:t>
             </a:r>
-            <a:endParaRPr b="1" sz="2800">
-              <a:latin typeface="Courier New"/>
-              <a:ea typeface="Courier New"/>
-              <a:cs typeface="Courier New"/>
-              <a:sym typeface="Courier New"/>
-            </a:endParaRPr>
-          </a:p>
-          <a:p>
-            <a:pPr lvl="1" marL="863600" indent="-287337">
+          </a:p>
+          <a:p>
+            <a:pPr marL="863600" lvl="1" indent="-287337">
               <a:spcBef>
                 <a:spcPts val="1100"/>
               </a:spcBef>
@@ -8110,10 +7848,9 @@
               <a:rPr sz="2800"/>
               <a:t>Check the AA flag</a:t>
             </a:r>
-            <a:endParaRPr sz="2800"/>
-          </a:p>
-          <a:p>
-            <a:pPr lvl="1" marL="863600" indent="-287337">
+          </a:p>
+          <a:p>
+            <a:pPr marL="863600" lvl="1" indent="-287337">
               <a:spcBef>
                 <a:spcPts val="1100"/>
               </a:spcBef>
@@ -8137,10 +7874,9 @@
               <a:rPr sz="2800"/>
               <a:t>Repeat for the master and all the slaves</a:t>
             </a:r>
-            <a:endParaRPr sz="2800"/>
-          </a:p>
-          <a:p>
-            <a:pPr lvl="1" marL="863600" indent="-287337">
+          </a:p>
+          <a:p>
+            <a:pPr marL="863600" lvl="1" indent="-287337">
               <a:spcBef>
                 <a:spcPts val="1100"/>
               </a:spcBef>
@@ -8164,10 +7900,9 @@
               <a:rPr sz="2800"/>
               <a:t>Check the serial numbers match</a:t>
             </a:r>
-            <a:endParaRPr sz="2800"/>
-          </a:p>
-          <a:p>
-            <a:pPr lvl="0" marL="391318" indent="-283368">
+          </a:p>
+          <a:p>
+            <a:pPr marL="391318" lvl="0" indent="-283368">
               <a:lnSpc>
                 <a:spcPct val="95000"/>
               </a:lnSpc>
@@ -8188,7 +7923,7 @@
               <a:defRPr sz="1800"/>
             </a:pPr>
             <a:r>
-              <a:rPr b="1" sz="2800">
+              <a:rPr sz="2800" b="1">
                 <a:latin typeface="Courier New"/>
                 <a:ea typeface="Courier New"/>
                 <a:cs typeface="Courier New"/>
@@ -8196,15 +7931,9 @@
               </a:rPr>
               <a:t>dig @x.x.x.x example.com. axfr</a:t>
             </a:r>
-            <a:endParaRPr b="1" sz="2800">
-              <a:latin typeface="Courier New"/>
-              <a:ea typeface="Courier New"/>
-              <a:cs typeface="Courier New"/>
-              <a:sym typeface="Courier New"/>
-            </a:endParaRPr>
-          </a:p>
-          <a:p>
-            <a:pPr lvl="1" marL="863600" indent="-287337">
+          </a:p>
+          <a:p>
+            <a:pPr marL="863600" lvl="1" indent="-287337">
               <a:spcBef>
                 <a:spcPts val="1100"/>
               </a:spcBef>
@@ -8228,10 +7957,9 @@
               <a:rPr sz="2800"/>
               <a:t>"Authority Transfer"</a:t>
             </a:r>
-            <a:endParaRPr sz="2800"/>
-          </a:p>
-          <a:p>
-            <a:pPr lvl="1" marL="863600" indent="-287337">
+          </a:p>
+          <a:p>
+            <a:pPr marL="863600" lvl="1" indent="-287337">
               <a:spcBef>
                 <a:spcPts val="1100"/>
               </a:spcBef>
@@ -8255,10 +7983,9 @@
               <a:rPr sz="2800"/>
               <a:t>Requests a full copy of the zone contents over TCP, as slaves do to master</a:t>
             </a:r>
-            <a:endParaRPr sz="2800"/>
-          </a:p>
-          <a:p>
-            <a:pPr lvl="1" marL="863600" indent="-287337">
+          </a:p>
+          <a:p>
+            <a:pPr marL="863600" lvl="1" indent="-287337">
               <a:spcBef>
                 <a:spcPts val="1100"/>
               </a:spcBef>
@@ -8290,12 +8017,12 @@
   <p:clrMapOvr>
     <a:masterClrMapping/>
   </p:clrMapOvr>
-  <p:transition spd="med" advClick="1"/>
+  <p:transition spd="med"/>
 </p:sld>
 </file>
 
 <file path=ppt/slides/slide26.xml><?xml version="1.0" encoding="utf-8"?>
-<p:sld xmlns:a="http://schemas.openxmlformats.org/drawingml/2006/main" xmlns:r="http://schemas.openxmlformats.org/officeDocument/2006/relationships" xmlns:p="http://schemas.openxmlformats.org/presentationml/2006/main" showMasterSp="1" showMasterPhAnim="1">
+<p:sld xmlns:a="http://schemas.openxmlformats.org/drawingml/2006/main" xmlns:r="http://schemas.openxmlformats.org/officeDocument/2006/relationships" xmlns:p="http://schemas.openxmlformats.org/presentationml/2006/main">
   <p:cSld>
     <p:spTree>
       <p:nvGrpSpPr>
@@ -8314,7 +8041,9 @@
       <p:sp>
         <p:nvSpPr>
           <p:cNvPr id="109" name="Shape 109"/>
-          <p:cNvSpPr/>
+          <p:cNvSpPr>
+            <a:spLocks noGrp="1"/>
+          </p:cNvSpPr>
           <p:nvPr>
             <p:ph type="title" idx="4294967295"/>
           </p:nvPr>
@@ -8338,7 +8067,7 @@
         </p:spPr>
         <p:txBody>
           <a:bodyPr lIns="0" tIns="0" rIns="0" bIns="0" anchor="ctr">
-            <a:normAutofit fontScale="100000" lnSpcReduction="0"/>
+            <a:normAutofit/>
           </a:bodyPr>
           <a:lstStyle>
             <a:lvl1pPr>
@@ -8372,7 +8101,9 @@
       <p:sp>
         <p:nvSpPr>
           <p:cNvPr id="110" name="Shape 110"/>
-          <p:cNvSpPr/>
+          <p:cNvSpPr>
+            <a:spLocks noGrp="1"/>
+          </p:cNvSpPr>
           <p:nvPr>
             <p:ph type="body" idx="4294967295"/>
           </p:nvPr>
@@ -8396,7 +8127,7 @@
         </p:spPr>
         <p:txBody>
           <a:bodyPr lIns="0" tIns="0" rIns="0" bIns="0">
-            <a:normAutofit fontScale="100000" lnSpcReduction="0"/>
+            <a:normAutofit/>
           </a:bodyPr>
           <a:lstStyle/>
           <a:p>
@@ -8421,7 +8152,6 @@
               <a:rPr sz="3200"/>
               <a:t>But none of this will work until you have delegation from the domain above</a:t>
             </a:r>
-            <a:endParaRPr sz="3200"/>
           </a:p>
           <a:p>
             <a:pPr lvl="0">
@@ -8445,7 +8175,6 @@
               <a:rPr sz="3200"/>
               <a:t>That is, they put in NS records for your domain, pointing at your nameservers</a:t>
             </a:r>
-            <a:endParaRPr sz="3200"/>
           </a:p>
           <a:p>
             <a:pPr lvl="0">
@@ -8469,7 +8198,6 @@
               <a:rPr sz="3200"/>
               <a:t>You have also put NS records within the zone file</a:t>
             </a:r>
-            <a:endParaRPr sz="3200"/>
           </a:p>
           <a:p>
             <a:pPr lvl="0">
@@ -8501,12 +8229,12 @@
   <p:clrMapOvr>
     <a:masterClrMapping/>
   </p:clrMapOvr>
-  <p:transition spd="med" advClick="1"/>
+  <p:transition spd="med"/>
 </p:sld>
 </file>
 
 <file path=ppt/slides/slide27.xml><?xml version="1.0" encoding="utf-8"?>
-<p:sld xmlns:a="http://schemas.openxmlformats.org/drawingml/2006/main" xmlns:r="http://schemas.openxmlformats.org/officeDocument/2006/relationships" xmlns:p="http://schemas.openxmlformats.org/presentationml/2006/main" showMasterSp="1" showMasterPhAnim="1">
+<p:sld xmlns:a="http://schemas.openxmlformats.org/drawingml/2006/main" xmlns:r="http://schemas.openxmlformats.org/officeDocument/2006/relationships" xmlns:p="http://schemas.openxmlformats.org/presentationml/2006/main">
   <p:cSld>
     <p:spTree>
       <p:nvGrpSpPr>
@@ -8525,7 +8253,9 @@
       <p:sp>
         <p:nvSpPr>
           <p:cNvPr id="112" name="Shape 112"/>
-          <p:cNvSpPr/>
+          <p:cNvSpPr>
+            <a:spLocks noGrp="1"/>
+          </p:cNvSpPr>
           <p:nvPr>
             <p:ph type="title" idx="4294967295"/>
           </p:nvPr>
@@ -8549,7 +8279,7 @@
         </p:spPr>
         <p:txBody>
           <a:bodyPr lIns="0" tIns="0" rIns="0" bIns="0" anchor="ctr">
-            <a:normAutofit fontScale="100000" lnSpcReduction="0"/>
+            <a:normAutofit/>
           </a:bodyPr>
           <a:lstStyle>
             <a:lvl1pPr>
@@ -8583,7 +8313,9 @@
       <p:sp>
         <p:nvSpPr>
           <p:cNvPr id="113" name="Shape 113"/>
-          <p:cNvSpPr/>
+          <p:cNvSpPr>
+            <a:spLocks noGrp="1"/>
+          </p:cNvSpPr>
           <p:nvPr>
             <p:ph type="body" idx="4294967295"/>
           </p:nvPr>
@@ -8607,7 +8339,7 @@
         </p:spPr>
         <p:txBody>
           <a:bodyPr lIns="0" tIns="0" rIns="0" bIns="0" anchor="ctr">
-            <a:normAutofit fontScale="100000" lnSpcReduction="0"/>
+            <a:normAutofit/>
           </a:bodyPr>
           <a:lstStyle>
             <a:lvl1pPr marL="215900" indent="-215900" algn="ctr">
@@ -8649,12 +8381,12 @@
   <p:clrMapOvr>
     <a:masterClrMapping/>
   </p:clrMapOvr>
-  <p:transition spd="med" advClick="1"/>
+  <p:transition spd="med"/>
 </p:sld>
 </file>
 
 <file path=ppt/slides/slide28.xml><?xml version="1.0" encoding="utf-8"?>
-<p:sld xmlns:a="http://schemas.openxmlformats.org/drawingml/2006/main" xmlns:r="http://schemas.openxmlformats.org/officeDocument/2006/relationships" xmlns:p="http://schemas.openxmlformats.org/presentationml/2006/main" showMasterSp="1" showMasterPhAnim="1">
+<p:sld xmlns:a="http://schemas.openxmlformats.org/drawingml/2006/main" xmlns:r="http://schemas.openxmlformats.org/officeDocument/2006/relationships" xmlns:p="http://schemas.openxmlformats.org/presentationml/2006/main">
   <p:cSld>
     <p:spTree>
       <p:nvGrpSpPr>
@@ -8673,7 +8405,9 @@
       <p:sp>
         <p:nvSpPr>
           <p:cNvPr id="115" name="Shape 115"/>
-          <p:cNvSpPr/>
+          <p:cNvSpPr>
+            <a:spLocks noGrp="1"/>
+          </p:cNvSpPr>
           <p:nvPr>
             <p:ph type="title" idx="4294967295"/>
           </p:nvPr>
@@ -8697,7 +8431,7 @@
         </p:spPr>
         <p:txBody>
           <a:bodyPr lIns="0" tIns="0" rIns="0" bIns="0" anchor="ctr">
-            <a:normAutofit fontScale="100000" lnSpcReduction="0"/>
+            <a:normAutofit/>
           </a:bodyPr>
           <a:lstStyle>
             <a:lvl1pPr>
@@ -8731,7 +8465,9 @@
       <p:sp>
         <p:nvSpPr>
           <p:cNvPr id="116" name="Shape 116"/>
-          <p:cNvSpPr/>
+          <p:cNvSpPr>
+            <a:spLocks noGrp="1"/>
+          </p:cNvSpPr>
           <p:nvPr>
             <p:ph type="body" idx="4294967295"/>
           </p:nvPr>
@@ -8755,7 +8491,7 @@
         </p:spPr>
         <p:txBody>
           <a:bodyPr lIns="0" tIns="0" rIns="0" bIns="0">
-            <a:normAutofit fontScale="100000" lnSpcReduction="0"/>
+            <a:normAutofit/>
           </a:bodyPr>
           <a:lstStyle/>
           <a:p>
@@ -8780,10 +8516,9 @@
               <a:rPr sz="3200"/>
               <a:t>All operators of auth nameservers should read RFC 1912</a:t>
             </a:r>
-            <a:endParaRPr sz="3200"/>
-          </a:p>
-          <a:p>
-            <a:pPr lvl="1" marL="863600" indent="-287337">
+          </a:p>
+          <a:p>
+            <a:pPr marL="863600" lvl="1" indent="-287337">
               <a:spcBef>
                 <a:spcPts val="1100"/>
               </a:spcBef>
@@ -8807,7 +8542,6 @@
               <a:rPr sz="2800"/>
               <a:t>Common DNS Operational and Configuration Errors</a:t>
             </a:r>
-            <a:endParaRPr sz="2800"/>
           </a:p>
           <a:p>
             <a:pPr lvl="0">
@@ -8831,10 +8565,9 @@
               <a:rPr sz="3200"/>
               <a:t>And also RFC 2182</a:t>
             </a:r>
-            <a:endParaRPr sz="3200"/>
-          </a:p>
-          <a:p>
-            <a:pPr lvl="1" marL="863600" indent="-287337">
+          </a:p>
+          <a:p>
+            <a:pPr marL="863600" lvl="1" indent="-287337">
               <a:spcBef>
                 <a:spcPts val="1100"/>
               </a:spcBef>
@@ -8866,12 +8599,12 @@
   <p:clrMapOvr>
     <a:masterClrMapping/>
   </p:clrMapOvr>
-  <p:transition spd="med" advClick="1"/>
+  <p:transition spd="med"/>
 </p:sld>
 </file>
 
 <file path=ppt/slides/slide29.xml><?xml version="1.0" encoding="utf-8"?>
-<p:sld xmlns:a="http://schemas.openxmlformats.org/drawingml/2006/main" xmlns:r="http://schemas.openxmlformats.org/officeDocument/2006/relationships" xmlns:p="http://schemas.openxmlformats.org/presentationml/2006/main" showMasterSp="1" showMasterPhAnim="1">
+<p:sld xmlns:a="http://schemas.openxmlformats.org/drawingml/2006/main" xmlns:r="http://schemas.openxmlformats.org/officeDocument/2006/relationships" xmlns:p="http://schemas.openxmlformats.org/presentationml/2006/main">
   <p:cSld>
     <p:spTree>
       <p:nvGrpSpPr>
@@ -8890,7 +8623,9 @@
       <p:sp>
         <p:nvSpPr>
           <p:cNvPr id="118" name="Shape 118"/>
-          <p:cNvSpPr/>
+          <p:cNvSpPr>
+            <a:spLocks noGrp="1"/>
+          </p:cNvSpPr>
           <p:nvPr>
             <p:ph type="title" idx="4294967295"/>
           </p:nvPr>
@@ -8914,7 +8649,7 @@
         </p:spPr>
         <p:txBody>
           <a:bodyPr lIns="0" tIns="0" rIns="0" bIns="0" anchor="ctr">
-            <a:normAutofit fontScale="100000" lnSpcReduction="0"/>
+            <a:normAutofit/>
           </a:bodyPr>
           <a:lstStyle>
             <a:lvl1pPr>
@@ -8948,7 +8683,9 @@
       <p:sp>
         <p:nvSpPr>
           <p:cNvPr id="119" name="Shape 119"/>
-          <p:cNvSpPr/>
+          <p:cNvSpPr>
+            <a:spLocks noGrp="1"/>
+          </p:cNvSpPr>
           <p:nvPr>
             <p:ph type="body" idx="4294967295"/>
           </p:nvPr>
@@ -8972,7 +8709,7 @@
         </p:spPr>
         <p:txBody>
           <a:bodyPr lIns="0" tIns="0" rIns="0" bIns="0">
-            <a:normAutofit fontScale="100000" lnSpcReduction="0"/>
+            <a:normAutofit/>
           </a:bodyPr>
           <a:lstStyle/>
           <a:p>
@@ -8997,7 +8734,6 @@
               <a:rPr sz="3200"/>
               <a:t>Forgot to increment serial number</a:t>
             </a:r>
-            <a:endParaRPr sz="3200"/>
           </a:p>
           <a:p>
             <a:pPr lvl="0">
@@ -9021,7 +8757,6 @@
               <a:rPr sz="3200"/>
               <a:t>Incremented serial number, then decremented it</a:t>
             </a:r>
-            <a:endParaRPr sz="3200"/>
           </a:p>
           <a:p>
             <a:pPr lvl="0">
@@ -9046,10 +8781,9 @@
               <a:t>Used serial number greater than 2</a:t>
             </a:r>
             <a:r>
-              <a:rPr baseline="33000" sz="3200"/>
+              <a:rPr sz="3200" baseline="33000"/>
               <a:t>32</a:t>
             </a:r>
-            <a:endParaRPr baseline="33000" sz="3200"/>
           </a:p>
           <a:p>
             <a:pPr lvl="0">
@@ -9073,10 +8807,9 @@
               <a:rPr sz="3200"/>
               <a:t>Impact:</a:t>
             </a:r>
-            <a:endParaRPr sz="3200"/>
-          </a:p>
-          <a:p>
-            <a:pPr lvl="1" marL="863600" indent="-287337">
+          </a:p>
+          <a:p>
+            <a:pPr marL="863600" lvl="1" indent="-287337">
               <a:spcBef>
                 <a:spcPts val="1100"/>
               </a:spcBef>
@@ -9100,10 +8833,9 @@
               <a:rPr sz="2800"/>
               <a:t>Slaves do not update</a:t>
             </a:r>
-            <a:endParaRPr sz="2800"/>
-          </a:p>
-          <a:p>
-            <a:pPr lvl="1" marL="863600" indent="-287337">
+          </a:p>
+          <a:p>
+            <a:pPr marL="863600" lvl="1" indent="-287337">
               <a:spcBef>
                 <a:spcPts val="1100"/>
               </a:spcBef>
@@ -9127,10 +8859,9 @@
               <a:rPr sz="2800"/>
               <a:t>Master and slaves have inconsistent data</a:t>
             </a:r>
-            <a:endParaRPr sz="2800"/>
-          </a:p>
-          <a:p>
-            <a:pPr lvl="1" marL="863600" indent="-287337">
+          </a:p>
+          <a:p>
+            <a:pPr marL="863600" lvl="1" indent="-287337">
               <a:spcBef>
                 <a:spcPts val="1100"/>
               </a:spcBef>
@@ -9162,12 +8893,12 @@
   <p:clrMapOvr>
     <a:masterClrMapping/>
   </p:clrMapOvr>
-  <p:transition spd="med" advClick="1"/>
+  <p:transition spd="med"/>
 </p:sld>
 </file>
 
 <file path=ppt/slides/slide3.xml><?xml version="1.0" encoding="utf-8"?>
-<p:sld xmlns:a="http://schemas.openxmlformats.org/drawingml/2006/main" xmlns:r="http://schemas.openxmlformats.org/officeDocument/2006/relationships" xmlns:p="http://schemas.openxmlformats.org/presentationml/2006/main" showMasterSp="1" showMasterPhAnim="1">
+<p:sld xmlns:a="http://schemas.openxmlformats.org/drawingml/2006/main" xmlns:r="http://schemas.openxmlformats.org/officeDocument/2006/relationships" xmlns:p="http://schemas.openxmlformats.org/presentationml/2006/main">
   <p:cSld>
     <p:spTree>
       <p:nvGrpSpPr>
@@ -9186,7 +8917,9 @@
       <p:sp>
         <p:nvSpPr>
           <p:cNvPr id="14" name="Shape 14"/>
-          <p:cNvSpPr/>
+          <p:cNvSpPr>
+            <a:spLocks noGrp="1"/>
+          </p:cNvSpPr>
           <p:nvPr>
             <p:ph type="title" idx="4294967295"/>
           </p:nvPr>
@@ -9210,7 +8943,7 @@
         </p:spPr>
         <p:txBody>
           <a:bodyPr lIns="0" tIns="0" rIns="0" bIns="0" anchor="ctr">
-            <a:normAutofit fontScale="100000" lnSpcReduction="0"/>
+            <a:normAutofit/>
           </a:bodyPr>
           <a:lstStyle>
             <a:lvl1pPr>
@@ -9244,7 +8977,9 @@
       <p:sp>
         <p:nvSpPr>
           <p:cNvPr id="15" name="Shape 15"/>
-          <p:cNvSpPr/>
+          <p:cNvSpPr>
+            <a:spLocks noGrp="1"/>
+          </p:cNvSpPr>
           <p:nvPr>
             <p:ph type="body" idx="4294967295"/>
           </p:nvPr>
@@ -9268,7 +9003,7 @@
         </p:spPr>
         <p:txBody>
           <a:bodyPr lIns="0" tIns="0" rIns="0" bIns="0">
-            <a:normAutofit fontScale="100000" lnSpcReduction="0"/>
+            <a:normAutofit/>
           </a:bodyPr>
           <a:lstStyle/>
           <a:p>
@@ -9293,7 +9028,6 @@
               <a:rPr sz="3200"/>
               <a:t>For every domain, we need more than one authoritative nameserver with the same information (RFC 2182)</a:t>
             </a:r>
-            <a:endParaRPr sz="3200"/>
           </a:p>
           <a:p>
             <a:pPr lvl="0">
@@ -9317,7 +9051,6 @@
               <a:rPr sz="3200"/>
               <a:t>Data is entered in one server (Master) and replicated to the others (Slave(s))</a:t>
             </a:r>
-            <a:endParaRPr sz="3200"/>
           </a:p>
           <a:p>
             <a:pPr lvl="0">
@@ -9341,10 +9074,9 @@
               <a:rPr sz="3200"/>
               <a:t>Outside world cannot tell the difference between master and slave</a:t>
             </a:r>
-            <a:endParaRPr sz="3200"/>
-          </a:p>
-          <a:p>
-            <a:pPr lvl="1" marL="863600" indent="-287337">
+          </a:p>
+          <a:p>
+            <a:pPr marL="863600" lvl="1" indent="-287337">
               <a:spcBef>
                 <a:spcPts val="1100"/>
               </a:spcBef>
@@ -9368,7 +9100,6 @@
               <a:rPr sz="2800"/>
               <a:t>NS records are returned in random order for equal load sharing</a:t>
             </a:r>
-            <a:endParaRPr sz="2800"/>
           </a:p>
           <a:p>
             <a:pPr lvl="0">
@@ -9400,12 +9131,12 @@
   <p:clrMapOvr>
     <a:masterClrMapping/>
   </p:clrMapOvr>
-  <p:transition spd="med" advClick="1"/>
+  <p:transition spd="med"/>
 </p:sld>
 </file>
 
 <file path=ppt/slides/slide30.xml><?xml version="1.0" encoding="utf-8"?>
-<p:sld xmlns:a="http://schemas.openxmlformats.org/drawingml/2006/main" xmlns:r="http://schemas.openxmlformats.org/officeDocument/2006/relationships" xmlns:p="http://schemas.openxmlformats.org/presentationml/2006/main" showMasterSp="1" showMasterPhAnim="1">
+<p:sld xmlns:a="http://schemas.openxmlformats.org/drawingml/2006/main" xmlns:r="http://schemas.openxmlformats.org/officeDocument/2006/relationships" xmlns:p="http://schemas.openxmlformats.org/presentationml/2006/main">
   <p:cSld>
     <p:spTree>
       <p:nvGrpSpPr>
@@ -9424,7 +9155,9 @@
       <p:sp>
         <p:nvSpPr>
           <p:cNvPr id="121" name="Shape 121"/>
-          <p:cNvSpPr/>
+          <p:cNvSpPr>
+            <a:spLocks noGrp="1"/>
+          </p:cNvSpPr>
           <p:nvPr>
             <p:ph type="title" idx="4294967295"/>
           </p:nvPr>
@@ -9448,7 +9181,7 @@
         </p:spPr>
         <p:txBody>
           <a:bodyPr lIns="0" tIns="0" rIns="0" bIns="0" anchor="ctr">
-            <a:normAutofit fontScale="100000" lnSpcReduction="0"/>
+            <a:normAutofit/>
           </a:bodyPr>
           <a:lstStyle>
             <a:lvl1pPr>
@@ -9482,7 +9215,9 @@
       <p:sp>
         <p:nvSpPr>
           <p:cNvPr id="122" name="Shape 122"/>
-          <p:cNvSpPr/>
+          <p:cNvSpPr>
+            <a:spLocks noGrp="1"/>
+          </p:cNvSpPr>
           <p:nvPr>
             <p:ph type="body" idx="4294967295"/>
           </p:nvPr>
@@ -9506,7 +9241,7 @@
         </p:spPr>
         <p:txBody>
           <a:bodyPr lIns="0" tIns="0" rIns="0" bIns="0">
-            <a:normAutofit fontScale="100000" lnSpcReduction="0"/>
+            <a:normAutofit/>
           </a:bodyPr>
           <a:lstStyle/>
           <a:p>
@@ -9531,7 +9266,6 @@
               <a:rPr sz="3200"/>
               <a:t>Syntax error in zone file</a:t>
             </a:r>
-            <a:endParaRPr sz="3200"/>
           </a:p>
           <a:p>
             <a:pPr lvl="0">
@@ -9555,7 +9289,6 @@
               <a:rPr sz="3200"/>
               <a:t>Master is no longer authoritative for the zone</a:t>
             </a:r>
-            <a:endParaRPr sz="3200"/>
           </a:p>
           <a:p>
             <a:pPr lvl="0">
@@ -9579,7 +9312,6 @@
               <a:rPr sz="3200"/>
               <a:t>Slaves cannot check SOA</a:t>
             </a:r>
-            <a:endParaRPr sz="3200"/>
           </a:p>
           <a:p>
             <a:pPr lvl="0">
@@ -9603,7 +9335,6 @@
               <a:rPr sz="3200"/>
               <a:t>Slaves eventually expire the zone, and your domain stops working entirely</a:t>
             </a:r>
-            <a:endParaRPr sz="3200"/>
           </a:p>
           <a:p>
             <a:pPr lvl="0">
@@ -9627,7 +9358,6 @@
               <a:rPr sz="3200"/>
               <a:t>Use "named-checkzone"</a:t>
             </a:r>
-            <a:endParaRPr sz="3200"/>
           </a:p>
           <a:p>
             <a:pPr lvl="0">
@@ -9659,12 +9389,12 @@
   <p:clrMapOvr>
     <a:masterClrMapping/>
   </p:clrMapOvr>
-  <p:transition spd="med" advClick="1"/>
+  <p:transition spd="med"/>
 </p:sld>
 </file>
 
 <file path=ppt/slides/slide31.xml><?xml version="1.0" encoding="utf-8"?>
-<p:sld xmlns:a="http://schemas.openxmlformats.org/drawingml/2006/main" xmlns:r="http://schemas.openxmlformats.org/officeDocument/2006/relationships" xmlns:p="http://schemas.openxmlformats.org/presentationml/2006/main" showMasterSp="1" showMasterPhAnim="1">
+<p:sld xmlns:a="http://schemas.openxmlformats.org/drawingml/2006/main" xmlns:r="http://schemas.openxmlformats.org/officeDocument/2006/relationships" xmlns:p="http://schemas.openxmlformats.org/presentationml/2006/main">
   <p:cSld>
     <p:spTree>
       <p:nvGrpSpPr>
@@ -9683,7 +9413,9 @@
       <p:sp>
         <p:nvSpPr>
           <p:cNvPr id="124" name="Shape 124"/>
-          <p:cNvSpPr/>
+          <p:cNvSpPr>
+            <a:spLocks noGrp="1"/>
+          </p:cNvSpPr>
           <p:nvPr>
             <p:ph type="title" idx="4294967295"/>
           </p:nvPr>
@@ -9707,7 +9439,7 @@
         </p:spPr>
         <p:txBody>
           <a:bodyPr lIns="0" tIns="0" rIns="0" bIns="0" anchor="ctr">
-            <a:normAutofit fontScale="100000" lnSpcReduction="0"/>
+            <a:normAutofit/>
           </a:bodyPr>
           <a:lstStyle>
             <a:lvl1pPr>
@@ -9741,7 +9473,9 @@
       <p:sp>
         <p:nvSpPr>
           <p:cNvPr id="125" name="Shape 125"/>
-          <p:cNvSpPr/>
+          <p:cNvSpPr>
+            <a:spLocks noGrp="1"/>
+          </p:cNvSpPr>
           <p:nvPr>
             <p:ph type="body" idx="4294967295"/>
           </p:nvPr>
@@ -9765,7 +9499,7 @@
         </p:spPr>
         <p:txBody>
           <a:bodyPr lIns="0" tIns="0" rIns="0" bIns="0">
-            <a:normAutofit fontScale="100000" lnSpcReduction="0"/>
+            <a:normAutofit/>
           </a:bodyPr>
           <a:lstStyle/>
           <a:p>
@@ -9790,7 +9524,6 @@
               <a:rPr sz="3200"/>
               <a:t>e.g. omitting the preference value from MX records</a:t>
             </a:r>
-            <a:endParaRPr sz="3200"/>
           </a:p>
           <a:p>
             <a:pPr lvl="0">
@@ -9822,12 +9555,12 @@
   <p:clrMapOvr>
     <a:masterClrMapping/>
   </p:clrMapOvr>
-  <p:transition spd="med" advClick="1"/>
+  <p:transition spd="med"/>
 </p:sld>
 </file>
 
 <file path=ppt/slides/slide32.xml><?xml version="1.0" encoding="utf-8"?>
-<p:sld xmlns:a="http://schemas.openxmlformats.org/drawingml/2006/main" xmlns:r="http://schemas.openxmlformats.org/officeDocument/2006/relationships" xmlns:p="http://schemas.openxmlformats.org/presentationml/2006/main" showMasterSp="1" showMasterPhAnim="1">
+<p:sld xmlns:a="http://schemas.openxmlformats.org/drawingml/2006/main" xmlns:r="http://schemas.openxmlformats.org/officeDocument/2006/relationships" xmlns:p="http://schemas.openxmlformats.org/presentationml/2006/main">
   <p:cSld>
     <p:spTree>
       <p:nvGrpSpPr>
@@ -9846,7 +9579,9 @@
       <p:sp>
         <p:nvSpPr>
           <p:cNvPr id="127" name="Shape 127"/>
-          <p:cNvSpPr/>
+          <p:cNvSpPr>
+            <a:spLocks noGrp="1"/>
+          </p:cNvSpPr>
           <p:nvPr>
             <p:ph type="title" idx="4294967295"/>
           </p:nvPr>
@@ -9870,7 +9605,7 @@
         </p:spPr>
         <p:txBody>
           <a:bodyPr lIns="0" tIns="0" rIns="0" bIns="0" anchor="ctr">
-            <a:normAutofit fontScale="100000" lnSpcReduction="0"/>
+            <a:normAutofit/>
           </a:bodyPr>
           <a:lstStyle>
             <a:lvl1pPr>
@@ -9962,12 +9697,6 @@
               </a:rPr>
               <a:t>; zone example.com.</a:t>
             </a:r>
-            <a:endParaRPr sz="2000">
-              <a:latin typeface="Courier New"/>
-              <a:ea typeface="Courier New"/>
-              <a:cs typeface="Courier New"/>
-              <a:sym typeface="Courier New"/>
-            </a:endParaRPr>
           </a:p>
           <a:p>
             <a:pPr lvl="0" defTabSz="914400">
@@ -9998,6 +9727,27 @@
               </a:rPr>
               <a:t>@  IN  MX 10  mailhost.example.com</a:t>
             </a:r>
+          </a:p>
+          <a:p>
+            <a:pPr lvl="0" defTabSz="914400">
+              <a:lnSpc>
+                <a:spcPct val="100000"/>
+              </a:lnSpc>
+              <a:tabLst>
+                <a:tab pos="723900" algn="l"/>
+                <a:tab pos="1447800" algn="l"/>
+                <a:tab pos="2171700" algn="l"/>
+                <a:tab pos="2895600" algn="l"/>
+                <a:tab pos="3619500" algn="l"/>
+                <a:tab pos="4343400" algn="l"/>
+                <a:tab pos="5067300" algn="l"/>
+                <a:tab pos="5791200" algn="l"/>
+                <a:tab pos="6515100" algn="l"/>
+                <a:tab pos="7239000" algn="l"/>
+                <a:tab pos="7962900" algn="l"/>
+              </a:tabLst>
+              <a:defRPr sz="1800"/>
+            </a:pPr>
             <a:endParaRPr sz="2000">
               <a:latin typeface="Courier New"/>
               <a:ea typeface="Courier New"/>
@@ -10025,35 +9775,8 @@
               </a:tabLst>
               <a:defRPr sz="1800"/>
             </a:pPr>
-            <a:endParaRPr sz="2000">
-              <a:latin typeface="Courier New"/>
-              <a:ea typeface="Courier New"/>
-              <a:cs typeface="Courier New"/>
-              <a:sym typeface="Courier New"/>
-            </a:endParaRPr>
-          </a:p>
-          <a:p>
-            <a:pPr lvl="0" defTabSz="914400">
-              <a:lnSpc>
-                <a:spcPct val="100000"/>
-              </a:lnSpc>
-              <a:tabLst>
-                <a:tab pos="723900" algn="l"/>
-                <a:tab pos="1447800" algn="l"/>
-                <a:tab pos="2171700" algn="l"/>
-                <a:tab pos="2895600" algn="l"/>
-                <a:tab pos="3619500" algn="l"/>
-                <a:tab pos="4343400" algn="l"/>
-                <a:tab pos="5067300" algn="l"/>
-                <a:tab pos="5791200" algn="l"/>
-                <a:tab pos="6515100" algn="l"/>
-                <a:tab pos="7239000" algn="l"/>
-                <a:tab pos="7962900" algn="l"/>
-              </a:tabLst>
-              <a:defRPr sz="1800"/>
-            </a:pPr>
-            <a:r>
-              <a:rPr i="1" sz="2000">
+            <a:r>
+              <a:rPr sz="2000" i="1">
                 <a:latin typeface="Courier New"/>
                 <a:ea typeface="Courier New"/>
                 <a:cs typeface="Courier New"/>
@@ -10061,12 +9784,6 @@
               </a:rPr>
               <a:t>becomes</a:t>
             </a:r>
-            <a:endParaRPr i="1" sz="2000">
-              <a:latin typeface="Courier New"/>
-              <a:ea typeface="Courier New"/>
-              <a:cs typeface="Courier New"/>
-              <a:sym typeface="Courier New"/>
-            </a:endParaRPr>
           </a:p>
           <a:p>
             <a:pPr lvl="0" defTabSz="914400">
@@ -10088,7 +9805,7 @@
               </a:tabLst>
               <a:defRPr sz="1800"/>
             </a:pPr>
-            <a:endParaRPr i="1" sz="2000">
+            <a:endParaRPr sz="2000" i="1">
               <a:latin typeface="Courier New"/>
               <a:ea typeface="Courier New"/>
               <a:cs typeface="Courier New"/>
@@ -10125,7 +9842,7 @@
               <a:t>@  IN  MX 10  </a:t>
             </a:r>
             <a:r>
-              <a:rPr b="1" sz="2000">
+              <a:rPr sz="2000" b="1">
                 <a:latin typeface="Courier New"/>
                 <a:ea typeface="Courier New"/>
                 <a:cs typeface="Courier New"/>
@@ -10197,12 +9914,6 @@
               </a:rPr>
               <a:t>; zone 2.0.192.in-addr.arpa.</a:t>
             </a:r>
-            <a:endParaRPr sz="2000">
-              <a:latin typeface="Courier New"/>
-              <a:ea typeface="Courier New"/>
-              <a:cs typeface="Courier New"/>
-              <a:sym typeface="Courier New"/>
-            </a:endParaRPr>
           </a:p>
           <a:p>
             <a:pPr lvl="0" defTabSz="914400">
@@ -10233,6 +9944,27 @@
               </a:rPr>
               <a:t>1  IN  PTR    host.example.com</a:t>
             </a:r>
+          </a:p>
+          <a:p>
+            <a:pPr lvl="0" defTabSz="914400">
+              <a:lnSpc>
+                <a:spcPct val="100000"/>
+              </a:lnSpc>
+              <a:tabLst>
+                <a:tab pos="723900" algn="l"/>
+                <a:tab pos="1447800" algn="l"/>
+                <a:tab pos="2171700" algn="l"/>
+                <a:tab pos="2895600" algn="l"/>
+                <a:tab pos="3619500" algn="l"/>
+                <a:tab pos="4343400" algn="l"/>
+                <a:tab pos="5067300" algn="l"/>
+                <a:tab pos="5791200" algn="l"/>
+                <a:tab pos="6515100" algn="l"/>
+                <a:tab pos="7239000" algn="l"/>
+                <a:tab pos="7962900" algn="l"/>
+              </a:tabLst>
+              <a:defRPr sz="1800"/>
+            </a:pPr>
             <a:endParaRPr sz="2000">
               <a:latin typeface="Courier New"/>
               <a:ea typeface="Courier New"/>
@@ -10260,35 +9992,8 @@
               </a:tabLst>
               <a:defRPr sz="1800"/>
             </a:pPr>
-            <a:endParaRPr sz="2000">
-              <a:latin typeface="Courier New"/>
-              <a:ea typeface="Courier New"/>
-              <a:cs typeface="Courier New"/>
-              <a:sym typeface="Courier New"/>
-            </a:endParaRPr>
-          </a:p>
-          <a:p>
-            <a:pPr lvl="0" defTabSz="914400">
-              <a:lnSpc>
-                <a:spcPct val="100000"/>
-              </a:lnSpc>
-              <a:tabLst>
-                <a:tab pos="723900" algn="l"/>
-                <a:tab pos="1447800" algn="l"/>
-                <a:tab pos="2171700" algn="l"/>
-                <a:tab pos="2895600" algn="l"/>
-                <a:tab pos="3619500" algn="l"/>
-                <a:tab pos="4343400" algn="l"/>
-                <a:tab pos="5067300" algn="l"/>
-                <a:tab pos="5791200" algn="l"/>
-                <a:tab pos="6515100" algn="l"/>
-                <a:tab pos="7239000" algn="l"/>
-                <a:tab pos="7962900" algn="l"/>
-              </a:tabLst>
-              <a:defRPr sz="1800"/>
-            </a:pPr>
-            <a:r>
-              <a:rPr i="1" sz="2000">
+            <a:r>
+              <a:rPr sz="2000" i="1">
                 <a:latin typeface="Courier New"/>
                 <a:ea typeface="Courier New"/>
                 <a:cs typeface="Courier New"/>
@@ -10296,12 +10001,6 @@
               </a:rPr>
               <a:t>becomes</a:t>
             </a:r>
-            <a:endParaRPr i="1" sz="2000">
-              <a:latin typeface="Courier New"/>
-              <a:ea typeface="Courier New"/>
-              <a:cs typeface="Courier New"/>
-              <a:sym typeface="Courier New"/>
-            </a:endParaRPr>
           </a:p>
           <a:p>
             <a:pPr lvl="0" defTabSz="914400">
@@ -10323,7 +10022,7 @@
               </a:tabLst>
               <a:defRPr sz="1800"/>
             </a:pPr>
-            <a:endParaRPr i="1" sz="2000">
+            <a:endParaRPr sz="2000" i="1">
               <a:latin typeface="Courier New"/>
               <a:ea typeface="Courier New"/>
               <a:cs typeface="Courier New"/>
@@ -10360,7 +10059,7 @@
               <a:t>1  IN  PTR    </a:t>
             </a:r>
             <a:r>
-              <a:rPr b="1" sz="2000">
+              <a:rPr sz="2000" b="1">
                 <a:latin typeface="Courier New"/>
                 <a:ea typeface="Courier New"/>
                 <a:cs typeface="Courier New"/>
@@ -10408,6 +10107,7 @@
                 <a:sym typeface="Helvetica"/>
               </a:defRPr>
             </a:pPr>
+            <a:endParaRPr/>
           </a:p>
         </p:txBody>
       </p:sp>
@@ -10448,6 +10148,7 @@
                 <a:sym typeface="Helvetica"/>
               </a:defRPr>
             </a:pPr>
+            <a:endParaRPr/>
           </a:p>
         </p:txBody>
       </p:sp>
@@ -10456,12 +10157,12 @@
   <p:clrMapOvr>
     <a:masterClrMapping/>
   </p:clrMapOvr>
-  <p:transition spd="med" advClick="1"/>
+  <p:transition spd="med"/>
 </p:sld>
 </file>
 
 <file path=ppt/slides/slide33.xml><?xml version="1.0" encoding="utf-8"?>
-<p:sld xmlns:a="http://schemas.openxmlformats.org/drawingml/2006/main" xmlns:r="http://schemas.openxmlformats.org/officeDocument/2006/relationships" xmlns:p="http://schemas.openxmlformats.org/presentationml/2006/main" showMasterSp="1" showMasterPhAnim="1">
+<p:sld xmlns:a="http://schemas.openxmlformats.org/drawingml/2006/main" xmlns:r="http://schemas.openxmlformats.org/officeDocument/2006/relationships" xmlns:p="http://schemas.openxmlformats.org/presentationml/2006/main">
   <p:cSld>
     <p:spTree>
       <p:nvGrpSpPr>
@@ -10480,7 +10181,9 @@
       <p:sp>
         <p:nvSpPr>
           <p:cNvPr id="133" name="Shape 133"/>
-          <p:cNvSpPr/>
+          <p:cNvSpPr>
+            <a:spLocks noGrp="1"/>
+          </p:cNvSpPr>
           <p:nvPr>
             <p:ph type="title" idx="4294967295"/>
           </p:nvPr>
@@ -10504,7 +10207,7 @@
         </p:spPr>
         <p:txBody>
           <a:bodyPr lIns="0" tIns="0" rIns="0" bIns="0" anchor="ctr">
-            <a:normAutofit fontScale="100000" lnSpcReduction="0"/>
+            <a:normAutofit/>
           </a:bodyPr>
           <a:lstStyle>
             <a:lvl1pPr>
@@ -10538,7 +10241,9 @@
       <p:sp>
         <p:nvSpPr>
           <p:cNvPr id="134" name="Shape 134"/>
-          <p:cNvSpPr/>
+          <p:cNvSpPr>
+            <a:spLocks noGrp="1"/>
+          </p:cNvSpPr>
           <p:nvPr>
             <p:ph type="body" idx="4294967295"/>
           </p:nvPr>
@@ -10562,7 +10267,7 @@
         </p:spPr>
         <p:txBody>
           <a:bodyPr lIns="0" tIns="0" rIns="0" bIns="0">
-            <a:normAutofit fontScale="100000" lnSpcReduction="0"/>
+            <a:normAutofit/>
           </a:bodyPr>
           <a:lstStyle/>
           <a:p>
@@ -10587,7 +10292,6 @@
               <a:rPr sz="3200"/>
               <a:t>They must point to hostnames, not IP addresses</a:t>
             </a:r>
-            <a:endParaRPr sz="3200"/>
           </a:p>
           <a:p>
             <a:pPr lvl="0">
@@ -10619,12 +10323,12 @@
   <p:clrMapOvr>
     <a:masterClrMapping/>
   </p:clrMapOvr>
-  <p:transition spd="med" advClick="1"/>
+  <p:transition spd="med"/>
 </p:sld>
 </file>
 
 <file path=ppt/slides/slide34.xml><?xml version="1.0" encoding="utf-8"?>
-<p:sld xmlns:a="http://schemas.openxmlformats.org/drawingml/2006/main" xmlns:r="http://schemas.openxmlformats.org/officeDocument/2006/relationships" xmlns:p="http://schemas.openxmlformats.org/presentationml/2006/main" showMasterSp="1" showMasterPhAnim="1">
+<p:sld xmlns:a="http://schemas.openxmlformats.org/drawingml/2006/main" xmlns:r="http://schemas.openxmlformats.org/officeDocument/2006/relationships" xmlns:p="http://schemas.openxmlformats.org/presentationml/2006/main">
   <p:cSld>
     <p:spTree>
       <p:nvGrpSpPr>
@@ -10643,7 +10347,9 @@
       <p:sp>
         <p:nvSpPr>
           <p:cNvPr id="136" name="Shape 136"/>
-          <p:cNvSpPr/>
+          <p:cNvSpPr>
+            <a:spLocks noGrp="1"/>
+          </p:cNvSpPr>
           <p:nvPr>
             <p:ph type="title" idx="4294967295"/>
           </p:nvPr>
@@ -10667,7 +10373,7 @@
         </p:spPr>
         <p:txBody>
           <a:bodyPr lIns="0" tIns="0" rIns="0" bIns="0" anchor="ctr">
-            <a:normAutofit fontScale="100000" lnSpcReduction="0"/>
+            <a:normAutofit/>
           </a:bodyPr>
           <a:lstStyle>
             <a:lvl1pPr>
@@ -10701,7 +10407,9 @@
       <p:sp>
         <p:nvSpPr>
           <p:cNvPr id="137" name="Shape 137"/>
-          <p:cNvSpPr/>
+          <p:cNvSpPr>
+            <a:spLocks noGrp="1"/>
+          </p:cNvSpPr>
           <p:nvPr>
             <p:ph type="body" idx="4294967295"/>
           </p:nvPr>
@@ -10725,7 +10433,7 @@
         </p:spPr>
         <p:txBody>
           <a:bodyPr lIns="0" tIns="0" rIns="0" bIns="0">
-            <a:normAutofit fontScale="100000" lnSpcReduction="0"/>
+            <a:normAutofit/>
           </a:bodyPr>
           <a:lstStyle/>
           <a:p>
@@ -10750,7 +10458,6 @@
               <a:rPr sz="3200"/>
               <a:t>Access restricted by allow-transfer {...} and slave not listed</a:t>
             </a:r>
-            <a:endParaRPr sz="3200"/>
           </a:p>
           <a:p>
             <a:pPr lvl="0">
@@ -10774,7 +10481,6 @@
               <a:rPr sz="3200"/>
               <a:t>Or IP filters not configured correctly</a:t>
             </a:r>
-            <a:endParaRPr sz="3200"/>
           </a:p>
           <a:p>
             <a:pPr lvl="0">
@@ -10806,12 +10512,12 @@
   <p:clrMapOvr>
     <a:masterClrMapping/>
   </p:clrMapOvr>
-  <p:transition spd="med" advClick="1"/>
+  <p:transition spd="med"/>
 </p:sld>
 </file>
 
 <file path=ppt/slides/slide35.xml><?xml version="1.0" encoding="utf-8"?>
-<p:sld xmlns:a="http://schemas.openxmlformats.org/drawingml/2006/main" xmlns:r="http://schemas.openxmlformats.org/officeDocument/2006/relationships" xmlns:p="http://schemas.openxmlformats.org/presentationml/2006/main" showMasterSp="1" showMasterPhAnim="1">
+<p:sld xmlns:a="http://schemas.openxmlformats.org/drawingml/2006/main" xmlns:r="http://schemas.openxmlformats.org/officeDocument/2006/relationships" xmlns:p="http://schemas.openxmlformats.org/presentationml/2006/main">
   <p:cSld>
     <p:spTree>
       <p:nvGrpSpPr>
@@ -10830,7 +10536,9 @@
       <p:sp>
         <p:nvSpPr>
           <p:cNvPr id="139" name="Shape 139"/>
-          <p:cNvSpPr/>
+          <p:cNvSpPr>
+            <a:spLocks noGrp="1"/>
+          </p:cNvSpPr>
           <p:nvPr>
             <p:ph type="title" idx="4294967295"/>
           </p:nvPr>
@@ -10854,7 +10562,7 @@
         </p:spPr>
         <p:txBody>
           <a:bodyPr lIns="0" tIns="0" rIns="0" bIns="0" anchor="ctr">
-            <a:normAutofit fontScale="100000" lnSpcReduction="0"/>
+            <a:normAutofit/>
           </a:bodyPr>
           <a:lstStyle>
             <a:lvl1pPr>
@@ -10888,7 +10596,9 @@
       <p:sp>
         <p:nvSpPr>
           <p:cNvPr id="140" name="Shape 140"/>
-          <p:cNvSpPr/>
+          <p:cNvSpPr>
+            <a:spLocks noGrp="1"/>
+          </p:cNvSpPr>
           <p:nvPr>
             <p:ph type="body" idx="4294967295"/>
           </p:nvPr>
@@ -10912,7 +10622,7 @@
         </p:spPr>
         <p:txBody>
           <a:bodyPr lIns="0" tIns="0" rIns="0" bIns="0">
-            <a:normAutofit fontScale="100000" lnSpcReduction="0"/>
+            <a:normAutofit/>
           </a:bodyPr>
           <a:lstStyle/>
           <a:p>
@@ -10937,7 +10647,6 @@
               <a:rPr sz="3200"/>
               <a:t>You cannot just list any nameserver in NS records for your domain</a:t>
             </a:r>
-            <a:endParaRPr sz="3200"/>
           </a:p>
           <a:p>
             <a:pPr lvl="0">
@@ -10961,7 +10670,6 @@
               <a:rPr sz="3200"/>
               <a:t>You must get agreement from the nameserver operator, and they must configure it as a slave for your zone</a:t>
             </a:r>
-            <a:endParaRPr sz="3200"/>
           </a:p>
           <a:p>
             <a:pPr lvl="0">
@@ -10985,7 +10693,6 @@
               <a:rPr sz="3200"/>
               <a:t>At best: slower DNS resolution and lack of resilience</a:t>
             </a:r>
-            <a:endParaRPr sz="3200"/>
           </a:p>
           <a:p>
             <a:pPr lvl="0">
@@ -11017,12 +10724,12 @@
   <p:clrMapOvr>
     <a:masterClrMapping/>
   </p:clrMapOvr>
-  <p:transition spd="med" advClick="1"/>
+  <p:transition spd="med"/>
 </p:sld>
 </file>
 
 <file path=ppt/slides/slide36.xml><?xml version="1.0" encoding="utf-8"?>
-<p:sld xmlns:a="http://schemas.openxmlformats.org/drawingml/2006/main" xmlns:r="http://schemas.openxmlformats.org/officeDocument/2006/relationships" xmlns:p="http://schemas.openxmlformats.org/presentationml/2006/main" showMasterSp="1" showMasterPhAnim="1">
+<p:sld xmlns:a="http://schemas.openxmlformats.org/drawingml/2006/main" xmlns:r="http://schemas.openxmlformats.org/officeDocument/2006/relationships" xmlns:p="http://schemas.openxmlformats.org/presentationml/2006/main">
   <p:cSld>
     <p:spTree>
       <p:nvGrpSpPr>
@@ -11041,7 +10748,9 @@
       <p:sp>
         <p:nvSpPr>
           <p:cNvPr id="142" name="Shape 142"/>
-          <p:cNvSpPr/>
+          <p:cNvSpPr>
+            <a:spLocks noGrp="1"/>
+          </p:cNvSpPr>
           <p:nvPr>
             <p:ph type="title" idx="4294967295"/>
           </p:nvPr>
@@ -11065,7 +10774,7 @@
         </p:spPr>
         <p:txBody>
           <a:bodyPr lIns="0" tIns="0" rIns="0" bIns="0" anchor="ctr">
-            <a:normAutofit fontScale="100000" lnSpcReduction="0"/>
+            <a:normAutofit/>
           </a:bodyPr>
           <a:lstStyle>
             <a:lvl1pPr>
@@ -11099,7 +10808,9 @@
       <p:sp>
         <p:nvSpPr>
           <p:cNvPr id="143" name="Shape 143"/>
-          <p:cNvSpPr/>
+          <p:cNvSpPr>
+            <a:spLocks noGrp="1"/>
+          </p:cNvSpPr>
           <p:nvPr>
             <p:ph type="body" idx="4294967295"/>
           </p:nvPr>
@@ -11123,7 +10834,7 @@
         </p:spPr>
         <p:txBody>
           <a:bodyPr lIns="0" tIns="0" rIns="0" bIns="0">
-            <a:normAutofit fontScale="100000" lnSpcReduction="0"/>
+            <a:normAutofit/>
           </a:bodyPr>
           <a:lstStyle/>
           <a:p>
@@ -11148,7 +10859,6 @@
               <a:rPr sz="3200"/>
               <a:t>You can configure "example.com" on your nameservers but the outside world will not send requests to them until you have delegation</a:t>
             </a:r>
-            <a:endParaRPr sz="3200"/>
           </a:p>
           <a:p>
             <a:pPr lvl="0">
@@ -11172,7 +10882,6 @@
               <a:rPr sz="3200"/>
               <a:t>The problem is hidden if your nameserver is acting both as your cache and as authoritative nameserver</a:t>
             </a:r>
-            <a:endParaRPr sz="3200"/>
           </a:p>
           <a:p>
             <a:pPr lvl="0">
@@ -11204,12 +10913,12 @@
   <p:clrMapOvr>
     <a:masterClrMapping/>
   </p:clrMapOvr>
-  <p:transition spd="med" advClick="1"/>
+  <p:transition spd="med"/>
 </p:sld>
 </file>
 
 <file path=ppt/slides/slide37.xml><?xml version="1.0" encoding="utf-8"?>
-<p:sld xmlns:a="http://schemas.openxmlformats.org/drawingml/2006/main" xmlns:r="http://schemas.openxmlformats.org/officeDocument/2006/relationships" xmlns:p="http://schemas.openxmlformats.org/presentationml/2006/main" showMasterSp="1" showMasterPhAnim="1">
+<p:sld xmlns:a="http://schemas.openxmlformats.org/drawingml/2006/main" xmlns:r="http://schemas.openxmlformats.org/officeDocument/2006/relationships" xmlns:p="http://schemas.openxmlformats.org/presentationml/2006/main">
   <p:cSld>
     <p:spTree>
       <p:nvGrpSpPr>
@@ -11228,7 +10937,9 @@
       <p:sp>
         <p:nvSpPr>
           <p:cNvPr id="145" name="Shape 145"/>
-          <p:cNvSpPr/>
+          <p:cNvSpPr>
+            <a:spLocks noGrp="1"/>
+          </p:cNvSpPr>
           <p:nvPr>
             <p:ph type="title" idx="4294967295"/>
           </p:nvPr>
@@ -11252,7 +10963,7 @@
         </p:spPr>
         <p:txBody>
           <a:bodyPr lIns="0" tIns="0" rIns="0" bIns="0" anchor="ctr">
-            <a:normAutofit fontScale="100000" lnSpcReduction="0"/>
+            <a:normAutofit/>
           </a:bodyPr>
           <a:lstStyle>
             <a:lvl1pPr>
@@ -11286,7 +10997,9 @@
       <p:sp>
         <p:nvSpPr>
           <p:cNvPr id="146" name="Shape 146"/>
-          <p:cNvSpPr/>
+          <p:cNvSpPr>
+            <a:spLocks noGrp="1"/>
+          </p:cNvSpPr>
           <p:nvPr>
             <p:ph type="body" idx="4294967295"/>
           </p:nvPr>
@@ -11310,7 +11023,7 @@
         </p:spPr>
         <p:txBody>
           <a:bodyPr lIns="0" tIns="0" rIns="0" bIns="0">
-            <a:normAutofit fontScale="100000" lnSpcReduction="0"/>
+            <a:normAutofit/>
           </a:bodyPr>
           <a:lstStyle>
             <a:lvl1pPr>
@@ -11346,12 +11059,12 @@
   <p:clrMapOvr>
     <a:masterClrMapping/>
   </p:clrMapOvr>
-  <p:transition spd="med" advClick="1"/>
+  <p:transition spd="med"/>
 </p:sld>
 </file>
 
 <file path=ppt/slides/slide38.xml><?xml version="1.0" encoding="utf-8"?>
-<p:sld xmlns:a="http://schemas.openxmlformats.org/drawingml/2006/main" xmlns:r="http://schemas.openxmlformats.org/officeDocument/2006/relationships" xmlns:p="http://schemas.openxmlformats.org/presentationml/2006/main" showMasterSp="1" showMasterPhAnim="1">
+<p:sld xmlns:a="http://schemas.openxmlformats.org/drawingml/2006/main" xmlns:r="http://schemas.openxmlformats.org/officeDocument/2006/relationships" xmlns:p="http://schemas.openxmlformats.org/presentationml/2006/main">
   <p:cSld>
     <p:spTree>
       <p:nvGrpSpPr>
@@ -11370,7 +11083,9 @@
       <p:sp>
         <p:nvSpPr>
           <p:cNvPr id="148" name="Shape 148"/>
-          <p:cNvSpPr/>
+          <p:cNvSpPr>
+            <a:spLocks noGrp="1"/>
+          </p:cNvSpPr>
           <p:nvPr>
             <p:ph type="title" idx="4294967295"/>
           </p:nvPr>
@@ -11394,7 +11109,7 @@
         </p:spPr>
         <p:txBody>
           <a:bodyPr lIns="0" tIns="0" rIns="0" bIns="0" anchor="ctr">
-            <a:normAutofit fontScale="100000" lnSpcReduction="0"/>
+            <a:normAutofit/>
           </a:bodyPr>
           <a:lstStyle>
             <a:lvl1pPr>
@@ -11428,7 +11143,9 @@
       <p:sp>
         <p:nvSpPr>
           <p:cNvPr id="149" name="Shape 149"/>
-          <p:cNvSpPr/>
+          <p:cNvSpPr>
+            <a:spLocks noGrp="1"/>
+          </p:cNvSpPr>
           <p:nvPr>
             <p:ph type="body" idx="4294967295"/>
           </p:nvPr>
@@ -11452,7 +11169,7 @@
         </p:spPr>
         <p:txBody>
           <a:bodyPr lIns="0" tIns="0" rIns="0" bIns="0">
-            <a:normAutofit fontScale="100000" lnSpcReduction="0"/>
+            <a:normAutofit/>
           </a:bodyPr>
           <a:lstStyle/>
           <a:p>
@@ -11477,7 +11194,6 @@
               <a:rPr sz="3200"/>
               <a:t>e.g. if you have a 24 hour TTL, and you swing www.example.com to point to a new server, then there will be an extended period when some users hit one machine and some hit the other</a:t>
             </a:r>
-            <a:endParaRPr sz="3200"/>
           </a:p>
           <a:p>
             <a:pPr lvl="0">
@@ -11501,10 +11217,9 @@
               <a:rPr sz="3200"/>
               <a:t>Follow the procedure:</a:t>
             </a:r>
-            <a:endParaRPr sz="3200"/>
-          </a:p>
-          <a:p>
-            <a:pPr lvl="1" marL="863600" indent="-287337">
+          </a:p>
+          <a:p>
+            <a:pPr marL="863600" lvl="1" indent="-287337">
               <a:spcBef>
                 <a:spcPts val="1100"/>
               </a:spcBef>
@@ -11528,10 +11243,9 @@
               <a:rPr sz="2800"/>
               <a:t>Reduce TTL to 10 minutes</a:t>
             </a:r>
-            <a:endParaRPr sz="2800"/>
-          </a:p>
-          <a:p>
-            <a:pPr lvl="1" marL="863600" indent="-287337">
+          </a:p>
+          <a:p>
+            <a:pPr marL="863600" lvl="1" indent="-287337">
               <a:spcBef>
                 <a:spcPts val="1100"/>
               </a:spcBef>
@@ -11555,10 +11269,9 @@
               <a:rPr sz="2800"/>
               <a:t>Wait at least 24 hours</a:t>
             </a:r>
-            <a:endParaRPr sz="2800"/>
-          </a:p>
-          <a:p>
-            <a:pPr lvl="1" marL="863600" indent="-287337">
+          </a:p>
+          <a:p>
+            <a:pPr marL="863600" lvl="1" indent="-287337">
               <a:spcBef>
                 <a:spcPts val="1100"/>
               </a:spcBef>
@@ -11582,10 +11295,9 @@
               <a:rPr sz="2800"/>
               <a:t>Make the change</a:t>
             </a:r>
-            <a:endParaRPr sz="2800"/>
-          </a:p>
-          <a:p>
-            <a:pPr lvl="1" marL="863600" indent="-287337">
+          </a:p>
+          <a:p>
+            <a:pPr marL="863600" lvl="1" indent="-287337">
               <a:spcBef>
                 <a:spcPts val="1100"/>
               </a:spcBef>
@@ -11617,12 +11329,12 @@
   <p:clrMapOvr>
     <a:masterClrMapping/>
   </p:clrMapOvr>
-  <p:transition spd="med" advClick="1"/>
+  <p:transition spd="med"/>
 </p:sld>
 </file>
 
 <file path=ppt/slides/slide39.xml><?xml version="1.0" encoding="utf-8"?>
-<p:sld xmlns:a="http://schemas.openxmlformats.org/drawingml/2006/main" xmlns:r="http://schemas.openxmlformats.org/officeDocument/2006/relationships" xmlns:p="http://schemas.openxmlformats.org/presentationml/2006/main" showMasterSp="1" showMasterPhAnim="1">
+<p:sld xmlns:a="http://schemas.openxmlformats.org/drawingml/2006/main" xmlns:r="http://schemas.openxmlformats.org/officeDocument/2006/relationships" xmlns:p="http://schemas.openxmlformats.org/presentationml/2006/main">
   <p:cSld>
     <p:spTree>
       <p:nvGrpSpPr>
@@ -11641,7 +11353,9 @@
       <p:sp>
         <p:nvSpPr>
           <p:cNvPr id="151" name="Shape 151"/>
-          <p:cNvSpPr/>
+          <p:cNvSpPr>
+            <a:spLocks noGrp="1"/>
+          </p:cNvSpPr>
           <p:nvPr>
             <p:ph type="title" idx="4294967295"/>
           </p:nvPr>
@@ -11665,7 +11379,7 @@
         </p:spPr>
         <p:txBody>
           <a:bodyPr lIns="0" tIns="0" rIns="0" bIns="0" anchor="ctr">
-            <a:normAutofit fontScale="100000" lnSpcReduction="0"/>
+            <a:normAutofit/>
           </a:bodyPr>
           <a:lstStyle>
             <a:lvl1pPr>
@@ -11699,7 +11413,9 @@
       <p:sp>
         <p:nvSpPr>
           <p:cNvPr id="152" name="Shape 152"/>
-          <p:cNvSpPr/>
+          <p:cNvSpPr>
+            <a:spLocks noGrp="1"/>
+          </p:cNvSpPr>
           <p:nvPr>
             <p:ph type="body" idx="4294967295"/>
           </p:nvPr>
@@ -11723,7 +11439,7 @@
         </p:spPr>
         <p:txBody>
           <a:bodyPr lIns="0" tIns="0" rIns="0" bIns="0">
-            <a:normAutofit fontScale="100000" lnSpcReduction="0"/>
+            <a:normAutofit/>
           </a:bodyPr>
           <a:lstStyle/>
           <a:p>
@@ -11748,7 +11464,6 @@
               <a:rPr sz="3200"/>
               <a:t>Create a new domain</a:t>
             </a:r>
-            <a:endParaRPr sz="3200"/>
           </a:p>
           <a:p>
             <a:pPr lvl="0">
@@ -11772,7 +11487,6 @@
               <a:rPr sz="3200"/>
               <a:t>Set up master and slave nameservice</a:t>
             </a:r>
-            <a:endParaRPr sz="3200"/>
           </a:p>
           <a:p>
             <a:pPr lvl="0">
@@ -11796,7 +11510,6 @@
               <a:rPr sz="3200"/>
               <a:t>Obtain delegation from the domain above</a:t>
             </a:r>
-            <a:endParaRPr sz="3200"/>
           </a:p>
           <a:p>
             <a:pPr lvl="0">
@@ -11828,12 +11541,12 @@
   <p:clrMapOvr>
     <a:masterClrMapping/>
   </p:clrMapOvr>
-  <p:transition spd="med" advClick="1"/>
+  <p:transition spd="med"/>
 </p:sld>
 </file>
 
 <file path=ppt/slides/slide4.xml><?xml version="1.0" encoding="utf-8"?>
-<p:sld xmlns:a="http://schemas.openxmlformats.org/drawingml/2006/main" xmlns:r="http://schemas.openxmlformats.org/officeDocument/2006/relationships" xmlns:p="http://schemas.openxmlformats.org/presentationml/2006/main" showMasterSp="1" showMasterPhAnim="1">
+<p:sld xmlns:a="http://schemas.openxmlformats.org/drawingml/2006/main" xmlns:r="http://schemas.openxmlformats.org/officeDocument/2006/relationships" xmlns:p="http://schemas.openxmlformats.org/presentationml/2006/main">
   <p:cSld>
     <p:spTree>
       <p:nvGrpSpPr>
@@ -11905,6 +11618,7 @@
                   <a:sym typeface="Helvetica"/>
                 </a:defRPr>
               </a:pPr>
+              <a:endParaRPr/>
             </a:p>
           </p:txBody>
         </p:sp>
@@ -11950,6 +11664,7 @@
                   <a:sym typeface="Helvetica"/>
                 </a:defRPr>
               </a:pPr>
+              <a:endParaRPr/>
             </a:p>
           </p:txBody>
         </p:sp>
@@ -11957,7 +11672,9 @@
       <p:sp>
         <p:nvSpPr>
           <p:cNvPr id="20" name="Shape 20"/>
-          <p:cNvSpPr/>
+          <p:cNvSpPr>
+            <a:spLocks noGrp="1"/>
+          </p:cNvSpPr>
           <p:nvPr>
             <p:ph type="title" idx="4294967295"/>
           </p:nvPr>
@@ -11981,7 +11698,7 @@
         </p:spPr>
         <p:txBody>
           <a:bodyPr lIns="0" tIns="0" rIns="0" bIns="0" anchor="ctr">
-            <a:normAutofit fontScale="100000" lnSpcReduction="0"/>
+            <a:normAutofit/>
           </a:bodyPr>
           <a:lstStyle>
             <a:lvl1pPr>
@@ -12015,7 +11732,9 @@
       <p:sp>
         <p:nvSpPr>
           <p:cNvPr id="21" name="Shape 21"/>
-          <p:cNvSpPr/>
+          <p:cNvSpPr>
+            <a:spLocks noGrp="1"/>
+          </p:cNvSpPr>
           <p:nvPr>
             <p:ph type="body" idx="4294967295"/>
           </p:nvPr>
@@ -12039,7 +11758,7 @@
         </p:spPr>
         <p:txBody>
           <a:bodyPr lIns="0" tIns="0" rIns="0" bIns="0">
-            <a:normAutofit fontScale="100000" lnSpcReduction="0"/>
+            <a:normAutofit/>
           </a:bodyPr>
           <a:lstStyle>
             <a:lvl1pPr>
@@ -12128,6 +11847,7 @@
                 </a:tabLst>
                 <a:defRPr sz="1800"/>
               </a:pPr>
+              <a:endParaRPr/>
             </a:p>
           </p:txBody>
         </p:sp>
@@ -12240,6 +11960,7 @@
                 </a:tabLst>
                 <a:defRPr sz="1800"/>
               </a:pPr>
+              <a:endParaRPr/>
             </a:p>
           </p:txBody>
         </p:sp>
@@ -12352,6 +12073,7 @@
                 </a:tabLst>
                 <a:defRPr sz="1800"/>
               </a:pPr>
+              <a:endParaRPr/>
             </a:p>
           </p:txBody>
         </p:sp>
@@ -12411,14 +12133,14 @@
   <p:clrMapOvr>
     <a:masterClrMapping/>
   </p:clrMapOvr>
-  <p:transition spd="med" advClick="1"/>
+  <p:transition spd="med"/>
   <p:timing>
     <p:tnLst>
       <p:par>
-        <p:cTn id="1" nodeType="tmRoot" restart="never" dur="indefinite" fill="hold">
+        <p:cTn id="1" dur="indefinite" restart="never" fill="hold" nodeType="tmRoot">
           <p:childTnLst>
             <p:seq concurrent="1" prevAc="none" nextAc="seek">
-              <p:cTn id="2" nodeType="mainSeq" dur="indefinite" fill="hold">
+              <p:cTn id="2" dur="indefinite" fill="hold" nodeType="mainSeq">
                 <p:childTnLst>
                   <p:par>
                     <p:cTn id="3" fill="hold">
@@ -12433,11 +12155,11 @@
                             </p:stCondLst>
                             <p:childTnLst>
                               <p:par>
-                                <p:cTn id="5" nodeType="clickEffect" presetClass="entr" presetSubtype="2" presetID="22" grpId="1" fill="hold">
+                                <p:cTn id="5" presetID="22" presetClass="entr" presetSubtype="2" fill="hold" grpId="1" nodeType="clickEffect">
                                   <p:stCondLst>
                                     <p:cond delay="0"/>
                                   </p:stCondLst>
-                                  <p:iterate type="el" backwards="0">
+                                  <p:iterate>
                                     <p:tmAbs val="0"/>
                                   </p:iterate>
                                   <p:childTnLst>
@@ -12455,7 +12177,7 @@
                                         <p:strVal val="visible"/>
                                       </p:to>
                                     </p:set>
-                                    <p:animEffect filter="wipe(right)" transition="in">
+                                    <p:animEffect transition="in" filter="wipe(right)">
                                       <p:cBhvr>
                                         <p:cTn id="7" dur="1000"/>
                                         <p:tgtEl>
@@ -12475,14 +12197,14 @@
                 </p:childTnLst>
               </p:cTn>
               <p:prevCondLst>
-                <p:cond evt="onPrev">
+                <p:cond evt="onPrev" delay="0">
                   <p:tgtEl>
                     <p:sldTgt/>
                   </p:tgtEl>
                 </p:cond>
               </p:prevCondLst>
               <p:nextCondLst>
-                <p:cond evt="onNext">
+                <p:cond evt="onNext" delay="0">
                   <p:tgtEl>
                     <p:sldTgt/>
                   </p:tgtEl>
@@ -12494,14 +12216,14 @@
       </p:par>
     </p:tnLst>
     <p:bldLst>
-      <p:bldP build="whole" bldLvl="1" animBg="1" rev="0" advAuto="0" spid="19" grpId="1"/>
+      <p:bldP spid="19" grpId="1" animBg="1" advAuto="0"/>
     </p:bldLst>
   </p:timing>
 </p:sld>
 </file>
 
 <file path=ppt/slides/slide5.xml><?xml version="1.0" encoding="utf-8"?>
-<p:sld xmlns:a="http://schemas.openxmlformats.org/drawingml/2006/main" xmlns:r="http://schemas.openxmlformats.org/officeDocument/2006/relationships" xmlns:p="http://schemas.openxmlformats.org/presentationml/2006/main" showMasterSp="1" showMasterPhAnim="1">
+<p:sld xmlns:a="http://schemas.openxmlformats.org/drawingml/2006/main" xmlns:r="http://schemas.openxmlformats.org/officeDocument/2006/relationships" xmlns:p="http://schemas.openxmlformats.org/presentationml/2006/main">
   <p:cSld>
     <p:spTree>
       <p:nvGrpSpPr>
@@ -12520,7 +12242,9 @@
       <p:sp>
         <p:nvSpPr>
           <p:cNvPr id="32" name="Shape 32"/>
-          <p:cNvSpPr/>
+          <p:cNvSpPr>
+            <a:spLocks noGrp="1"/>
+          </p:cNvSpPr>
           <p:nvPr>
             <p:ph type="title" idx="4294967295"/>
           </p:nvPr>
@@ -12544,7 +12268,7 @@
         </p:spPr>
         <p:txBody>
           <a:bodyPr lIns="0" tIns="0" rIns="0" bIns="0" anchor="ctr">
-            <a:normAutofit fontScale="100000" lnSpcReduction="0"/>
+            <a:normAutofit/>
           </a:bodyPr>
           <a:lstStyle>
             <a:lvl1pPr>
@@ -12578,7 +12302,9 @@
       <p:sp>
         <p:nvSpPr>
           <p:cNvPr id="33" name="Shape 33"/>
-          <p:cNvSpPr/>
+          <p:cNvSpPr>
+            <a:spLocks noGrp="1"/>
+          </p:cNvSpPr>
           <p:nvPr>
             <p:ph type="body" idx="4294967295"/>
           </p:nvPr>
@@ -12602,7 +12328,7 @@
         </p:spPr>
         <p:txBody>
           <a:bodyPr lIns="0" tIns="0" rIns="0" bIns="0">
-            <a:normAutofit fontScale="100000" lnSpcReduction="0"/>
+            <a:normAutofit/>
           </a:bodyPr>
           <a:lstStyle/>
           <a:p>
@@ -12627,10 +12353,9 @@
               <a:rPr sz="3200"/>
               <a:t>Slaves poll the master periodically - called the "Refresh Interval" - to check for new data</a:t>
             </a:r>
-            <a:endParaRPr sz="3200"/>
-          </a:p>
-          <a:p>
-            <a:pPr lvl="1" marL="863600" indent="-287337">
+          </a:p>
+          <a:p>
+            <a:pPr marL="863600" lvl="1" indent="-287337">
               <a:spcBef>
                 <a:spcPts val="1100"/>
               </a:spcBef>
@@ -12654,7 +12379,6 @@
               <a:rPr sz="2800"/>
               <a:t>Originally this was the only mechanism</a:t>
             </a:r>
-            <a:endParaRPr sz="2800"/>
           </a:p>
           <a:p>
             <a:pPr lvl="0">
@@ -12678,10 +12402,9 @@
               <a:rPr sz="3200"/>
               <a:t>With new software, master can also notify the slaves when the data changes</a:t>
             </a:r>
-            <a:endParaRPr sz="3200"/>
-          </a:p>
-          <a:p>
-            <a:pPr lvl="1" marL="863600" indent="-287337">
+          </a:p>
+          <a:p>
+            <a:pPr marL="863600" lvl="1" indent="-287337">
               <a:spcBef>
                 <a:spcPts val="1100"/>
               </a:spcBef>
@@ -12705,7 +12428,6 @@
               <a:rPr sz="2800"/>
               <a:t>Results in quicker updates</a:t>
             </a:r>
-            <a:endParaRPr sz="2800"/>
           </a:p>
           <a:p>
             <a:pPr lvl="0">
@@ -12737,12 +12459,12 @@
   <p:clrMapOvr>
     <a:masterClrMapping/>
   </p:clrMapOvr>
-  <p:transition spd="med" advClick="1"/>
+  <p:transition spd="med"/>
 </p:sld>
 </file>
 
 <file path=ppt/slides/slide6.xml><?xml version="1.0" encoding="utf-8"?>
-<p:sld xmlns:a="http://schemas.openxmlformats.org/drawingml/2006/main" xmlns:r="http://schemas.openxmlformats.org/officeDocument/2006/relationships" xmlns:p="http://schemas.openxmlformats.org/presentationml/2006/main" showMasterSp="1" showMasterPhAnim="1">
+<p:sld xmlns:a="http://schemas.openxmlformats.org/drawingml/2006/main" xmlns:r="http://schemas.openxmlformats.org/officeDocument/2006/relationships" xmlns:p="http://schemas.openxmlformats.org/presentationml/2006/main">
   <p:cSld>
     <p:spTree>
       <p:nvGrpSpPr>
@@ -12761,7 +12483,9 @@
       <p:sp>
         <p:nvSpPr>
           <p:cNvPr id="35" name="Shape 35"/>
-          <p:cNvSpPr/>
+          <p:cNvSpPr>
+            <a:spLocks noGrp="1"/>
+          </p:cNvSpPr>
           <p:nvPr>
             <p:ph type="title" idx="4294967295"/>
           </p:nvPr>
@@ -12785,7 +12509,7 @@
         </p:spPr>
         <p:txBody>
           <a:bodyPr lIns="0" tIns="0" rIns="0" bIns="0" anchor="ctr">
-            <a:normAutofit fontScale="100000" lnSpcReduction="0"/>
+            <a:normAutofit/>
           </a:bodyPr>
           <a:lstStyle>
             <a:lvl1pPr>
@@ -12819,7 +12543,9 @@
       <p:sp>
         <p:nvSpPr>
           <p:cNvPr id="36" name="Shape 36"/>
-          <p:cNvSpPr/>
+          <p:cNvSpPr>
+            <a:spLocks noGrp="1"/>
+          </p:cNvSpPr>
           <p:nvPr>
             <p:ph type="body" idx="4294967295"/>
           </p:nvPr>
@@ -12843,7 +12569,7 @@
         </p:spPr>
         <p:txBody>
           <a:bodyPr lIns="0" tIns="0" rIns="0" bIns="0">
-            <a:normAutofit fontScale="100000" lnSpcReduction="0"/>
+            <a:normAutofit/>
           </a:bodyPr>
           <a:lstStyle/>
           <a:p>
@@ -12868,7 +12594,6 @@
               <a:rPr sz="3200"/>
               <a:t>Every zone file has a Serial Number</a:t>
             </a:r>
-            <a:endParaRPr sz="3200"/>
           </a:p>
           <a:p>
             <a:pPr lvl="0">
@@ -12893,13 +12618,12 @@
               <a:t>Slave will only copy data when this number </a:t>
             </a:r>
             <a:r>
-              <a:rPr i="1" sz="3200"/>
+              <a:rPr sz="3200" i="1"/>
               <a:t>INCREASES</a:t>
             </a:r>
-            <a:endParaRPr i="1" sz="3200"/>
-          </a:p>
-          <a:p>
-            <a:pPr lvl="1" marL="863600" indent="-287337">
+          </a:p>
+          <a:p>
+            <a:pPr marL="863600" lvl="1" indent="-287337">
               <a:spcBef>
                 <a:spcPts val="1100"/>
               </a:spcBef>
@@ -12923,10 +12647,9 @@
               <a:rPr sz="2800"/>
               <a:t>Periodic UDP query to check Serial Number</a:t>
             </a:r>
-            <a:endParaRPr sz="2800"/>
-          </a:p>
-          <a:p>
-            <a:pPr lvl="1" marL="863600" indent="-287337">
+          </a:p>
+          <a:p>
+            <a:pPr marL="863600" lvl="1" indent="-287337">
               <a:spcBef>
                 <a:spcPts val="1100"/>
               </a:spcBef>
@@ -12950,7 +12673,6 @@
               <a:rPr sz="2800"/>
               <a:t>If increased, TCP transfer of zone data</a:t>
             </a:r>
-            <a:endParaRPr sz="2800"/>
           </a:p>
           <a:p>
             <a:pPr lvl="0">
@@ -12982,12 +12704,12 @@
   <p:clrMapOvr>
     <a:masterClrMapping/>
   </p:clrMapOvr>
-  <p:transition spd="med" advClick="1"/>
+  <p:transition spd="med"/>
 </p:sld>
 </file>
 
 <file path=ppt/slides/slide7.xml><?xml version="1.0" encoding="utf-8"?>
-<p:sld xmlns:a="http://schemas.openxmlformats.org/drawingml/2006/main" xmlns:r="http://schemas.openxmlformats.org/officeDocument/2006/relationships" xmlns:p="http://schemas.openxmlformats.org/presentationml/2006/main" showMasterSp="1" showMasterPhAnim="1">
+<p:sld xmlns:a="http://schemas.openxmlformats.org/drawingml/2006/main" xmlns:r="http://schemas.openxmlformats.org/officeDocument/2006/relationships" xmlns:p="http://schemas.openxmlformats.org/presentationml/2006/main">
   <p:cSld>
     <p:spTree>
       <p:nvGrpSpPr>
@@ -13006,7 +12728,9 @@
       <p:sp>
         <p:nvSpPr>
           <p:cNvPr id="38" name="Shape 38"/>
-          <p:cNvSpPr/>
+          <p:cNvSpPr>
+            <a:spLocks noGrp="1"/>
+          </p:cNvSpPr>
           <p:nvPr>
             <p:ph type="title" idx="4294967295"/>
           </p:nvPr>
@@ -13030,7 +12754,7 @@
         </p:spPr>
         <p:txBody>
           <a:bodyPr lIns="0" tIns="0" rIns="0" bIns="0" anchor="ctr">
-            <a:normAutofit fontScale="100000" lnSpcReduction="0"/>
+            <a:normAutofit/>
           </a:bodyPr>
           <a:lstStyle>
             <a:lvl1pPr>
@@ -13064,7 +12788,9 @@
       <p:sp>
         <p:nvSpPr>
           <p:cNvPr id="39" name="Shape 39"/>
-          <p:cNvSpPr/>
+          <p:cNvSpPr>
+            <a:spLocks noGrp="1"/>
+          </p:cNvSpPr>
           <p:nvPr>
             <p:ph type="body" idx="4294967295"/>
           </p:nvPr>
@@ -13088,7 +12814,7 @@
         </p:spPr>
         <p:txBody>
           <a:bodyPr lIns="0" tIns="0" rIns="0" bIns="0">
-            <a:normAutofit fontScale="100000" lnSpcReduction="0"/>
+            <a:normAutofit/>
           </a:bodyPr>
           <a:lstStyle/>
           <a:p>
@@ -13113,7 +12839,6 @@
               <a:rPr sz="3200"/>
               <a:t>YYYY = year</a:t>
             </a:r>
-            <a:endParaRPr sz="3200"/>
           </a:p>
           <a:p>
             <a:pPr lvl="0">
@@ -13137,7 +12862,6 @@
               <a:rPr sz="3200"/>
               <a:t>MM = month (01-12)</a:t>
             </a:r>
-            <a:endParaRPr sz="3200"/>
           </a:p>
           <a:p>
             <a:pPr lvl="0">
@@ -13161,7 +12885,6 @@
               <a:rPr sz="3200"/>
               <a:t>DD = day (01-31)</a:t>
             </a:r>
-            <a:endParaRPr sz="3200"/>
           </a:p>
           <a:p>
             <a:pPr lvl="0">
@@ -13185,10 +12908,9 @@
               <a:rPr sz="3200"/>
               <a:t>NN = number of changes today (00-99)</a:t>
             </a:r>
-            <a:endParaRPr sz="3200"/>
-          </a:p>
-          <a:p>
-            <a:pPr lvl="1" marL="863600" indent="-287337">
+          </a:p>
+          <a:p>
+            <a:pPr marL="863600" lvl="1" indent="-287337">
               <a:spcBef>
                 <a:spcPts val="1100"/>
               </a:spcBef>
@@ -13220,12 +12942,12 @@
   <p:clrMapOvr>
     <a:masterClrMapping/>
   </p:clrMapOvr>
-  <p:transition spd="med" advClick="1"/>
+  <p:transition spd="med"/>
 </p:sld>
 </file>
 
 <file path=ppt/slides/slide8.xml><?xml version="1.0" encoding="utf-8"?>
-<p:sld xmlns:a="http://schemas.openxmlformats.org/drawingml/2006/main" xmlns:r="http://schemas.openxmlformats.org/officeDocument/2006/relationships" xmlns:p="http://schemas.openxmlformats.org/presentationml/2006/main" showMasterSp="1" showMasterPhAnim="1">
+<p:sld xmlns:a="http://schemas.openxmlformats.org/drawingml/2006/main" xmlns:r="http://schemas.openxmlformats.org/officeDocument/2006/relationships" xmlns:p="http://schemas.openxmlformats.org/presentationml/2006/main">
   <p:cSld>
     <p:spTree>
       <p:nvGrpSpPr>
@@ -13244,7 +12966,9 @@
       <p:sp>
         <p:nvSpPr>
           <p:cNvPr id="41" name="Shape 41"/>
-          <p:cNvSpPr/>
+          <p:cNvSpPr>
+            <a:spLocks noGrp="1"/>
+          </p:cNvSpPr>
           <p:nvPr>
             <p:ph type="title" idx="4294967295"/>
           </p:nvPr>
@@ -13268,7 +12992,7 @@
         </p:spPr>
         <p:txBody>
           <a:bodyPr lIns="0" tIns="0" rIns="0" bIns="0" anchor="ctr">
-            <a:normAutofit fontScale="100000" lnSpcReduction="0"/>
+            <a:normAutofit/>
           </a:bodyPr>
           <a:lstStyle>
             <a:lvl1pPr>
@@ -13302,7 +13026,9 @@
       <p:sp>
         <p:nvSpPr>
           <p:cNvPr id="42" name="Shape 42"/>
-          <p:cNvSpPr/>
+          <p:cNvSpPr>
+            <a:spLocks noGrp="1"/>
+          </p:cNvSpPr>
           <p:nvPr>
             <p:ph type="body" idx="4294967295"/>
           </p:nvPr>
@@ -13326,7 +13052,7 @@
         </p:spPr>
         <p:txBody>
           <a:bodyPr lIns="0" tIns="0" rIns="0" bIns="0">
-            <a:normAutofit fontScale="100000" lnSpcReduction="0"/>
+            <a:normAutofit/>
           </a:bodyPr>
           <a:lstStyle/>
           <a:p>
@@ -13351,7 +13077,6 @@
               <a:rPr sz="3200"/>
               <a:t>If you ever decrease the serial number, the slaves will never update again until the serial number goes above its previous value</a:t>
             </a:r>
-            <a:endParaRPr sz="3200"/>
           </a:p>
           <a:p>
             <a:pPr lvl="0">
@@ -13375,7 +13100,6 @@
               <a:rPr sz="3200"/>
               <a:t>RFC1912 section 3.1 explains a method to fix this problem</a:t>
             </a:r>
-            <a:endParaRPr sz="3200"/>
           </a:p>
           <a:p>
             <a:pPr lvl="0">
@@ -13407,12 +13131,12 @@
   <p:clrMapOvr>
     <a:masterClrMapping/>
   </p:clrMapOvr>
-  <p:transition spd="med" advClick="1"/>
+  <p:transition spd="med"/>
 </p:sld>
 </file>
 
 <file path=ppt/slides/slide9.xml><?xml version="1.0" encoding="utf-8"?>
-<p:sld xmlns:a="http://schemas.openxmlformats.org/drawingml/2006/main" xmlns:r="http://schemas.openxmlformats.org/officeDocument/2006/relationships" xmlns:p="http://schemas.openxmlformats.org/presentationml/2006/main" showMasterSp="1" showMasterPhAnim="1">
+<p:sld xmlns:a="http://schemas.openxmlformats.org/drawingml/2006/main" xmlns:r="http://schemas.openxmlformats.org/officeDocument/2006/relationships" xmlns:p="http://schemas.openxmlformats.org/presentationml/2006/main">
   <p:cSld>
     <p:spTree>
       <p:nvGrpSpPr>
@@ -13431,7 +13155,9 @@
       <p:sp>
         <p:nvSpPr>
           <p:cNvPr id="44" name="Shape 44"/>
-          <p:cNvSpPr/>
+          <p:cNvSpPr>
+            <a:spLocks noGrp="1"/>
+          </p:cNvSpPr>
           <p:nvPr>
             <p:ph type="title" idx="4294967295"/>
           </p:nvPr>
@@ -13455,7 +13181,7 @@
         </p:spPr>
         <p:txBody>
           <a:bodyPr lIns="0" tIns="0" rIns="0" bIns="0" anchor="ctr">
-            <a:normAutofit fontScale="100000" lnSpcReduction="0"/>
+            <a:normAutofit/>
           </a:bodyPr>
           <a:lstStyle>
             <a:lvl1pPr>
@@ -13489,7 +13215,9 @@
       <p:sp>
         <p:nvSpPr>
           <p:cNvPr id="45" name="Shape 45"/>
-          <p:cNvSpPr/>
+          <p:cNvSpPr>
+            <a:spLocks noGrp="1"/>
+          </p:cNvSpPr>
           <p:nvPr>
             <p:ph type="body" idx="4294967295"/>
           </p:nvPr>
@@ -13513,7 +13241,7 @@
         </p:spPr>
         <p:txBody>
           <a:bodyPr lIns="0" tIns="0" rIns="0" bIns="0">
-            <a:normAutofit fontScale="100000" lnSpcReduction="0"/>
+            <a:normAutofit/>
           </a:bodyPr>
           <a:lstStyle/>
           <a:p>
@@ -13538,7 +13266,6 @@
               <a:rPr sz="3200"/>
               <a:t>Serial no. is a 32-bit unsigned number</a:t>
             </a:r>
-            <a:endParaRPr sz="3200"/>
           </a:p>
           <a:p>
             <a:pPr lvl="0">
@@ -13562,7 +13289,6 @@
               <a:rPr sz="3200"/>
               <a:t>Range: 0 to 4,294,967,295</a:t>
             </a:r>
-            <a:endParaRPr sz="3200"/>
           </a:p>
           <a:p>
             <a:pPr lvl="0">
@@ -13586,7 +13312,6 @@
               <a:rPr sz="3200"/>
               <a:t>Any value larger than this is silently truncated</a:t>
             </a:r>
-            <a:endParaRPr sz="3200"/>
           </a:p>
           <a:p>
             <a:pPr lvl="0">
@@ -13610,10 +13335,9 @@
               <a:rPr sz="3200"/>
               <a:t>e.g. 20080527000 (note extra digit)</a:t>
             </a:r>
-            <a:endParaRPr sz="3200"/>
-          </a:p>
-          <a:p>
-            <a:pPr lvl="1" marL="287337" indent="288925">
+          </a:p>
+          <a:p>
+            <a:pPr marL="287337" lvl="1" indent="288925">
               <a:spcBef>
                 <a:spcPts val="1100"/>
               </a:spcBef>
@@ -13639,10 +13363,9 @@
               <a:rPr sz="2800"/>
               <a:t>= 4ACE48698 (hex)</a:t>
             </a:r>
-            <a:endParaRPr sz="2800"/>
-          </a:p>
-          <a:p>
-            <a:pPr lvl="1" marL="287337" indent="288925">
+          </a:p>
+          <a:p>
+            <a:pPr marL="287337" lvl="1" indent="288925">
               <a:spcBef>
                 <a:spcPts val="1100"/>
               </a:spcBef>
@@ -13668,10 +13391,9 @@
               <a:rPr sz="2800"/>
               <a:t>=   ACE48698 (32 bits)</a:t>
             </a:r>
-            <a:endParaRPr sz="2800"/>
-          </a:p>
-          <a:p>
-            <a:pPr lvl="1" marL="287337" indent="288925">
+          </a:p>
+          <a:p>
+            <a:pPr marL="287337" lvl="1" indent="288925">
               <a:spcBef>
                 <a:spcPts val="1100"/>
               </a:spcBef>
@@ -13697,7 +13419,6 @@
               <a:rPr sz="2800"/>
               <a:t>= 2900657816</a:t>
             </a:r>
-            <a:endParaRPr sz="2800"/>
           </a:p>
           <a:p>
             <a:pPr lvl="0">
@@ -13729,12 +13450,12 @@
   <p:clrMapOvr>
     <a:masterClrMapping/>
   </p:clrMapOvr>
-  <p:transition spd="med" advClick="1"/>
+  <p:transition spd="med"/>
 </p:sld>
 </file>
 
 <file path=ppt/theme/theme1.xml><?xml version="1.0" encoding="utf-8"?>
-<a:theme xmlns:a="http://schemas.openxmlformats.org/drawingml/2006/main" xmlns:r="http://schemas.openxmlformats.org/officeDocument/2006/relationships" name="Default">
+<a:theme xmlns:a="http://schemas.openxmlformats.org/drawingml/2006/main" name="Default">
   <a:themeElements>
     <a:clrScheme name="Default">
       <a:dk1>
@@ -13866,7 +13587,7 @@
         </a:effectStyle>
         <a:effectStyle>
           <a:effectLst>
-            <a:outerShdw sx="100000" sy="100000" kx="0" ky="0" algn="b" rotWithShape="0" blurRad="38100" dist="20000" dir="5400000">
+            <a:outerShdw blurRad="38100" dist="20000" dir="5400000" rotWithShape="0">
               <a:srgbClr val="000000">
                 <a:alpha val="38000"/>
               </a:srgbClr>
@@ -13941,7 +13662,7 @@
         </a:ln>
         <a:effectLst/>
       </a:spPr>
-      <a:bodyPr rot="0" spcFirstLastPara="1" vertOverflow="overflow" horzOverflow="overflow" vert="horz" wrap="square" lIns="45719" tIns="45719" rIns="45719" bIns="45719" numCol="1" spcCol="38100" rtlCol="0" anchor="t" upright="0">
+      <a:bodyPr rot="0" spcFirstLastPara="1" vertOverflow="overflow" horzOverflow="overflow" vert="horz" wrap="square" lIns="45719" tIns="45719" rIns="45719" bIns="45719" numCol="1" spcCol="38100" rtlCol="0" anchor="t">
         <a:spAutoFit/>
       </a:bodyPr>
       <a:lstStyle>
@@ -13960,7 +13681,7 @@
           <a:buFontTx/>
           <a:buNone/>
           <a:tabLst/>
-          <a:defRPr b="0" baseline="0" cap="none" i="0" spc="0" strike="noStrike" sz="2400" u="none" kumimoji="0" normalizeH="0">
+          <a:defRPr kumimoji="0" sz="2400" b="0" i="0" u="none" strike="noStrike" cap="none" spc="0" normalizeH="0" baseline="0">
             <a:ln>
               <a:noFill/>
             </a:ln>
@@ -13990,7 +13711,7 @@
           <a:buFontTx/>
           <a:buNone/>
           <a:tabLst/>
-          <a:defRPr b="0" baseline="0" cap="none" i="0" spc="0" strike="noStrike" sz="1800" u="none" kumimoji="0" normalizeH="0">
+          <a:defRPr kumimoji="0" sz="1800" b="0" i="0" u="none" strike="noStrike" cap="none" spc="0" normalizeH="0" baseline="0">
             <a:ln>
               <a:noFill/>
             </a:ln>
@@ -14016,7 +13737,7 @@
           <a:buFontTx/>
           <a:buNone/>
           <a:tabLst/>
-          <a:defRPr b="0" baseline="0" cap="none" i="0" spc="0" strike="noStrike" sz="1800" u="none" kumimoji="0" normalizeH="0">
+          <a:defRPr kumimoji="0" sz="1800" b="0" i="0" u="none" strike="noStrike" cap="none" spc="0" normalizeH="0" baseline="0">
             <a:ln>
               <a:noFill/>
             </a:ln>
@@ -14042,7 +13763,7 @@
           <a:buFontTx/>
           <a:buNone/>
           <a:tabLst/>
-          <a:defRPr b="0" baseline="0" cap="none" i="0" spc="0" strike="noStrike" sz="1800" u="none" kumimoji="0" normalizeH="0">
+          <a:defRPr kumimoji="0" sz="1800" b="0" i="0" u="none" strike="noStrike" cap="none" spc="0" normalizeH="0" baseline="0">
             <a:ln>
               <a:noFill/>
             </a:ln>
@@ -14068,7 +13789,7 @@
           <a:buFontTx/>
           <a:buNone/>
           <a:tabLst/>
-          <a:defRPr b="0" baseline="0" cap="none" i="0" spc="0" strike="noStrike" sz="1800" u="none" kumimoji="0" normalizeH="0">
+          <a:defRPr kumimoji="0" sz="1800" b="0" i="0" u="none" strike="noStrike" cap="none" spc="0" normalizeH="0" baseline="0">
             <a:ln>
               <a:noFill/>
             </a:ln>
@@ -14094,7 +13815,7 @@
           <a:buFontTx/>
           <a:buNone/>
           <a:tabLst/>
-          <a:defRPr b="0" baseline="0" cap="none" i="0" spc="0" strike="noStrike" sz="1800" u="none" kumimoji="0" normalizeH="0">
+          <a:defRPr kumimoji="0" sz="1800" b="0" i="0" u="none" strike="noStrike" cap="none" spc="0" normalizeH="0" baseline="0">
             <a:ln>
               <a:noFill/>
             </a:ln>
@@ -14120,7 +13841,7 @@
           <a:buFontTx/>
           <a:buNone/>
           <a:tabLst/>
-          <a:defRPr b="0" baseline="0" cap="none" i="0" spc="0" strike="noStrike" sz="1800" u="none" kumimoji="0" normalizeH="0">
+          <a:defRPr kumimoji="0" sz="1800" b="0" i="0" u="none" strike="noStrike" cap="none" spc="0" normalizeH="0" baseline="0">
             <a:ln>
               <a:noFill/>
             </a:ln>
@@ -14146,7 +13867,7 @@
           <a:buFontTx/>
           <a:buNone/>
           <a:tabLst/>
-          <a:defRPr b="0" baseline="0" cap="none" i="0" spc="0" strike="noStrike" sz="1800" u="none" kumimoji="0" normalizeH="0">
+          <a:defRPr kumimoji="0" sz="1800" b="0" i="0" u="none" strike="noStrike" cap="none" spc="0" normalizeH="0" baseline="0">
             <a:ln>
               <a:noFill/>
             </a:ln>
@@ -14172,7 +13893,7 @@
           <a:buFontTx/>
           <a:buNone/>
           <a:tabLst/>
-          <a:defRPr b="0" baseline="0" cap="none" i="0" spc="0" strike="noStrike" sz="1800" u="none" kumimoji="0" normalizeH="0">
+          <a:defRPr kumimoji="0" sz="1800" b="0" i="0" u="none" strike="noStrike" cap="none" spc="0" normalizeH="0" baseline="0">
             <a:ln>
               <a:noFill/>
             </a:ln>
@@ -14198,7 +13919,7 @@
           <a:buFontTx/>
           <a:buNone/>
           <a:tabLst/>
-          <a:defRPr b="0" baseline="0" cap="none" i="0" spc="0" strike="noStrike" sz="1800" u="none" kumimoji="0" normalizeH="0">
+          <a:defRPr kumimoji="0" sz="1800" b="0" i="0" u="none" strike="noStrike" cap="none" spc="0" normalizeH="0" baseline="0">
             <a:ln>
               <a:noFill/>
             </a:ln>
@@ -14211,9 +13932,15 @@
         </a:lvl9pPr>
       </a:lstStyle>
       <a:style>
-        <a:lnRef idx="0"/>
-        <a:fillRef idx="0"/>
-        <a:effectRef idx="0"/>
+        <a:lnRef idx="0">
+          <a:scrgbClr r="0" g="0" b="0"/>
+        </a:lnRef>
+        <a:fillRef idx="0">
+          <a:scrgbClr r="0" g="0" b="0"/>
+        </a:fillRef>
+        <a:effectRef idx="0">
+          <a:scrgbClr r="0" g="0" b="0"/>
+        </a:effectRef>
         <a:fontRef idx="none"/>
       </a:style>
     </a:spDef>
@@ -14228,14 +13955,14 @@
           <a:bevel/>
         </a:ln>
         <a:effectLst>
-          <a:outerShdw sx="100000" sy="100000" kx="0" ky="0" algn="b" rotWithShape="0" blurRad="38100" dist="20000" dir="5400000">
+          <a:outerShdw blurRad="38100" dist="20000" dir="5400000" rotWithShape="0">
             <a:srgbClr val="000000">
               <a:alpha val="38000"/>
             </a:srgbClr>
           </a:outerShdw>
         </a:effectLst>
       </a:spPr>
-      <a:bodyPr rot="0" spcFirstLastPara="1" vertOverflow="overflow" horzOverflow="overflow" vert="horz" wrap="square" lIns="91439" tIns="45719" rIns="91439" bIns="45719" numCol="1" spcCol="38100" rtlCol="0" anchor="t" upright="0">
+      <a:bodyPr rot="0" spcFirstLastPara="1" vertOverflow="overflow" horzOverflow="overflow" vert="horz" wrap="square" lIns="91439" tIns="45719" rIns="91439" bIns="45719" numCol="1" spcCol="38100" rtlCol="0" anchor="t">
         <a:noAutofit/>
       </a:bodyPr>
       <a:lstStyle>
@@ -14254,7 +13981,7 @@
           <a:buFontTx/>
           <a:buNone/>
           <a:tabLst/>
-          <a:defRPr b="0" baseline="0" cap="none" i="0" spc="0" strike="noStrike" sz="1800" u="none" kumimoji="0" normalizeH="0">
+          <a:defRPr kumimoji="0" sz="1800" b="0" i="0" u="none" strike="noStrike" cap="none" spc="0" normalizeH="0" baseline="0">
             <a:ln>
               <a:noFill/>
             </a:ln>
@@ -14280,7 +14007,7 @@
           <a:buFontTx/>
           <a:buNone/>
           <a:tabLst/>
-          <a:defRPr b="0" baseline="0" cap="none" i="0" spc="0" strike="noStrike" sz="1800" u="none" kumimoji="0" normalizeH="0">
+          <a:defRPr kumimoji="0" sz="1800" b="0" i="0" u="none" strike="noStrike" cap="none" spc="0" normalizeH="0" baseline="0">
             <a:ln>
               <a:noFill/>
             </a:ln>
@@ -14306,7 +14033,7 @@
           <a:buFontTx/>
           <a:buNone/>
           <a:tabLst/>
-          <a:defRPr b="0" baseline="0" cap="none" i="0" spc="0" strike="noStrike" sz="1800" u="none" kumimoji="0" normalizeH="0">
+          <a:defRPr kumimoji="0" sz="1800" b="0" i="0" u="none" strike="noStrike" cap="none" spc="0" normalizeH="0" baseline="0">
             <a:ln>
               <a:noFill/>
             </a:ln>
@@ -14332,7 +14059,7 @@
           <a:buFontTx/>
           <a:buNone/>
           <a:tabLst/>
-          <a:defRPr b="0" baseline="0" cap="none" i="0" spc="0" strike="noStrike" sz="1800" u="none" kumimoji="0" normalizeH="0">
+          <a:defRPr kumimoji="0" sz="1800" b="0" i="0" u="none" strike="noStrike" cap="none" spc="0" normalizeH="0" baseline="0">
             <a:ln>
               <a:noFill/>
             </a:ln>
@@ -14358,7 +14085,7 @@
           <a:buFontTx/>
           <a:buNone/>
           <a:tabLst/>
-          <a:defRPr b="0" baseline="0" cap="none" i="0" spc="0" strike="noStrike" sz="1800" u="none" kumimoji="0" normalizeH="0">
+          <a:defRPr kumimoji="0" sz="1800" b="0" i="0" u="none" strike="noStrike" cap="none" spc="0" normalizeH="0" baseline="0">
             <a:ln>
               <a:noFill/>
             </a:ln>
@@ -14384,7 +14111,7 @@
           <a:buFontTx/>
           <a:buNone/>
           <a:tabLst/>
-          <a:defRPr b="0" baseline="0" cap="none" i="0" spc="0" strike="noStrike" sz="1800" u="none" kumimoji="0" normalizeH="0">
+          <a:defRPr kumimoji="0" sz="1800" b="0" i="0" u="none" strike="noStrike" cap="none" spc="0" normalizeH="0" baseline="0">
             <a:ln>
               <a:noFill/>
             </a:ln>
@@ -14410,7 +14137,7 @@
           <a:buFontTx/>
           <a:buNone/>
           <a:tabLst/>
-          <a:defRPr b="0" baseline="0" cap="none" i="0" spc="0" strike="noStrike" sz="1800" u="none" kumimoji="0" normalizeH="0">
+          <a:defRPr kumimoji="0" sz="1800" b="0" i="0" u="none" strike="noStrike" cap="none" spc="0" normalizeH="0" baseline="0">
             <a:ln>
               <a:noFill/>
             </a:ln>
@@ -14436,7 +14163,7 @@
           <a:buFontTx/>
           <a:buNone/>
           <a:tabLst/>
-          <a:defRPr b="0" baseline="0" cap="none" i="0" spc="0" strike="noStrike" sz="1800" u="none" kumimoji="0" normalizeH="0">
+          <a:defRPr kumimoji="0" sz="1800" b="0" i="0" u="none" strike="noStrike" cap="none" spc="0" normalizeH="0" baseline="0">
             <a:ln>
               <a:noFill/>
             </a:ln>
@@ -14462,7 +14189,7 @@
           <a:buFontTx/>
           <a:buNone/>
           <a:tabLst/>
-          <a:defRPr b="0" baseline="0" cap="none" i="0" spc="0" strike="noStrike" sz="1800" u="none" kumimoji="0" normalizeH="0">
+          <a:defRPr kumimoji="0" sz="1800" b="0" i="0" u="none" strike="noStrike" cap="none" spc="0" normalizeH="0" baseline="0">
             <a:ln>
               <a:noFill/>
             </a:ln>
@@ -14488,7 +14215,7 @@
           <a:buFontTx/>
           <a:buNone/>
           <a:tabLst/>
-          <a:defRPr b="0" baseline="0" cap="none" i="0" spc="0" strike="noStrike" sz="1800" u="none" kumimoji="0" normalizeH="0">
+          <a:defRPr kumimoji="0" sz="1800" b="0" i="0" u="none" strike="noStrike" cap="none" spc="0" normalizeH="0" baseline="0">
             <a:ln>
               <a:noFill/>
             </a:ln>
@@ -14501,9 +14228,15 @@
         </a:lvl9pPr>
       </a:lstStyle>
       <a:style>
-        <a:lnRef idx="0"/>
-        <a:fillRef idx="0"/>
-        <a:effectRef idx="0"/>
+        <a:lnRef idx="0">
+          <a:scrgbClr r="0" g="0" b="0"/>
+        </a:lnRef>
+        <a:fillRef idx="0">
+          <a:scrgbClr r="0" g="0" b="0"/>
+        </a:fillRef>
+        <a:effectRef idx="0">
+          <a:scrgbClr r="0" g="0" b="0"/>
+        </a:effectRef>
         <a:fontRef idx="none"/>
       </a:style>
     </a:lnDef>
@@ -14516,7 +14249,7 @@
         </a:ln>
         <a:effectLst/>
       </a:spPr>
-      <a:bodyPr rot="0" spcFirstLastPara="1" vertOverflow="overflow" horzOverflow="overflow" vert="horz" wrap="square" lIns="45719" tIns="45719" rIns="45719" bIns="45719" numCol="1" spcCol="38100" rtlCol="0" anchor="t" upright="0">
+      <a:bodyPr rot="0" spcFirstLastPara="1" vertOverflow="overflow" horzOverflow="overflow" vert="horz" wrap="square" lIns="45719" tIns="45719" rIns="45719" bIns="45719" numCol="1" spcCol="38100" rtlCol="0" anchor="t">
         <a:spAutoFit/>
       </a:bodyPr>
       <a:lstStyle>
@@ -14535,7 +14268,7 @@
           <a:buFontTx/>
           <a:buNone/>
           <a:tabLst/>
-          <a:defRPr b="0" baseline="0" cap="none" i="0" spc="0" strike="noStrike" sz="2400" u="none" kumimoji="0" normalizeH="0">
+          <a:defRPr kumimoji="0" sz="2400" b="0" i="0" u="none" strike="noStrike" cap="none" spc="0" normalizeH="0" baseline="0">
             <a:ln>
               <a:noFill/>
             </a:ln>
@@ -14565,7 +14298,7 @@
           <a:buFontTx/>
           <a:buNone/>
           <a:tabLst/>
-          <a:defRPr b="0" baseline="0" cap="none" i="0" spc="0" strike="noStrike" sz="1800" u="none" kumimoji="0" normalizeH="0">
+          <a:defRPr kumimoji="0" sz="1800" b="0" i="0" u="none" strike="noStrike" cap="none" spc="0" normalizeH="0" baseline="0">
             <a:ln>
               <a:noFill/>
             </a:ln>
@@ -14591,7 +14324,7 @@
           <a:buFontTx/>
           <a:buNone/>
           <a:tabLst/>
-          <a:defRPr b="0" baseline="0" cap="none" i="0" spc="0" strike="noStrike" sz="1800" u="none" kumimoji="0" normalizeH="0">
+          <a:defRPr kumimoji="0" sz="1800" b="0" i="0" u="none" strike="noStrike" cap="none" spc="0" normalizeH="0" baseline="0">
             <a:ln>
               <a:noFill/>
             </a:ln>
@@ -14617,7 +14350,7 @@
           <a:buFontTx/>
           <a:buNone/>
           <a:tabLst/>
-          <a:defRPr b="0" baseline="0" cap="none" i="0" spc="0" strike="noStrike" sz="1800" u="none" kumimoji="0" normalizeH="0">
+          <a:defRPr kumimoji="0" sz="1800" b="0" i="0" u="none" strike="noStrike" cap="none" spc="0" normalizeH="0" baseline="0">
             <a:ln>
               <a:noFill/>
             </a:ln>
@@ -14643,7 +14376,7 @@
           <a:buFontTx/>
           <a:buNone/>
           <a:tabLst/>
-          <a:defRPr b="0" baseline="0" cap="none" i="0" spc="0" strike="noStrike" sz="1800" u="none" kumimoji="0" normalizeH="0">
+          <a:defRPr kumimoji="0" sz="1800" b="0" i="0" u="none" strike="noStrike" cap="none" spc="0" normalizeH="0" baseline="0">
             <a:ln>
               <a:noFill/>
             </a:ln>
@@ -14669,7 +14402,7 @@
           <a:buFontTx/>
           <a:buNone/>
           <a:tabLst/>
-          <a:defRPr b="0" baseline="0" cap="none" i="0" spc="0" strike="noStrike" sz="1800" u="none" kumimoji="0" normalizeH="0">
+          <a:defRPr kumimoji="0" sz="1800" b="0" i="0" u="none" strike="noStrike" cap="none" spc="0" normalizeH="0" baseline="0">
             <a:ln>
               <a:noFill/>
             </a:ln>
@@ -14695,7 +14428,7 @@
           <a:buFontTx/>
           <a:buNone/>
           <a:tabLst/>
-          <a:defRPr b="0" baseline="0" cap="none" i="0" spc="0" strike="noStrike" sz="1800" u="none" kumimoji="0" normalizeH="0">
+          <a:defRPr kumimoji="0" sz="1800" b="0" i="0" u="none" strike="noStrike" cap="none" spc="0" normalizeH="0" baseline="0">
             <a:ln>
               <a:noFill/>
             </a:ln>
@@ -14721,7 +14454,7 @@
           <a:buFontTx/>
           <a:buNone/>
           <a:tabLst/>
-          <a:defRPr b="0" baseline="0" cap="none" i="0" spc="0" strike="noStrike" sz="1800" u="none" kumimoji="0" normalizeH="0">
+          <a:defRPr kumimoji="0" sz="1800" b="0" i="0" u="none" strike="noStrike" cap="none" spc="0" normalizeH="0" baseline="0">
             <a:ln>
               <a:noFill/>
             </a:ln>
@@ -14747,7 +14480,7 @@
           <a:buFontTx/>
           <a:buNone/>
           <a:tabLst/>
-          <a:defRPr b="0" baseline="0" cap="none" i="0" spc="0" strike="noStrike" sz="1800" u="none" kumimoji="0" normalizeH="0">
+          <a:defRPr kumimoji="0" sz="1800" b="0" i="0" u="none" strike="noStrike" cap="none" spc="0" normalizeH="0" baseline="0">
             <a:ln>
               <a:noFill/>
             </a:ln>
@@ -14773,7 +14506,7 @@
           <a:buFontTx/>
           <a:buNone/>
           <a:tabLst/>
-          <a:defRPr b="0" baseline="0" cap="none" i="0" spc="0" strike="noStrike" sz="1800" u="none" kumimoji="0" normalizeH="0">
+          <a:defRPr kumimoji="0" sz="1800" b="0" i="0" u="none" strike="noStrike" cap="none" spc="0" normalizeH="0" baseline="0">
             <a:ln>
               <a:noFill/>
             </a:ln>
@@ -14786,18 +14519,25 @@
         </a:lvl9pPr>
       </a:lstStyle>
       <a:style>
-        <a:lnRef idx="0"/>
-        <a:fillRef idx="0"/>
-        <a:effectRef idx="0"/>
+        <a:lnRef idx="0">
+          <a:scrgbClr r="0" g="0" b="0"/>
+        </a:lnRef>
+        <a:fillRef idx="0">
+          <a:scrgbClr r="0" g="0" b="0"/>
+        </a:fillRef>
+        <a:effectRef idx="0">
+          <a:scrgbClr r="0" g="0" b="0"/>
+        </a:effectRef>
         <a:fontRef idx="none"/>
       </a:style>
     </a:txDef>
   </a:objectDefaults>
+  <a:extraClrSchemeLst/>
 </a:theme>
 </file>
 
 <file path=ppt/theme/theme2.xml><?xml version="1.0" encoding="utf-8"?>
-<a:theme xmlns:a="http://schemas.openxmlformats.org/drawingml/2006/main" xmlns:r="http://schemas.openxmlformats.org/officeDocument/2006/relationships" name="Default">
+<a:theme xmlns:a="http://schemas.openxmlformats.org/drawingml/2006/main" name="Default">
   <a:themeElements>
     <a:clrScheme name="Default">
       <a:dk1>
@@ -14929,7 +14669,7 @@
         </a:effectStyle>
         <a:effectStyle>
           <a:effectLst>
-            <a:outerShdw sx="100000" sy="100000" kx="0" ky="0" algn="b" rotWithShape="0" blurRad="38100" dist="20000" dir="5400000">
+            <a:outerShdw blurRad="38100" dist="20000" dir="5400000" rotWithShape="0">
               <a:srgbClr val="000000">
                 <a:alpha val="38000"/>
               </a:srgbClr>
@@ -15004,7 +14744,7 @@
         </a:ln>
         <a:effectLst/>
       </a:spPr>
-      <a:bodyPr rot="0" spcFirstLastPara="1" vertOverflow="overflow" horzOverflow="overflow" vert="horz" wrap="square" lIns="45719" tIns="45719" rIns="45719" bIns="45719" numCol="1" spcCol="38100" rtlCol="0" anchor="t" upright="0">
+      <a:bodyPr rot="0" spcFirstLastPara="1" vertOverflow="overflow" horzOverflow="overflow" vert="horz" wrap="square" lIns="45719" tIns="45719" rIns="45719" bIns="45719" numCol="1" spcCol="38100" rtlCol="0" anchor="t">
         <a:spAutoFit/>
       </a:bodyPr>
       <a:lstStyle>
@@ -15023,7 +14763,7 @@
           <a:buFontTx/>
           <a:buNone/>
           <a:tabLst/>
-          <a:defRPr b="0" baseline="0" cap="none" i="0" spc="0" strike="noStrike" sz="2400" u="none" kumimoji="0" normalizeH="0">
+          <a:defRPr kumimoji="0" sz="2400" b="0" i="0" u="none" strike="noStrike" cap="none" spc="0" normalizeH="0" baseline="0">
             <a:ln>
               <a:noFill/>
             </a:ln>
@@ -15053,7 +14793,7 @@
           <a:buFontTx/>
           <a:buNone/>
           <a:tabLst/>
-          <a:defRPr b="0" baseline="0" cap="none" i="0" spc="0" strike="noStrike" sz="1800" u="none" kumimoji="0" normalizeH="0">
+          <a:defRPr kumimoji="0" sz="1800" b="0" i="0" u="none" strike="noStrike" cap="none" spc="0" normalizeH="0" baseline="0">
             <a:ln>
               <a:noFill/>
             </a:ln>
@@ -15079,7 +14819,7 @@
           <a:buFontTx/>
           <a:buNone/>
           <a:tabLst/>
-          <a:defRPr b="0" baseline="0" cap="none" i="0" spc="0" strike="noStrike" sz="1800" u="none" kumimoji="0" normalizeH="0">
+          <a:defRPr kumimoji="0" sz="1800" b="0" i="0" u="none" strike="noStrike" cap="none" spc="0" normalizeH="0" baseline="0">
             <a:ln>
               <a:noFill/>
             </a:ln>
@@ -15105,7 +14845,7 @@
           <a:buFontTx/>
           <a:buNone/>
           <a:tabLst/>
-          <a:defRPr b="0" baseline="0" cap="none" i="0" spc="0" strike="noStrike" sz="1800" u="none" kumimoji="0" normalizeH="0">
+          <a:defRPr kumimoji="0" sz="1800" b="0" i="0" u="none" strike="noStrike" cap="none" spc="0" normalizeH="0" baseline="0">
             <a:ln>
               <a:noFill/>
             </a:ln>
@@ -15131,7 +14871,7 @@
           <a:buFontTx/>
           <a:buNone/>
           <a:tabLst/>
-          <a:defRPr b="0" baseline="0" cap="none" i="0" spc="0" strike="noStrike" sz="1800" u="none" kumimoji="0" normalizeH="0">
+          <a:defRPr kumimoji="0" sz="1800" b="0" i="0" u="none" strike="noStrike" cap="none" spc="0" normalizeH="0" baseline="0">
             <a:ln>
               <a:noFill/>
             </a:ln>
@@ -15157,7 +14897,7 @@
           <a:buFontTx/>
           <a:buNone/>
           <a:tabLst/>
-          <a:defRPr b="0" baseline="0" cap="none" i="0" spc="0" strike="noStrike" sz="1800" u="none" kumimoji="0" normalizeH="0">
+          <a:defRPr kumimoji="0" sz="1800" b="0" i="0" u="none" strike="noStrike" cap="none" spc="0" normalizeH="0" baseline="0">
             <a:ln>
               <a:noFill/>
             </a:ln>
@@ -15183,7 +14923,7 @@
           <a:buFontTx/>
           <a:buNone/>
           <a:tabLst/>
-          <a:defRPr b="0" baseline="0" cap="none" i="0" spc="0" strike="noStrike" sz="1800" u="none" kumimoji="0" normalizeH="0">
+          <a:defRPr kumimoji="0" sz="1800" b="0" i="0" u="none" strike="noStrike" cap="none" spc="0" normalizeH="0" baseline="0">
             <a:ln>
               <a:noFill/>
             </a:ln>
@@ -15209,7 +14949,7 @@
           <a:buFontTx/>
           <a:buNone/>
           <a:tabLst/>
-          <a:defRPr b="0" baseline="0" cap="none" i="0" spc="0" strike="noStrike" sz="1800" u="none" kumimoji="0" normalizeH="0">
+          <a:defRPr kumimoji="0" sz="1800" b="0" i="0" u="none" strike="noStrike" cap="none" spc="0" normalizeH="0" baseline="0">
             <a:ln>
               <a:noFill/>
             </a:ln>
@@ -15235,7 +14975,7 @@
           <a:buFontTx/>
           <a:buNone/>
           <a:tabLst/>
-          <a:defRPr b="0" baseline="0" cap="none" i="0" spc="0" strike="noStrike" sz="1800" u="none" kumimoji="0" normalizeH="0">
+          <a:defRPr kumimoji="0" sz="1800" b="0" i="0" u="none" strike="noStrike" cap="none" spc="0" normalizeH="0" baseline="0">
             <a:ln>
               <a:noFill/>
             </a:ln>
@@ -15261,7 +15001,7 @@
           <a:buFontTx/>
           <a:buNone/>
           <a:tabLst/>
-          <a:defRPr b="0" baseline="0" cap="none" i="0" spc="0" strike="noStrike" sz="1800" u="none" kumimoji="0" normalizeH="0">
+          <a:defRPr kumimoji="0" sz="1800" b="0" i="0" u="none" strike="noStrike" cap="none" spc="0" normalizeH="0" baseline="0">
             <a:ln>
               <a:noFill/>
             </a:ln>
@@ -15274,9 +15014,15 @@
         </a:lvl9pPr>
       </a:lstStyle>
       <a:style>
-        <a:lnRef idx="0"/>
-        <a:fillRef idx="0"/>
-        <a:effectRef idx="0"/>
+        <a:lnRef idx="0">
+          <a:scrgbClr r="0" g="0" b="0"/>
+        </a:lnRef>
+        <a:fillRef idx="0">
+          <a:scrgbClr r="0" g="0" b="0"/>
+        </a:fillRef>
+        <a:effectRef idx="0">
+          <a:scrgbClr r="0" g="0" b="0"/>
+        </a:effectRef>
         <a:fontRef idx="none"/>
       </a:style>
     </a:spDef>
@@ -15291,14 +15037,14 @@
           <a:bevel/>
         </a:ln>
         <a:effectLst>
-          <a:outerShdw sx="100000" sy="100000" kx="0" ky="0" algn="b" rotWithShape="0" blurRad="38100" dist="20000" dir="5400000">
+          <a:outerShdw blurRad="38100" dist="20000" dir="5400000" rotWithShape="0">
             <a:srgbClr val="000000">
               <a:alpha val="38000"/>
             </a:srgbClr>
           </a:outerShdw>
         </a:effectLst>
       </a:spPr>
-      <a:bodyPr rot="0" spcFirstLastPara="1" vertOverflow="overflow" horzOverflow="overflow" vert="horz" wrap="square" lIns="91439" tIns="45719" rIns="91439" bIns="45719" numCol="1" spcCol="38100" rtlCol="0" anchor="t" upright="0">
+      <a:bodyPr rot="0" spcFirstLastPara="1" vertOverflow="overflow" horzOverflow="overflow" vert="horz" wrap="square" lIns="91439" tIns="45719" rIns="91439" bIns="45719" numCol="1" spcCol="38100" rtlCol="0" anchor="t">
         <a:noAutofit/>
       </a:bodyPr>
       <a:lstStyle>
@@ -15317,7 +15063,7 @@
           <a:buFontTx/>
           <a:buNone/>
           <a:tabLst/>
-          <a:defRPr b="0" baseline="0" cap="none" i="0" spc="0" strike="noStrike" sz="1800" u="none" kumimoji="0" normalizeH="0">
+          <a:defRPr kumimoji="0" sz="1800" b="0" i="0" u="none" strike="noStrike" cap="none" spc="0" normalizeH="0" baseline="0">
             <a:ln>
               <a:noFill/>
             </a:ln>
@@ -15343,7 +15089,7 @@
           <a:buFontTx/>
           <a:buNone/>
           <a:tabLst/>
-          <a:defRPr b="0" baseline="0" cap="none" i="0" spc="0" strike="noStrike" sz="1800" u="none" kumimoji="0" normalizeH="0">
+          <a:defRPr kumimoji="0" sz="1800" b="0" i="0" u="none" strike="noStrike" cap="none" spc="0" normalizeH="0" baseline="0">
             <a:ln>
               <a:noFill/>
             </a:ln>
@@ -15369,7 +15115,7 @@
           <a:buFontTx/>
           <a:buNone/>
           <a:tabLst/>
-          <a:defRPr b="0" baseline="0" cap="none" i="0" spc="0" strike="noStrike" sz="1800" u="none" kumimoji="0" normalizeH="0">
+          <a:defRPr kumimoji="0" sz="1800" b="0" i="0" u="none" strike="noStrike" cap="none" spc="0" normalizeH="0" baseline="0">
             <a:ln>
               <a:noFill/>
             </a:ln>
@@ -15395,7 +15141,7 @@
           <a:buFontTx/>
           <a:buNone/>
           <a:tabLst/>
-          <a:defRPr b="0" baseline="0" cap="none" i="0" spc="0" strike="noStrike" sz="1800" u="none" kumimoji="0" normalizeH="0">
+          <a:defRPr kumimoji="0" sz="1800" b="0" i="0" u="none" strike="noStrike" cap="none" spc="0" normalizeH="0" baseline="0">
             <a:ln>
               <a:noFill/>
             </a:ln>
@@ -15421,7 +15167,7 @@
           <a:buFontTx/>
           <a:buNone/>
           <a:tabLst/>
-          <a:defRPr b="0" baseline="0" cap="none" i="0" spc="0" strike="noStrike" sz="1800" u="none" kumimoji="0" normalizeH="0">
+          <a:defRPr kumimoji="0" sz="1800" b="0" i="0" u="none" strike="noStrike" cap="none" spc="0" normalizeH="0" baseline="0">
             <a:ln>
               <a:noFill/>
             </a:ln>
@@ -15447,7 +15193,7 @@
           <a:buFontTx/>
           <a:buNone/>
           <a:tabLst/>
-          <a:defRPr b="0" baseline="0" cap="none" i="0" spc="0" strike="noStrike" sz="1800" u="none" kumimoji="0" normalizeH="0">
+          <a:defRPr kumimoji="0" sz="1800" b="0" i="0" u="none" strike="noStrike" cap="none" spc="0" normalizeH="0" baseline="0">
             <a:ln>
               <a:noFill/>
             </a:ln>
@@ -15473,7 +15219,7 @@
           <a:buFontTx/>
           <a:buNone/>
           <a:tabLst/>
-          <a:defRPr b="0" baseline="0" cap="none" i="0" spc="0" strike="noStrike" sz="1800" u="none" kumimoji="0" normalizeH="0">
+          <a:defRPr kumimoji="0" sz="1800" b="0" i="0" u="none" strike="noStrike" cap="none" spc="0" normalizeH="0" baseline="0">
             <a:ln>
               <a:noFill/>
             </a:ln>
@@ -15499,7 +15245,7 @@
           <a:buFontTx/>
           <a:buNone/>
           <a:tabLst/>
-          <a:defRPr b="0" baseline="0" cap="none" i="0" spc="0" strike="noStrike" sz="1800" u="none" kumimoji="0" normalizeH="0">
+          <a:defRPr kumimoji="0" sz="1800" b="0" i="0" u="none" strike="noStrike" cap="none" spc="0" normalizeH="0" baseline="0">
             <a:ln>
               <a:noFill/>
             </a:ln>
@@ -15525,7 +15271,7 @@
           <a:buFontTx/>
           <a:buNone/>
           <a:tabLst/>
-          <a:defRPr b="0" baseline="0" cap="none" i="0" spc="0" strike="noStrike" sz="1800" u="none" kumimoji="0" normalizeH="0">
+          <a:defRPr kumimoji="0" sz="1800" b="0" i="0" u="none" strike="noStrike" cap="none" spc="0" normalizeH="0" baseline="0">
             <a:ln>
               <a:noFill/>
             </a:ln>
@@ -15551,7 +15297,7 @@
           <a:buFontTx/>
           <a:buNone/>
           <a:tabLst/>
-          <a:defRPr b="0" baseline="0" cap="none" i="0" spc="0" strike="noStrike" sz="1800" u="none" kumimoji="0" normalizeH="0">
+          <a:defRPr kumimoji="0" sz="1800" b="0" i="0" u="none" strike="noStrike" cap="none" spc="0" normalizeH="0" baseline="0">
             <a:ln>
               <a:noFill/>
             </a:ln>
@@ -15564,9 +15310,15 @@
         </a:lvl9pPr>
       </a:lstStyle>
       <a:style>
-        <a:lnRef idx="0"/>
-        <a:fillRef idx="0"/>
-        <a:effectRef idx="0"/>
+        <a:lnRef idx="0">
+          <a:scrgbClr r="0" g="0" b="0"/>
+        </a:lnRef>
+        <a:fillRef idx="0">
+          <a:scrgbClr r="0" g="0" b="0"/>
+        </a:fillRef>
+        <a:effectRef idx="0">
+          <a:scrgbClr r="0" g="0" b="0"/>
+        </a:effectRef>
         <a:fontRef idx="none"/>
       </a:style>
     </a:lnDef>
@@ -15579,7 +15331,7 @@
         </a:ln>
         <a:effectLst/>
       </a:spPr>
-      <a:bodyPr rot="0" spcFirstLastPara="1" vertOverflow="overflow" horzOverflow="overflow" vert="horz" wrap="square" lIns="45719" tIns="45719" rIns="45719" bIns="45719" numCol="1" spcCol="38100" rtlCol="0" anchor="t" upright="0">
+      <a:bodyPr rot="0" spcFirstLastPara="1" vertOverflow="overflow" horzOverflow="overflow" vert="horz" wrap="square" lIns="45719" tIns="45719" rIns="45719" bIns="45719" numCol="1" spcCol="38100" rtlCol="0" anchor="t">
         <a:spAutoFit/>
       </a:bodyPr>
       <a:lstStyle>
@@ -15598,7 +15350,7 @@
           <a:buFontTx/>
           <a:buNone/>
           <a:tabLst/>
-          <a:defRPr b="0" baseline="0" cap="none" i="0" spc="0" strike="noStrike" sz="2400" u="none" kumimoji="0" normalizeH="0">
+          <a:defRPr kumimoji="0" sz="2400" b="0" i="0" u="none" strike="noStrike" cap="none" spc="0" normalizeH="0" baseline="0">
             <a:ln>
               <a:noFill/>
             </a:ln>
@@ -15628,7 +15380,7 @@
           <a:buFontTx/>
           <a:buNone/>
           <a:tabLst/>
-          <a:defRPr b="0" baseline="0" cap="none" i="0" spc="0" strike="noStrike" sz="1800" u="none" kumimoji="0" normalizeH="0">
+          <a:defRPr kumimoji="0" sz="1800" b="0" i="0" u="none" strike="noStrike" cap="none" spc="0" normalizeH="0" baseline="0">
             <a:ln>
               <a:noFill/>
             </a:ln>
@@ -15654,7 +15406,7 @@
           <a:buFontTx/>
           <a:buNone/>
           <a:tabLst/>
-          <a:defRPr b="0" baseline="0" cap="none" i="0" spc="0" strike="noStrike" sz="1800" u="none" kumimoji="0" normalizeH="0">
+          <a:defRPr kumimoji="0" sz="1800" b="0" i="0" u="none" strike="noStrike" cap="none" spc="0" normalizeH="0" baseline="0">
             <a:ln>
               <a:noFill/>
             </a:ln>
@@ -15680,7 +15432,7 @@
           <a:buFontTx/>
           <a:buNone/>
           <a:tabLst/>
-          <a:defRPr b="0" baseline="0" cap="none" i="0" spc="0" strike="noStrike" sz="1800" u="none" kumimoji="0" normalizeH="0">
+          <a:defRPr kumimoji="0" sz="1800" b="0" i="0" u="none" strike="noStrike" cap="none" spc="0" normalizeH="0" baseline="0">
             <a:ln>
               <a:noFill/>
             </a:ln>
@@ -15706,7 +15458,7 @@
           <a:buFontTx/>
           <a:buNone/>
           <a:tabLst/>
-          <a:defRPr b="0" baseline="0" cap="none" i="0" spc="0" strike="noStrike" sz="1800" u="none" kumimoji="0" normalizeH="0">
+          <a:defRPr kumimoji="0" sz="1800" b="0" i="0" u="none" strike="noStrike" cap="none" spc="0" normalizeH="0" baseline="0">
             <a:ln>
               <a:noFill/>
             </a:ln>
@@ -15732,7 +15484,7 @@
           <a:buFontTx/>
           <a:buNone/>
           <a:tabLst/>
-          <a:defRPr b="0" baseline="0" cap="none" i="0" spc="0" strike="noStrike" sz="1800" u="none" kumimoji="0" normalizeH="0">
+          <a:defRPr kumimoji="0" sz="1800" b="0" i="0" u="none" strike="noStrike" cap="none" spc="0" normalizeH="0" baseline="0">
             <a:ln>
               <a:noFill/>
             </a:ln>
@@ -15758,7 +15510,7 @@
           <a:buFontTx/>
           <a:buNone/>
           <a:tabLst/>
-          <a:defRPr b="0" baseline="0" cap="none" i="0" spc="0" strike="noStrike" sz="1800" u="none" kumimoji="0" normalizeH="0">
+          <a:defRPr kumimoji="0" sz="1800" b="0" i="0" u="none" strike="noStrike" cap="none" spc="0" normalizeH="0" baseline="0">
             <a:ln>
               <a:noFill/>
             </a:ln>
@@ -15784,7 +15536,7 @@
           <a:buFontTx/>
           <a:buNone/>
           <a:tabLst/>
-          <a:defRPr b="0" baseline="0" cap="none" i="0" spc="0" strike="noStrike" sz="1800" u="none" kumimoji="0" normalizeH="0">
+          <a:defRPr kumimoji="0" sz="1800" b="0" i="0" u="none" strike="noStrike" cap="none" spc="0" normalizeH="0" baseline="0">
             <a:ln>
               <a:noFill/>
             </a:ln>
@@ -15810,7 +15562,7 @@
           <a:buFontTx/>
           <a:buNone/>
           <a:tabLst/>
-          <a:defRPr b="0" baseline="0" cap="none" i="0" spc="0" strike="noStrike" sz="1800" u="none" kumimoji="0" normalizeH="0">
+          <a:defRPr kumimoji="0" sz="1800" b="0" i="0" u="none" strike="noStrike" cap="none" spc="0" normalizeH="0" baseline="0">
             <a:ln>
               <a:noFill/>
             </a:ln>
@@ -15836,7 +15588,7 @@
           <a:buFontTx/>
           <a:buNone/>
           <a:tabLst/>
-          <a:defRPr b="0" baseline="0" cap="none" i="0" spc="0" strike="noStrike" sz="1800" u="none" kumimoji="0" normalizeH="0">
+          <a:defRPr kumimoji="0" sz="1800" b="0" i="0" u="none" strike="noStrike" cap="none" spc="0" normalizeH="0" baseline="0">
             <a:ln>
               <a:noFill/>
             </a:ln>
@@ -15849,12 +15601,19 @@
         </a:lvl9pPr>
       </a:lstStyle>
       <a:style>
-        <a:lnRef idx="0"/>
-        <a:fillRef idx="0"/>
-        <a:effectRef idx="0"/>
+        <a:lnRef idx="0">
+          <a:scrgbClr r="0" g="0" b="0"/>
+        </a:lnRef>
+        <a:fillRef idx="0">
+          <a:scrgbClr r="0" g="0" b="0"/>
+        </a:fillRef>
+        <a:effectRef idx="0">
+          <a:scrgbClr r="0" g="0" b="0"/>
+        </a:effectRef>
         <a:fontRef idx="none"/>
       </a:style>
     </a:txDef>
   </a:objectDefaults>
+  <a:extraClrSchemeLst/>
 </a:theme>
 </file>
--- a/dns/dns3-presentation.pptx
+++ b/dns/dns3-presentation.pptx
@@ -151,6 +151,11 @@
       </a:defRPr>
     </a:lvl9pPr>
   </p:defaultTextStyle>
+  <p:extLst>
+    <p:ext uri="{EFAFB233-063F-42B5-8137-9DF3F51BA10A}">
+      <p15:sldGuideLst xmlns:p15="http://schemas.microsoft.com/office/powerpoint/2012/main"/>
+    </p:ext>
+  </p:extLst>
 </p:presentation>
 </file>
 
@@ -1011,7 +1016,7 @@
               <a:defRPr sz="1800"/>
             </a:pPr>
             <a:r>
-              <a:rPr sz="3100">
+              <a:rPr sz="3100" dirty="0">
                 <a:latin typeface="Calibri"/>
                 <a:ea typeface="Calibri"/>
                 <a:cs typeface="Calibri"/>
@@ -1020,7 +1025,7 @@
               <a:t>AfNOG Workshop, AIS </a:t>
             </a:r>
             <a:r>
-              <a:rPr sz="3100" smtClean="0">
+              <a:rPr sz="3100" dirty="0" smtClean="0">
                 <a:latin typeface="Calibri"/>
                 <a:ea typeface="Calibri"/>
                 <a:cs typeface="Calibri"/>
@@ -1029,13 +1034,13 @@
               <a:t>201</a:t>
             </a:r>
             <a:r>
-              <a:rPr lang="en-US" sz="3100" smtClean="0">
+              <a:rPr lang="en-US" sz="3100" dirty="0">
                 <a:latin typeface="Calibri"/>
                 <a:ea typeface="Calibri"/>
                 <a:cs typeface="Calibri"/>
                 <a:sym typeface="Calibri"/>
               </a:rPr>
-              <a:t>6</a:t>
+              <a:t>7</a:t>
             </a:r>
             <a:r>
               <a:rPr sz="3100" smtClean="0">
@@ -1053,9 +1058,9 @@
                 <a:cs typeface="Calibri"/>
                 <a:sym typeface="Calibri"/>
               </a:rPr>
-              <a:t>Gaborone</a:t>
-            </a:r>
-            <a:endParaRPr sz="3100">
+              <a:t>Nairobi</a:t>
+            </a:r>
+            <a:endParaRPr sz="3100" dirty="0">
               <a:latin typeface="Calibri"/>
               <a:ea typeface="Calibri"/>
               <a:cs typeface="Calibri"/>

--- a/dns/dns3-presentation.pptx
+++ b/dns/dns3-presentation.pptx
@@ -886,7 +886,7 @@
           </a:ln>
           <a:extLst>
             <a:ext uri="{C572A759-6A51-4108-AA02-DFA0A04FC94B}">
-              <ma14:wrappingTextBoxFlag xmlns:ma14="http://schemas.microsoft.com/office/mac/drawingml/2011/main" val="1"/>
+              <ma14:wrappingTextBoxFlag xmlns:ma14="http://schemas.microsoft.com/office/mac/drawingml/2011/main" xmlns="" val="1"/>
             </a:ext>
           </a:extLst>
         </p:spPr>
@@ -950,7 +950,7 @@
           </a:ln>
           <a:extLst>
             <a:ext uri="{C572A759-6A51-4108-AA02-DFA0A04FC94B}">
-              <ma14:wrappingTextBoxFlag xmlns:ma14="http://schemas.microsoft.com/office/mac/drawingml/2011/main" val="1"/>
+              <ma14:wrappingTextBoxFlag xmlns:ma14="http://schemas.microsoft.com/office/mac/drawingml/2011/main" xmlns="" val="1"/>
             </a:ext>
           </a:extLst>
         </p:spPr>
@@ -983,14 +983,20 @@
               <a:defRPr sz="1800"/>
             </a:pPr>
             <a:r>
-              <a:rPr sz="3100" dirty="0">
+              <a:rPr lang="en-US" sz="3100" dirty="0">
                 <a:latin typeface="Calibri"/>
                 <a:ea typeface="Calibri"/>
                 <a:cs typeface="Calibri"/>
                 <a:sym typeface="Calibri"/>
               </a:rPr>
-              <a:t>Joe Abley</a:t>
-            </a:r>
+              <a:t>Michuki Mwangi</a:t>
+            </a:r>
+            <a:endParaRPr sz="3100" dirty="0">
+              <a:latin typeface="Calibri"/>
+              <a:ea typeface="Calibri"/>
+              <a:cs typeface="Calibri"/>
+              <a:sym typeface="Calibri"/>
+            </a:endParaRPr>
           </a:p>
           <a:p>
             <a:pPr lvl="0" algn="ctr" defTabSz="914400">
@@ -1022,16 +1028,7 @@
                 <a:cs typeface="Calibri"/>
                 <a:sym typeface="Calibri"/>
               </a:rPr>
-              <a:t>AfNOG Workshop, AIS </a:t>
-            </a:r>
-            <a:r>
-              <a:rPr sz="3100" dirty="0" smtClean="0">
-                <a:latin typeface="Calibri"/>
-                <a:ea typeface="Calibri"/>
-                <a:cs typeface="Calibri"/>
-                <a:sym typeface="Calibri"/>
-              </a:rPr>
-              <a:t>201</a:t>
+              <a:t>AfNOG Workshop, AIS 201</a:t>
             </a:r>
             <a:r>
               <a:rPr lang="en-US" sz="3100" dirty="0">
@@ -1040,10 +1037,10 @@
                 <a:cs typeface="Calibri"/>
                 <a:sym typeface="Calibri"/>
               </a:rPr>
-              <a:t>7</a:t>
-            </a:r>
-            <a:r>
-              <a:rPr sz="3100" smtClean="0">
+              <a:t>8</a:t>
+            </a:r>
+            <a:r>
+              <a:rPr sz="3100" dirty="0">
                 <a:latin typeface="Calibri"/>
                 <a:ea typeface="Calibri"/>
                 <a:cs typeface="Calibri"/>
@@ -1052,13 +1049,13 @@
               <a:t>, </a:t>
             </a:r>
             <a:r>
-              <a:rPr lang="en-US" sz="3100" smtClean="0">
+              <a:rPr lang="en-US" sz="3100" dirty="0">
                 <a:latin typeface="Calibri"/>
                 <a:ea typeface="Calibri"/>
                 <a:cs typeface="Calibri"/>
                 <a:sym typeface="Calibri"/>
               </a:rPr>
-              <a:t>Nairobi</a:t>
+              <a:t>Dakar</a:t>
             </a:r>
             <a:endParaRPr sz="3100" dirty="0">
               <a:latin typeface="Calibri"/>
@@ -1088,7 +1085,7 @@
           </a:ln>
           <a:extLst>
             <a:ext uri="{C572A759-6A51-4108-AA02-DFA0A04FC94B}">
-              <ma14:wrappingTextBoxFlag xmlns:ma14="http://schemas.microsoft.com/office/mac/drawingml/2011/main" val="1"/>
+              <ma14:wrappingTextBoxFlag xmlns:ma14="http://schemas.microsoft.com/office/mac/drawingml/2011/main" xmlns="" val="1"/>
             </a:ext>
           </a:extLst>
         </p:spPr>
@@ -1216,7 +1213,7 @@
           </a:ln>
           <a:extLst>
             <a:ext uri="{C572A759-6A51-4108-AA02-DFA0A04FC94B}">
-              <ma14:wrappingTextBoxFlag xmlns:ma14="http://schemas.microsoft.com/office/mac/drawingml/2011/main" val="1"/>
+              <ma14:wrappingTextBoxFlag xmlns:ma14="http://schemas.microsoft.com/office/mac/drawingml/2011/main" xmlns="" val="1"/>
             </a:ext>
           </a:extLst>
         </p:spPr>
@@ -1276,7 +1273,7 @@
           </a:ln>
           <a:extLst>
             <a:ext uri="{C572A759-6A51-4108-AA02-DFA0A04FC94B}">
-              <ma14:wrappingTextBoxFlag xmlns:ma14="http://schemas.microsoft.com/office/mac/drawingml/2011/main" val="1"/>
+              <ma14:wrappingTextBoxFlag xmlns:ma14="http://schemas.microsoft.com/office/mac/drawingml/2011/main" xmlns="" val="1"/>
             </a:ext>
           </a:extLst>
         </p:spPr>
@@ -1305,51 +1302,35 @@
             </a:pPr>
             <a:r>
               <a:rPr sz="3200" dirty="0"/>
-              <a:t>/</a:t>
-            </a:r>
-            <a:r>
-              <a:rPr sz="3200" dirty="0" smtClean="0"/>
-              <a:t>etc/</a:t>
-            </a:r>
-            <a:r>
-              <a:rPr lang="en-CA" sz="3200" dirty="0" smtClean="0"/>
+              <a:t>/etc/</a:t>
+            </a:r>
+            <a:r>
+              <a:rPr lang="en-CA" sz="3200" dirty="0"/>
               <a:t>bind/</a:t>
             </a:r>
             <a:r>
-              <a:rPr sz="3200" dirty="0" smtClean="0"/>
+              <a:rPr sz="3200" dirty="0"/>
               <a:t>named.conf</a:t>
             </a:r>
             <a:r>
-              <a:rPr lang="en-CA" sz="3200" dirty="0" smtClean="0"/>
+              <a:rPr lang="en-CA" sz="3200" dirty="0"/>
               <a:t>.local</a:t>
             </a:r>
             <a:r>
-              <a:rPr sz="3200" dirty="0" smtClean="0"/>
-              <a:t> </a:t>
-            </a:r>
-            <a:r>
               <a:rPr sz="3200" dirty="0"/>
-              <a:t>points to </a:t>
+              <a:t> points to </a:t>
             </a:r>
             <a:r>
               <a:rPr sz="3200" u="sng" dirty="0"/>
-              <a:t>zone </a:t>
-            </a:r>
-            <a:r>
-              <a:rPr sz="3200" u="sng" dirty="0" smtClean="0"/>
-              <a:t>file</a:t>
-            </a:r>
-            <a:r>
-              <a:rPr lang="en-CA" sz="3200" u="sng" dirty="0" smtClean="0"/>
+              <a:t>zone file</a:t>
+            </a:r>
+            <a:r>
+              <a:rPr lang="en-CA" sz="3200" u="sng" dirty="0"/>
               <a:t>s</a:t>
             </a:r>
             <a:r>
-              <a:rPr sz="3200" dirty="0" smtClean="0"/>
-              <a:t> </a:t>
-            </a:r>
-            <a:r>
               <a:rPr sz="3200" dirty="0"/>
-              <a:t>(manually created) containing your RRs</a:t>
+              <a:t> (manually created) containing your RRs</a:t>
             </a:r>
           </a:p>
           <a:p>
@@ -1398,25 +1379,20 @@
             </a:pPr>
             <a:r>
               <a:rPr sz="2800" dirty="0"/>
-              <a:t>e.g. </a:t>
-            </a:r>
-            <a:r>
-              <a:rPr sz="2800" dirty="0" smtClean="0"/>
-              <a:t>/</a:t>
-            </a:r>
-            <a:r>
-              <a:rPr lang="en-CA" sz="2800" dirty="0" err="1" smtClean="0"/>
+              <a:t>e.g. /</a:t>
+            </a:r>
+            <a:r>
+              <a:rPr lang="en-CA" sz="2800" dirty="0" err="1"/>
               <a:t>var</a:t>
             </a:r>
             <a:r>
-              <a:rPr lang="en-CA" sz="2800" dirty="0" smtClean="0"/>
+              <a:rPr lang="en-CA" sz="2800" dirty="0"/>
               <a:t>/cache/bind</a:t>
             </a:r>
             <a:r>
-              <a:rPr sz="2800" dirty="0" smtClean="0"/>
+              <a:rPr sz="2800" dirty="0"/>
               <a:t>/master/tiscali.co.uk</a:t>
             </a:r>
-            <a:endParaRPr sz="2800" dirty="0"/>
           </a:p>
           <a:p>
             <a:pPr marL="863600" lvl="1" indent="-287337">
@@ -1441,25 +1417,20 @@
             </a:pPr>
             <a:r>
               <a:rPr sz="2800" dirty="0"/>
-              <a:t>or   </a:t>
-            </a:r>
-            <a:r>
-              <a:rPr sz="2800" dirty="0" smtClean="0"/>
-              <a:t>/</a:t>
-            </a:r>
-            <a:r>
-              <a:rPr lang="en-CA" sz="2800" dirty="0" err="1" smtClean="0"/>
+              <a:t>or   /</a:t>
+            </a:r>
+            <a:r>
+              <a:rPr lang="en-CA" sz="2800" dirty="0" err="1"/>
               <a:t>var</a:t>
             </a:r>
             <a:r>
-              <a:rPr lang="en-CA" sz="2800" dirty="0" smtClean="0"/>
+              <a:rPr lang="en-CA" sz="2800" dirty="0"/>
               <a:t>/cache/bind</a:t>
             </a:r>
             <a:r>
-              <a:rPr sz="2800" dirty="0" smtClean="0"/>
+              <a:rPr sz="2800" dirty="0"/>
               <a:t>/master/uk.co.tiscali</a:t>
             </a:r>
-            <a:endParaRPr sz="2800" dirty="0"/>
           </a:p>
         </p:txBody>
       </p:sp>
@@ -1486,7 +1457,7 @@
           </a:ln>
           <a:extLst>
             <a:ext uri="{C572A759-6A51-4108-AA02-DFA0A04FC94B}">
-              <ma14:wrappingTextBoxFlag xmlns:ma14="http://schemas.microsoft.com/office/mac/drawingml/2011/main" val="1"/>
+              <ma14:wrappingTextBoxFlag xmlns:ma14="http://schemas.microsoft.com/office/mac/drawingml/2011/main" xmlns="" val="1"/>
             </a:ext>
           </a:extLst>
         </p:spPr>
@@ -1726,7 +1697,7 @@
           </a:ln>
           <a:extLst>
             <a:ext uri="{C572A759-6A51-4108-AA02-DFA0A04FC94B}">
-              <ma14:wrappingTextBoxFlag xmlns:ma14="http://schemas.microsoft.com/office/mac/drawingml/2011/main" val="1"/>
+              <ma14:wrappingTextBoxFlag xmlns:ma14="http://schemas.microsoft.com/office/mac/drawingml/2011/main" xmlns="" val="1"/>
             </a:ext>
           </a:extLst>
         </p:spPr>
@@ -1785,7 +1756,7 @@
           </a:ln>
           <a:extLst>
             <a:ext uri="{C572A759-6A51-4108-AA02-DFA0A04FC94B}">
-              <ma14:wrappingTextBoxFlag xmlns:ma14="http://schemas.microsoft.com/office/mac/drawingml/2011/main" val="1"/>
+              <ma14:wrappingTextBoxFlag xmlns:ma14="http://schemas.microsoft.com/office/mac/drawingml/2011/main" xmlns="" val="1"/>
             </a:ext>
           </a:extLst>
         </p:spPr>
@@ -1888,7 +1859,7 @@
           </a:ln>
           <a:extLst>
             <a:ext uri="{C572A759-6A51-4108-AA02-DFA0A04FC94B}">
-              <ma14:wrappingTextBoxFlag xmlns:ma14="http://schemas.microsoft.com/office/mac/drawingml/2011/main" val="1"/>
+              <ma14:wrappingTextBoxFlag xmlns:ma14="http://schemas.microsoft.com/office/mac/drawingml/2011/main" xmlns="" val="1"/>
             </a:ext>
           </a:extLst>
         </p:spPr>
@@ -2128,7 +2099,7 @@
           </a:ln>
           <a:extLst>
             <a:ext uri="{C572A759-6A51-4108-AA02-DFA0A04FC94B}">
-              <ma14:wrappingTextBoxFlag xmlns:ma14="http://schemas.microsoft.com/office/mac/drawingml/2011/main" val="1"/>
+              <ma14:wrappingTextBoxFlag xmlns:ma14="http://schemas.microsoft.com/office/mac/drawingml/2011/main" xmlns="" val="1"/>
             </a:ext>
           </a:extLst>
         </p:spPr>
@@ -2188,7 +2159,7 @@
           </a:ln>
           <a:extLst>
             <a:ext uri="{C572A759-6A51-4108-AA02-DFA0A04FC94B}">
-              <ma14:wrappingTextBoxFlag xmlns:ma14="http://schemas.microsoft.com/office/mac/drawingml/2011/main" val="1"/>
+              <ma14:wrappingTextBoxFlag xmlns:ma14="http://schemas.microsoft.com/office/mac/drawingml/2011/main" xmlns="" val="1"/>
             </a:ext>
           </a:extLst>
         </p:spPr>
@@ -2265,24 +2236,20 @@
               <a:defRPr sz="1800"/>
             </a:pPr>
             <a:r>
-              <a:rPr sz="2800" dirty="0" smtClean="0"/>
-              <a:t>/</a:t>
-            </a:r>
-            <a:r>
-              <a:rPr lang="en-CA" sz="2800" dirty="0" err="1" smtClean="0"/>
-              <a:t>var</a:t>
-            </a:r>
-            <a:r>
-              <a:rPr lang="en-CA" sz="2800" dirty="0" smtClean="0"/>
-              <a:t>/cache/bind</a:t>
-            </a:r>
-            <a:r>
-              <a:rPr sz="2800" dirty="0" smtClean="0"/>
-              <a:t>/master</a:t>
-            </a:r>
-            <a:r>
               <a:rPr sz="2800" dirty="0"/>
               <a:t>/</a:t>
+            </a:r>
+            <a:r>
+              <a:rPr lang="en-CA" sz="2800" dirty="0" err="1"/>
+              <a:t>var</a:t>
+            </a:r>
+            <a:r>
+              <a:rPr lang="en-CA" sz="2800" dirty="0"/>
+              <a:t>/cache/bind</a:t>
+            </a:r>
+            <a:r>
+              <a:rPr sz="2800" dirty="0"/>
+              <a:t>/master/</a:t>
             </a:r>
           </a:p>
           <a:p>
@@ -2307,24 +2274,20 @@
               <a:defRPr sz="1800"/>
             </a:pPr>
             <a:r>
-              <a:rPr sz="2800" dirty="0" smtClean="0"/>
-              <a:t>/</a:t>
-            </a:r>
-            <a:r>
-              <a:rPr lang="en-CA" sz="2800" dirty="0" err="1" smtClean="0"/>
-              <a:t>var</a:t>
-            </a:r>
-            <a:r>
-              <a:rPr lang="en-CA" sz="2800" dirty="0" smtClean="0"/>
-              <a:t>/cache/bind</a:t>
-            </a:r>
-            <a:r>
-              <a:rPr sz="2800" dirty="0" smtClean="0"/>
-              <a:t>/slave</a:t>
-            </a:r>
-            <a:r>
               <a:rPr sz="2800" dirty="0"/>
               <a:t>/</a:t>
+            </a:r>
+            <a:r>
+              <a:rPr lang="en-CA" sz="2800" dirty="0" err="1"/>
+              <a:t>var</a:t>
+            </a:r>
+            <a:r>
+              <a:rPr lang="en-CA" sz="2800" dirty="0"/>
+              <a:t>/cache/bind</a:t>
+            </a:r>
+            <a:r>
+              <a:rPr sz="2800" dirty="0"/>
+              <a:t>/slave/</a:t>
             </a:r>
           </a:p>
           <a:p>
@@ -2404,7 +2367,7 @@
           </a:ln>
           <a:extLst>
             <a:ext uri="{C572A759-6A51-4108-AA02-DFA0A04FC94B}">
-              <ma14:wrappingTextBoxFlag xmlns:ma14="http://schemas.microsoft.com/office/mac/drawingml/2011/main" val="1"/>
+              <ma14:wrappingTextBoxFlag xmlns:ma14="http://schemas.microsoft.com/office/mac/drawingml/2011/main" xmlns="" val="1"/>
             </a:ext>
           </a:extLst>
         </p:spPr>
@@ -2464,7 +2427,7 @@
           </a:ln>
           <a:extLst>
             <a:ext uri="{C572A759-6A51-4108-AA02-DFA0A04FC94B}">
-              <ma14:wrappingTextBoxFlag xmlns:ma14="http://schemas.microsoft.com/office/mac/drawingml/2011/main" val="1"/>
+              <ma14:wrappingTextBoxFlag xmlns:ma14="http://schemas.microsoft.com/office/mac/drawingml/2011/main" xmlns="" val="1"/>
             </a:ext>
           </a:extLst>
         </p:spPr>
@@ -2590,7 +2553,7 @@
           </a:ln>
           <a:extLst>
             <a:ext uri="{C572A759-6A51-4108-AA02-DFA0A04FC94B}">
-              <ma14:wrappingTextBoxFlag xmlns:ma14="http://schemas.microsoft.com/office/mac/drawingml/2011/main" val="1"/>
+              <ma14:wrappingTextBoxFlag xmlns:ma14="http://schemas.microsoft.com/office/mac/drawingml/2011/main" xmlns="" val="1"/>
             </a:ext>
           </a:extLst>
         </p:spPr>
@@ -2740,7 +2703,7 @@
           </a:ln>
           <a:extLst>
             <a:ext uri="{C572A759-6A51-4108-AA02-DFA0A04FC94B}">
-              <ma14:wrappingTextBoxFlag xmlns:ma14="http://schemas.microsoft.com/office/mac/drawingml/2011/main" val="1"/>
+              <ma14:wrappingTextBoxFlag xmlns:ma14="http://schemas.microsoft.com/office/mac/drawingml/2011/main" xmlns="" val="1"/>
             </a:ext>
           </a:extLst>
         </p:spPr>
@@ -2800,7 +2763,7 @@
           </a:ln>
           <a:extLst>
             <a:ext uri="{C572A759-6A51-4108-AA02-DFA0A04FC94B}">
-              <ma14:wrappingTextBoxFlag xmlns:ma14="http://schemas.microsoft.com/office/mac/drawingml/2011/main" val="1"/>
+              <ma14:wrappingTextBoxFlag xmlns:ma14="http://schemas.microsoft.com/office/mac/drawingml/2011/main" xmlns="" val="1"/>
             </a:ext>
           </a:extLst>
         </p:spPr>
@@ -3108,7 +3071,7 @@
           </a:ln>
           <a:extLst>
             <a:ext uri="{C572A759-6A51-4108-AA02-DFA0A04FC94B}">
-              <ma14:wrappingTextBoxFlag xmlns:ma14="http://schemas.microsoft.com/office/mac/drawingml/2011/main" val="1"/>
+              <ma14:wrappingTextBoxFlag xmlns:ma14="http://schemas.microsoft.com/office/mac/drawingml/2011/main" xmlns="" val="1"/>
             </a:ext>
           </a:extLst>
         </p:spPr>
@@ -3168,7 +3131,7 @@
           </a:ln>
           <a:extLst>
             <a:ext uri="{C572A759-6A51-4108-AA02-DFA0A04FC94B}">
-              <ma14:wrappingTextBoxFlag xmlns:ma14="http://schemas.microsoft.com/office/mac/drawingml/2011/main" val="1"/>
+              <ma14:wrappingTextBoxFlag xmlns:ma14="http://schemas.microsoft.com/office/mac/drawingml/2011/main" xmlns="" val="1"/>
             </a:ext>
           </a:extLst>
         </p:spPr>
@@ -3363,7 +3326,7 @@
           </a:ln>
           <a:extLst>
             <a:ext uri="{C572A759-6A51-4108-AA02-DFA0A04FC94B}">
-              <ma14:wrappingTextBoxFlag xmlns:ma14="http://schemas.microsoft.com/office/mac/drawingml/2011/main" val="1"/>
+              <ma14:wrappingTextBoxFlag xmlns:ma14="http://schemas.microsoft.com/office/mac/drawingml/2011/main" xmlns="" val="1"/>
             </a:ext>
           </a:extLst>
         </p:spPr>
@@ -3483,7 +3446,7 @@
           </a:ln>
           <a:extLst>
             <a:ext uri="{C572A759-6A51-4108-AA02-DFA0A04FC94B}">
-              <ma14:wrappingTextBoxFlag xmlns:ma14="http://schemas.microsoft.com/office/mac/drawingml/2011/main" val="1"/>
+              <ma14:wrappingTextBoxFlag xmlns:ma14="http://schemas.microsoft.com/office/mac/drawingml/2011/main" xmlns="" val="1"/>
             </a:ext>
           </a:extLst>
         </p:spPr>
@@ -3543,7 +3506,7 @@
           </a:ln>
           <a:extLst>
             <a:ext uri="{C572A759-6A51-4108-AA02-DFA0A04FC94B}">
-              <ma14:wrappingTextBoxFlag xmlns:ma14="http://schemas.microsoft.com/office/mac/drawingml/2011/main" val="1"/>
+              <ma14:wrappingTextBoxFlag xmlns:ma14="http://schemas.microsoft.com/office/mac/drawingml/2011/main" xmlns="" val="1"/>
             </a:ext>
           </a:extLst>
         </p:spPr>
@@ -3782,7 +3745,7 @@
           </a:ln>
           <a:extLst>
             <a:ext uri="{C572A759-6A51-4108-AA02-DFA0A04FC94B}">
-              <ma14:wrappingTextBoxFlag xmlns:ma14="http://schemas.microsoft.com/office/mac/drawingml/2011/main" val="1"/>
+              <ma14:wrappingTextBoxFlag xmlns:ma14="http://schemas.microsoft.com/office/mac/drawingml/2011/main" xmlns="" val="1"/>
             </a:ext>
           </a:extLst>
         </p:spPr>
@@ -3838,7 +3801,7 @@
           </a:ln>
           <a:extLst>
             <a:ext uri="{C572A759-6A51-4108-AA02-DFA0A04FC94B}">
-              <ma14:wrappingTextBoxFlag xmlns:ma14="http://schemas.microsoft.com/office/mac/drawingml/2011/main" val="1"/>
+              <ma14:wrappingTextBoxFlag xmlns:ma14="http://schemas.microsoft.com/office/mac/drawingml/2011/main" xmlns="" val="1"/>
             </a:ext>
           </a:extLst>
         </p:spPr>
@@ -3901,7 +3864,7 @@
           </a:ln>
           <a:extLst>
             <a:ext uri="{C572A759-6A51-4108-AA02-DFA0A04FC94B}">
-              <ma14:wrappingTextBoxFlag xmlns:ma14="http://schemas.microsoft.com/office/mac/drawingml/2011/main" val="1"/>
+              <ma14:wrappingTextBoxFlag xmlns:ma14="http://schemas.microsoft.com/office/mac/drawingml/2011/main" xmlns="" val="1"/>
             </a:ext>
           </a:extLst>
         </p:spPr>
@@ -4145,7 +4108,7 @@
           </a:ln>
           <a:extLst>
             <a:ext uri="{C572A759-6A51-4108-AA02-DFA0A04FC94B}">
-              <ma14:wrappingTextBoxFlag xmlns:ma14="http://schemas.microsoft.com/office/mac/drawingml/2011/main" val="1"/>
+              <ma14:wrappingTextBoxFlag xmlns:ma14="http://schemas.microsoft.com/office/mac/drawingml/2011/main" xmlns="" val="1"/>
             </a:ext>
           </a:extLst>
         </p:spPr>
@@ -4893,7 +4856,7 @@
           </a:ln>
           <a:extLst>
             <a:ext uri="{C572A759-6A51-4108-AA02-DFA0A04FC94B}">
-              <ma14:wrappingTextBoxFlag xmlns:ma14="http://schemas.microsoft.com/office/mac/drawingml/2011/main" val="1"/>
+              <ma14:wrappingTextBoxFlag xmlns:ma14="http://schemas.microsoft.com/office/mac/drawingml/2011/main" xmlns="" val="1"/>
             </a:ext>
           </a:extLst>
         </p:spPr>
@@ -4953,7 +4916,7 @@
           </a:ln>
           <a:extLst>
             <a:ext uri="{C572A759-6A51-4108-AA02-DFA0A04FC94B}">
-              <ma14:wrappingTextBoxFlag xmlns:ma14="http://schemas.microsoft.com/office/mac/drawingml/2011/main" val="1"/>
+              <ma14:wrappingTextBoxFlag xmlns:ma14="http://schemas.microsoft.com/office/mac/drawingml/2011/main" xmlns="" val="1"/>
             </a:ext>
           </a:extLst>
         </p:spPr>
@@ -5457,7 +5420,7 @@
           </a:ln>
           <a:extLst>
             <a:ext uri="{C572A759-6A51-4108-AA02-DFA0A04FC94B}">
-              <ma14:wrappingTextBoxFlag xmlns:ma14="http://schemas.microsoft.com/office/mac/drawingml/2011/main" val="1"/>
+              <ma14:wrappingTextBoxFlag xmlns:ma14="http://schemas.microsoft.com/office/mac/drawingml/2011/main" xmlns="" val="1"/>
             </a:ext>
           </a:extLst>
         </p:spPr>
@@ -5517,7 +5480,7 @@
           </a:ln>
           <a:extLst>
             <a:ext uri="{C572A759-6A51-4108-AA02-DFA0A04FC94B}">
-              <ma14:wrappingTextBoxFlag xmlns:ma14="http://schemas.microsoft.com/office/mac/drawingml/2011/main" val="1"/>
+              <ma14:wrappingTextBoxFlag xmlns:ma14="http://schemas.microsoft.com/office/mac/drawingml/2011/main" xmlns="" val="1"/>
             </a:ext>
           </a:extLst>
         </p:spPr>
@@ -5812,7 +5775,7 @@
           </a:ln>
           <a:extLst>
             <a:ext uri="{C572A759-6A51-4108-AA02-DFA0A04FC94B}">
-              <ma14:wrappingTextBoxFlag xmlns:ma14="http://schemas.microsoft.com/office/mac/drawingml/2011/main" val="1"/>
+              <ma14:wrappingTextBoxFlag xmlns:ma14="http://schemas.microsoft.com/office/mac/drawingml/2011/main" xmlns="" val="1"/>
             </a:ext>
           </a:extLst>
         </p:spPr>
@@ -5872,7 +5835,7 @@
           </a:ln>
           <a:extLst>
             <a:ext uri="{C572A759-6A51-4108-AA02-DFA0A04FC94B}">
-              <ma14:wrappingTextBoxFlag xmlns:ma14="http://schemas.microsoft.com/office/mac/drawingml/2011/main" val="1"/>
+              <ma14:wrappingTextBoxFlag xmlns:ma14="http://schemas.microsoft.com/office/mac/drawingml/2011/main" xmlns="" val="1"/>
             </a:ext>
           </a:extLst>
         </p:spPr>
@@ -6024,7 +5987,7 @@
           </a:ln>
           <a:extLst>
             <a:ext uri="{C572A759-6A51-4108-AA02-DFA0A04FC94B}">
-              <ma14:wrappingTextBoxFlag xmlns:ma14="http://schemas.microsoft.com/office/mac/drawingml/2011/main" val="1"/>
+              <ma14:wrappingTextBoxFlag xmlns:ma14="http://schemas.microsoft.com/office/mac/drawingml/2011/main" xmlns="" val="1"/>
             </a:ext>
           </a:extLst>
         </p:spPr>
@@ -6084,7 +6047,7 @@
           </a:ln>
           <a:extLst>
             <a:ext uri="{C572A759-6A51-4108-AA02-DFA0A04FC94B}">
-              <ma14:wrappingTextBoxFlag xmlns:ma14="http://schemas.microsoft.com/office/mac/drawingml/2011/main" val="1"/>
+              <ma14:wrappingTextBoxFlag xmlns:ma14="http://schemas.microsoft.com/office/mac/drawingml/2011/main" xmlns="" val="1"/>
             </a:ext>
           </a:extLst>
         </p:spPr>
@@ -6317,7 +6280,7 @@
           </a:ln>
           <a:extLst>
             <a:ext uri="{C572A759-6A51-4108-AA02-DFA0A04FC94B}">
-              <ma14:wrappingTextBoxFlag xmlns:ma14="http://schemas.microsoft.com/office/mac/drawingml/2011/main" val="1"/>
+              <ma14:wrappingTextBoxFlag xmlns:ma14="http://schemas.microsoft.com/office/mac/drawingml/2011/main" xmlns="" val="1"/>
             </a:ext>
           </a:extLst>
         </p:spPr>
@@ -6377,7 +6340,7 @@
           </a:ln>
           <a:extLst>
             <a:ext uri="{C572A759-6A51-4108-AA02-DFA0A04FC94B}">
-              <ma14:wrappingTextBoxFlag xmlns:ma14="http://schemas.microsoft.com/office/mac/drawingml/2011/main" val="1"/>
+              <ma14:wrappingTextBoxFlag xmlns:ma14="http://schemas.microsoft.com/office/mac/drawingml/2011/main" xmlns="" val="1"/>
             </a:ext>
           </a:extLst>
         </p:spPr>
@@ -6457,7 +6420,7 @@
           </a:ln>
           <a:extLst>
             <a:ext uri="{C572A759-6A51-4108-AA02-DFA0A04FC94B}">
-              <ma14:wrappingTextBoxFlag xmlns:ma14="http://schemas.microsoft.com/office/mac/drawingml/2011/main" val="1"/>
+              <ma14:wrappingTextBoxFlag xmlns:ma14="http://schemas.microsoft.com/office/mac/drawingml/2011/main" xmlns="" val="1"/>
             </a:ext>
           </a:extLst>
         </p:spPr>
@@ -6871,7 +6834,7 @@
           </a:ln>
           <a:extLst>
             <a:ext uri="{C572A759-6A51-4108-AA02-DFA0A04FC94B}">
-              <ma14:wrappingTextBoxFlag xmlns:ma14="http://schemas.microsoft.com/office/mac/drawingml/2011/main" val="1"/>
+              <ma14:wrappingTextBoxFlag xmlns:ma14="http://schemas.microsoft.com/office/mac/drawingml/2011/main" xmlns="" val="1"/>
             </a:ext>
           </a:extLst>
         </p:spPr>
@@ -6931,7 +6894,7 @@
           </a:ln>
           <a:extLst>
             <a:ext uri="{C572A759-6A51-4108-AA02-DFA0A04FC94B}">
-              <ma14:wrappingTextBoxFlag xmlns:ma14="http://schemas.microsoft.com/office/mac/drawingml/2011/main" val="1"/>
+              <ma14:wrappingTextBoxFlag xmlns:ma14="http://schemas.microsoft.com/office/mac/drawingml/2011/main" xmlns="" val="1"/>
             </a:ext>
           </a:extLst>
         </p:spPr>
@@ -7198,7 +7161,7 @@
           </a:ln>
           <a:extLst>
             <a:ext uri="{C572A759-6A51-4108-AA02-DFA0A04FC94B}">
-              <ma14:wrappingTextBoxFlag xmlns:ma14="http://schemas.microsoft.com/office/mac/drawingml/2011/main" val="1"/>
+              <ma14:wrappingTextBoxFlag xmlns:ma14="http://schemas.microsoft.com/office/mac/drawingml/2011/main" xmlns="" val="1"/>
             </a:ext>
           </a:extLst>
         </p:spPr>
@@ -7258,7 +7221,7 @@
           </a:ln>
           <a:extLst>
             <a:ext uri="{C572A759-6A51-4108-AA02-DFA0A04FC94B}">
-              <ma14:wrappingTextBoxFlag xmlns:ma14="http://schemas.microsoft.com/office/mac/drawingml/2011/main" val="1"/>
+              <ma14:wrappingTextBoxFlag xmlns:ma14="http://schemas.microsoft.com/office/mac/drawingml/2011/main" xmlns="" val="1"/>
             </a:ext>
           </a:extLst>
         </p:spPr>
@@ -7318,19 +7281,10 @@
                 <a:cs typeface="Courier New"/>
                 <a:sym typeface="Courier New"/>
               </a:rPr>
-              <a:t>named-checkzone example.com </a:t>
-            </a:r>
-            <a:r>
-              <a:rPr sz="3200" dirty="0" smtClean="0">
-                <a:latin typeface="Courier New"/>
-                <a:ea typeface="Courier New"/>
-                <a:cs typeface="Courier New"/>
-                <a:sym typeface="Courier New"/>
-              </a:rPr>
-              <a:t>\ /</a:t>
-            </a:r>
-            <a:r>
-              <a:rPr lang="en-CA" sz="3200" dirty="0" err="1" smtClean="0">
+              <a:t>named-checkzone example.com \ /</a:t>
+            </a:r>
+            <a:r>
+              <a:rPr lang="en-CA" sz="3200" dirty="0" err="1">
                 <a:latin typeface="Courier New"/>
                 <a:ea typeface="Courier New"/>
                 <a:cs typeface="Courier New"/>
@@ -7339,7 +7293,7 @@
               <a:t>var</a:t>
             </a:r>
             <a:r>
-              <a:rPr lang="en-CA" sz="3200" dirty="0" smtClean="0">
+              <a:rPr lang="en-CA" sz="3200" dirty="0">
                 <a:latin typeface="Courier New"/>
                 <a:ea typeface="Courier New"/>
                 <a:cs typeface="Courier New"/>
@@ -7348,7 +7302,7 @@
               <a:t>/cache/bind</a:t>
             </a:r>
             <a:r>
-              <a:rPr sz="3200" dirty="0" smtClean="0">
+              <a:rPr sz="3200" dirty="0">
                 <a:latin typeface="Courier New"/>
                 <a:ea typeface="Courier New"/>
                 <a:cs typeface="Courier New"/>
@@ -7356,12 +7310,6 @@
               </a:rPr>
               <a:t>/master/example.com</a:t>
             </a:r>
-            <a:endParaRPr sz="3200" dirty="0">
-              <a:latin typeface="Courier New"/>
-              <a:ea typeface="Courier New"/>
-              <a:cs typeface="Courier New"/>
-              <a:sym typeface="Courier New"/>
-            </a:endParaRPr>
           </a:p>
           <a:p>
             <a:pPr marL="863600" lvl="1" indent="-287337">
@@ -7620,7 +7568,7 @@
           </a:ln>
           <a:extLst>
             <a:ext uri="{C572A759-6A51-4108-AA02-DFA0A04FC94B}">
-              <ma14:wrappingTextBoxFlag xmlns:ma14="http://schemas.microsoft.com/office/mac/drawingml/2011/main" val="1"/>
+              <ma14:wrappingTextBoxFlag xmlns:ma14="http://schemas.microsoft.com/office/mac/drawingml/2011/main" xmlns="" val="1"/>
             </a:ext>
           </a:extLst>
         </p:spPr>
@@ -7680,7 +7628,7 @@
           </a:ln>
           <a:extLst>
             <a:ext uri="{C572A759-6A51-4108-AA02-DFA0A04FC94B}">
-              <ma14:wrappingTextBoxFlag xmlns:ma14="http://schemas.microsoft.com/office/mac/drawingml/2011/main" val="1"/>
+              <ma14:wrappingTextBoxFlag xmlns:ma14="http://schemas.microsoft.com/office/mac/drawingml/2011/main" xmlns="" val="1"/>
             </a:ext>
           </a:extLst>
         </p:spPr>
@@ -7855,7 +7803,7 @@
           </a:ln>
           <a:extLst>
             <a:ext uri="{C572A759-6A51-4108-AA02-DFA0A04FC94B}">
-              <ma14:wrappingTextBoxFlag xmlns:ma14="http://schemas.microsoft.com/office/mac/drawingml/2011/main" val="1"/>
+              <ma14:wrappingTextBoxFlag xmlns:ma14="http://schemas.microsoft.com/office/mac/drawingml/2011/main" xmlns="" val="1"/>
             </a:ext>
           </a:extLst>
         </p:spPr>
@@ -7915,7 +7863,7 @@
           </a:ln>
           <a:extLst>
             <a:ext uri="{C572A759-6A51-4108-AA02-DFA0A04FC94B}">
-              <ma14:wrappingTextBoxFlag xmlns:ma14="http://schemas.microsoft.com/office/mac/drawingml/2011/main" val="1"/>
+              <ma14:wrappingTextBoxFlag xmlns:ma14="http://schemas.microsoft.com/office/mac/drawingml/2011/main" xmlns="" val="1"/>
             </a:ext>
           </a:extLst>
         </p:spPr>
@@ -8193,7 +8141,7 @@
           </a:ln>
           <a:extLst>
             <a:ext uri="{C572A759-6A51-4108-AA02-DFA0A04FC94B}">
-              <ma14:wrappingTextBoxFlag xmlns:ma14="http://schemas.microsoft.com/office/mac/drawingml/2011/main" val="1"/>
+              <ma14:wrappingTextBoxFlag xmlns:ma14="http://schemas.microsoft.com/office/mac/drawingml/2011/main" xmlns="" val="1"/>
             </a:ext>
           </a:extLst>
         </p:spPr>
@@ -8253,7 +8201,7 @@
           </a:ln>
           <a:extLst>
             <a:ext uri="{C572A759-6A51-4108-AA02-DFA0A04FC94B}">
-              <ma14:wrappingTextBoxFlag xmlns:ma14="http://schemas.microsoft.com/office/mac/drawingml/2011/main" val="1"/>
+              <ma14:wrappingTextBoxFlag xmlns:ma14="http://schemas.microsoft.com/office/mac/drawingml/2011/main" xmlns="" val="1"/>
             </a:ext>
           </a:extLst>
         </p:spPr>
@@ -8405,7 +8353,7 @@
           </a:ln>
           <a:extLst>
             <a:ext uri="{C572A759-6A51-4108-AA02-DFA0A04FC94B}">
-              <ma14:wrappingTextBoxFlag xmlns:ma14="http://schemas.microsoft.com/office/mac/drawingml/2011/main" val="1"/>
+              <ma14:wrappingTextBoxFlag xmlns:ma14="http://schemas.microsoft.com/office/mac/drawingml/2011/main" xmlns="" val="1"/>
             </a:ext>
           </a:extLst>
         </p:spPr>
@@ -8465,7 +8413,7 @@
           </a:ln>
           <a:extLst>
             <a:ext uri="{C572A759-6A51-4108-AA02-DFA0A04FC94B}">
-              <ma14:wrappingTextBoxFlag xmlns:ma14="http://schemas.microsoft.com/office/mac/drawingml/2011/main" val="1"/>
+              <ma14:wrappingTextBoxFlag xmlns:ma14="http://schemas.microsoft.com/office/mac/drawingml/2011/main" xmlns="" val="1"/>
             </a:ext>
           </a:extLst>
         </p:spPr>
@@ -8557,7 +8505,7 @@
           </a:ln>
           <a:extLst>
             <a:ext uri="{C572A759-6A51-4108-AA02-DFA0A04FC94B}">
-              <ma14:wrappingTextBoxFlag xmlns:ma14="http://schemas.microsoft.com/office/mac/drawingml/2011/main" val="1"/>
+              <ma14:wrappingTextBoxFlag xmlns:ma14="http://schemas.microsoft.com/office/mac/drawingml/2011/main" xmlns="" val="1"/>
             </a:ext>
           </a:extLst>
         </p:spPr>
@@ -8617,7 +8565,7 @@
           </a:ln>
           <a:extLst>
             <a:ext uri="{C572A759-6A51-4108-AA02-DFA0A04FC94B}">
-              <ma14:wrappingTextBoxFlag xmlns:ma14="http://schemas.microsoft.com/office/mac/drawingml/2011/main" val="1"/>
+              <ma14:wrappingTextBoxFlag xmlns:ma14="http://schemas.microsoft.com/office/mac/drawingml/2011/main" xmlns="" val="1"/>
             </a:ext>
           </a:extLst>
         </p:spPr>
@@ -8775,7 +8723,7 @@
           </a:ln>
           <a:extLst>
             <a:ext uri="{C572A759-6A51-4108-AA02-DFA0A04FC94B}">
-              <ma14:wrappingTextBoxFlag xmlns:ma14="http://schemas.microsoft.com/office/mac/drawingml/2011/main" val="1"/>
+              <ma14:wrappingTextBoxFlag xmlns:ma14="http://schemas.microsoft.com/office/mac/drawingml/2011/main" xmlns="" val="1"/>
             </a:ext>
           </a:extLst>
         </p:spPr>
@@ -8835,7 +8783,7 @@
           </a:ln>
           <a:extLst>
             <a:ext uri="{C572A759-6A51-4108-AA02-DFA0A04FC94B}">
-              <ma14:wrappingTextBoxFlag xmlns:ma14="http://schemas.microsoft.com/office/mac/drawingml/2011/main" val="1"/>
+              <ma14:wrappingTextBoxFlag xmlns:ma14="http://schemas.microsoft.com/office/mac/drawingml/2011/main" xmlns="" val="1"/>
             </a:ext>
           </a:extLst>
         </p:spPr>
@@ -9069,7 +9017,7 @@
           </a:ln>
           <a:extLst>
             <a:ext uri="{C572A759-6A51-4108-AA02-DFA0A04FC94B}">
-              <ma14:wrappingTextBoxFlag xmlns:ma14="http://schemas.microsoft.com/office/mac/drawingml/2011/main" val="1"/>
+              <ma14:wrappingTextBoxFlag xmlns:ma14="http://schemas.microsoft.com/office/mac/drawingml/2011/main" xmlns="" val="1"/>
             </a:ext>
           </a:extLst>
         </p:spPr>
@@ -9129,7 +9077,7 @@
           </a:ln>
           <a:extLst>
             <a:ext uri="{C572A759-6A51-4108-AA02-DFA0A04FC94B}">
-              <ma14:wrappingTextBoxFlag xmlns:ma14="http://schemas.microsoft.com/office/mac/drawingml/2011/main" val="1"/>
+              <ma14:wrappingTextBoxFlag xmlns:ma14="http://schemas.microsoft.com/office/mac/drawingml/2011/main" xmlns="" val="1"/>
             </a:ext>
           </a:extLst>
         </p:spPr>
@@ -9307,7 +9255,7 @@
           </a:ln>
           <a:extLst>
             <a:ext uri="{C572A759-6A51-4108-AA02-DFA0A04FC94B}">
-              <ma14:wrappingTextBoxFlag xmlns:ma14="http://schemas.microsoft.com/office/mac/drawingml/2011/main" val="1"/>
+              <ma14:wrappingTextBoxFlag xmlns:ma14="http://schemas.microsoft.com/office/mac/drawingml/2011/main" xmlns="" val="1"/>
             </a:ext>
           </a:extLst>
         </p:spPr>
@@ -9367,7 +9315,7 @@
           </a:ln>
           <a:extLst>
             <a:ext uri="{C572A759-6A51-4108-AA02-DFA0A04FC94B}">
-              <ma14:wrappingTextBoxFlag xmlns:ma14="http://schemas.microsoft.com/office/mac/drawingml/2011/main" val="1"/>
+              <ma14:wrappingTextBoxFlag xmlns:ma14="http://schemas.microsoft.com/office/mac/drawingml/2011/main" xmlns="" val="1"/>
             </a:ext>
           </a:extLst>
         </p:spPr>
@@ -9565,7 +9513,7 @@
           </a:ln>
           <a:extLst>
             <a:ext uri="{C572A759-6A51-4108-AA02-DFA0A04FC94B}">
-              <ma14:wrappingTextBoxFlag xmlns:ma14="http://schemas.microsoft.com/office/mac/drawingml/2011/main" val="1"/>
+              <ma14:wrappingTextBoxFlag xmlns:ma14="http://schemas.microsoft.com/office/mac/drawingml/2011/main" xmlns="" val="1"/>
             </a:ext>
           </a:extLst>
         </p:spPr>
@@ -9625,7 +9573,7 @@
           </a:ln>
           <a:extLst>
             <a:ext uri="{C572A759-6A51-4108-AA02-DFA0A04FC94B}">
-              <ma14:wrappingTextBoxFlag xmlns:ma14="http://schemas.microsoft.com/office/mac/drawingml/2011/main" val="1"/>
+              <ma14:wrappingTextBoxFlag xmlns:ma14="http://schemas.microsoft.com/office/mac/drawingml/2011/main" xmlns="" val="1"/>
             </a:ext>
           </a:extLst>
         </p:spPr>
@@ -9731,7 +9679,7 @@
           </a:ln>
           <a:extLst>
             <a:ext uri="{C572A759-6A51-4108-AA02-DFA0A04FC94B}">
-              <ma14:wrappingTextBoxFlag xmlns:ma14="http://schemas.microsoft.com/office/mac/drawingml/2011/main" val="1"/>
+              <ma14:wrappingTextBoxFlag xmlns:ma14="http://schemas.microsoft.com/office/mac/drawingml/2011/main" xmlns="" val="1"/>
             </a:ext>
           </a:extLst>
         </p:spPr>
@@ -9791,7 +9739,7 @@
           </a:ln>
           <a:extLst>
             <a:ext uri="{C572A759-6A51-4108-AA02-DFA0A04FC94B}">
-              <ma14:wrappingTextBoxFlag xmlns:ma14="http://schemas.microsoft.com/office/mac/drawingml/2011/main" val="1"/>
+              <ma14:wrappingTextBoxFlag xmlns:ma14="http://schemas.microsoft.com/office/mac/drawingml/2011/main" xmlns="" val="1"/>
             </a:ext>
           </a:extLst>
         </p:spPr>
@@ -10008,7 +9956,7 @@
           </a:ln>
           <a:extLst>
             <a:ext uri="{C572A759-6A51-4108-AA02-DFA0A04FC94B}">
-              <ma14:wrappingTextBoxFlag xmlns:ma14="http://schemas.microsoft.com/office/mac/drawingml/2011/main" val="1"/>
+              <ma14:wrappingTextBoxFlag xmlns:ma14="http://schemas.microsoft.com/office/mac/drawingml/2011/main" xmlns="" val="1"/>
             </a:ext>
           </a:extLst>
         </p:spPr>
@@ -10333,7 +10281,7 @@
           </a:ln>
           <a:extLst>
             <a:ext uri="{C572A759-6A51-4108-AA02-DFA0A04FC94B}">
-              <ma14:wrappingTextBoxFlag xmlns:ma14="http://schemas.microsoft.com/office/mac/drawingml/2011/main" val="1"/>
+              <ma14:wrappingTextBoxFlag xmlns:ma14="http://schemas.microsoft.com/office/mac/drawingml/2011/main" xmlns="" val="1"/>
             </a:ext>
           </a:extLst>
         </p:spPr>
@@ -10393,7 +10341,7 @@
           </a:ln>
           <a:extLst>
             <a:ext uri="{C572A759-6A51-4108-AA02-DFA0A04FC94B}">
-              <ma14:wrappingTextBoxFlag xmlns:ma14="http://schemas.microsoft.com/office/mac/drawingml/2011/main" val="1"/>
+              <ma14:wrappingTextBoxFlag xmlns:ma14="http://schemas.microsoft.com/office/mac/drawingml/2011/main" xmlns="" val="1"/>
             </a:ext>
           </a:extLst>
         </p:spPr>
@@ -10499,7 +10447,7 @@
           </a:ln>
           <a:extLst>
             <a:ext uri="{C572A759-6A51-4108-AA02-DFA0A04FC94B}">
-              <ma14:wrappingTextBoxFlag xmlns:ma14="http://schemas.microsoft.com/office/mac/drawingml/2011/main" val="1"/>
+              <ma14:wrappingTextBoxFlag xmlns:ma14="http://schemas.microsoft.com/office/mac/drawingml/2011/main" xmlns="" val="1"/>
             </a:ext>
           </a:extLst>
         </p:spPr>
@@ -10559,7 +10507,7 @@
           </a:ln>
           <a:extLst>
             <a:ext uri="{C572A759-6A51-4108-AA02-DFA0A04FC94B}">
-              <ma14:wrappingTextBoxFlag xmlns:ma14="http://schemas.microsoft.com/office/mac/drawingml/2011/main" val="1"/>
+              <ma14:wrappingTextBoxFlag xmlns:ma14="http://schemas.microsoft.com/office/mac/drawingml/2011/main" xmlns="" val="1"/>
             </a:ext>
           </a:extLst>
         </p:spPr>
@@ -10688,7 +10636,7 @@
           </a:ln>
           <a:extLst>
             <a:ext uri="{C572A759-6A51-4108-AA02-DFA0A04FC94B}">
-              <ma14:wrappingTextBoxFlag xmlns:ma14="http://schemas.microsoft.com/office/mac/drawingml/2011/main" val="1"/>
+              <ma14:wrappingTextBoxFlag xmlns:ma14="http://schemas.microsoft.com/office/mac/drawingml/2011/main" xmlns="" val="1"/>
             </a:ext>
           </a:extLst>
         </p:spPr>
@@ -10748,7 +10696,7 @@
           </a:ln>
           <a:extLst>
             <a:ext uri="{C572A759-6A51-4108-AA02-DFA0A04FC94B}">
-              <ma14:wrappingTextBoxFlag xmlns:ma14="http://schemas.microsoft.com/office/mac/drawingml/2011/main" val="1"/>
+              <ma14:wrappingTextBoxFlag xmlns:ma14="http://schemas.microsoft.com/office/mac/drawingml/2011/main" xmlns="" val="1"/>
             </a:ext>
           </a:extLst>
         </p:spPr>
@@ -10900,7 +10848,7 @@
           </a:ln>
           <a:extLst>
             <a:ext uri="{C572A759-6A51-4108-AA02-DFA0A04FC94B}">
-              <ma14:wrappingTextBoxFlag xmlns:ma14="http://schemas.microsoft.com/office/mac/drawingml/2011/main" val="1"/>
+              <ma14:wrappingTextBoxFlag xmlns:ma14="http://schemas.microsoft.com/office/mac/drawingml/2011/main" xmlns="" val="1"/>
             </a:ext>
           </a:extLst>
         </p:spPr>
@@ -10960,7 +10908,7 @@
           </a:ln>
           <a:extLst>
             <a:ext uri="{C572A759-6A51-4108-AA02-DFA0A04FC94B}">
-              <ma14:wrappingTextBoxFlag xmlns:ma14="http://schemas.microsoft.com/office/mac/drawingml/2011/main" val="1"/>
+              <ma14:wrappingTextBoxFlag xmlns:ma14="http://schemas.microsoft.com/office/mac/drawingml/2011/main" xmlns="" val="1"/>
             </a:ext>
           </a:extLst>
         </p:spPr>
@@ -11089,7 +11037,7 @@
           </a:ln>
           <a:extLst>
             <a:ext uri="{C572A759-6A51-4108-AA02-DFA0A04FC94B}">
-              <ma14:wrappingTextBoxFlag xmlns:ma14="http://schemas.microsoft.com/office/mac/drawingml/2011/main" val="1"/>
+              <ma14:wrappingTextBoxFlag xmlns:ma14="http://schemas.microsoft.com/office/mac/drawingml/2011/main" xmlns="" val="1"/>
             </a:ext>
           </a:extLst>
         </p:spPr>
@@ -11149,7 +11097,7 @@
           </a:ln>
           <a:extLst>
             <a:ext uri="{C572A759-6A51-4108-AA02-DFA0A04FC94B}">
-              <ma14:wrappingTextBoxFlag xmlns:ma14="http://schemas.microsoft.com/office/mac/drawingml/2011/main" val="1"/>
+              <ma14:wrappingTextBoxFlag xmlns:ma14="http://schemas.microsoft.com/office/mac/drawingml/2011/main" xmlns="" val="1"/>
             </a:ext>
           </a:extLst>
         </p:spPr>
@@ -11235,7 +11183,7 @@
           </a:ln>
           <a:extLst>
             <a:ext uri="{C572A759-6A51-4108-AA02-DFA0A04FC94B}">
-              <ma14:wrappingTextBoxFlag xmlns:ma14="http://schemas.microsoft.com/office/mac/drawingml/2011/main" val="1"/>
+              <ma14:wrappingTextBoxFlag xmlns:ma14="http://schemas.microsoft.com/office/mac/drawingml/2011/main" xmlns="" val="1"/>
             </a:ext>
           </a:extLst>
         </p:spPr>
@@ -11295,7 +11243,7 @@
           </a:ln>
           <a:extLst>
             <a:ext uri="{C572A759-6A51-4108-AA02-DFA0A04FC94B}">
-              <ma14:wrappingTextBoxFlag xmlns:ma14="http://schemas.microsoft.com/office/mac/drawingml/2011/main" val="1"/>
+              <ma14:wrappingTextBoxFlag xmlns:ma14="http://schemas.microsoft.com/office/mac/drawingml/2011/main" xmlns="" val="1"/>
             </a:ext>
           </a:extLst>
         </p:spPr>
@@ -11505,7 +11453,7 @@
           </a:ln>
           <a:extLst>
             <a:ext uri="{C572A759-6A51-4108-AA02-DFA0A04FC94B}">
-              <ma14:wrappingTextBoxFlag xmlns:ma14="http://schemas.microsoft.com/office/mac/drawingml/2011/main" val="1"/>
+              <ma14:wrappingTextBoxFlag xmlns:ma14="http://schemas.microsoft.com/office/mac/drawingml/2011/main" xmlns="" val="1"/>
             </a:ext>
           </a:extLst>
         </p:spPr>
@@ -11565,7 +11513,7 @@
           </a:ln>
           <a:extLst>
             <a:ext uri="{C572A759-6A51-4108-AA02-DFA0A04FC94B}">
-              <ma14:wrappingTextBoxFlag xmlns:ma14="http://schemas.microsoft.com/office/mac/drawingml/2011/main" val="1"/>
+              <ma14:wrappingTextBoxFlag xmlns:ma14="http://schemas.microsoft.com/office/mac/drawingml/2011/main" xmlns="" val="1"/>
             </a:ext>
           </a:extLst>
         </p:spPr>
@@ -11824,7 +11772,7 @@
           </a:ln>
           <a:extLst>
             <a:ext uri="{C572A759-6A51-4108-AA02-DFA0A04FC94B}">
-              <ma14:wrappingTextBoxFlag xmlns:ma14="http://schemas.microsoft.com/office/mac/drawingml/2011/main" val="1"/>
+              <ma14:wrappingTextBoxFlag xmlns:ma14="http://schemas.microsoft.com/office/mac/drawingml/2011/main" xmlns="" val="1"/>
             </a:ext>
           </a:extLst>
         </p:spPr>
@@ -11884,7 +11832,7 @@
           </a:ln>
           <a:extLst>
             <a:ext uri="{C572A759-6A51-4108-AA02-DFA0A04FC94B}">
-              <ma14:wrappingTextBoxFlag xmlns:ma14="http://schemas.microsoft.com/office/mac/drawingml/2011/main" val="1"/>
+              <ma14:wrappingTextBoxFlag xmlns:ma14="http://schemas.microsoft.com/office/mac/drawingml/2011/main" xmlns="" val="1"/>
             </a:ext>
           </a:extLst>
         </p:spPr>
@@ -12005,7 +11953,7 @@
             <a:effectLst/>
             <a:extLst>
               <a:ext uri="{C572A759-6A51-4108-AA02-DFA0A04FC94B}">
-                <ma14:wrappingTextBoxFlag xmlns:ma14="http://schemas.microsoft.com/office/mac/drawingml/2011/main" val="1"/>
+                <ma14:wrappingTextBoxFlag xmlns:ma14="http://schemas.microsoft.com/office/mac/drawingml/2011/main" xmlns="" val="1"/>
               </a:ext>
             </a:extLst>
           </p:spPr>
@@ -12118,7 +12066,7 @@
             <a:effectLst/>
             <a:extLst>
               <a:ext uri="{C572A759-6A51-4108-AA02-DFA0A04FC94B}">
-                <ma14:wrappingTextBoxFlag xmlns:ma14="http://schemas.microsoft.com/office/mac/drawingml/2011/main" val="1"/>
+                <ma14:wrappingTextBoxFlag xmlns:ma14="http://schemas.microsoft.com/office/mac/drawingml/2011/main" xmlns="" val="1"/>
               </a:ext>
             </a:extLst>
           </p:spPr>
@@ -12231,7 +12179,7 @@
             <a:effectLst/>
             <a:extLst>
               <a:ext uri="{C572A759-6A51-4108-AA02-DFA0A04FC94B}">
-                <ma14:wrappingTextBoxFlag xmlns:ma14="http://schemas.microsoft.com/office/mac/drawingml/2011/main" val="1"/>
+                <ma14:wrappingTextBoxFlag xmlns:ma14="http://schemas.microsoft.com/office/mac/drawingml/2011/main" xmlns="" val="1"/>
               </a:ext>
             </a:extLst>
           </p:spPr>
@@ -12394,7 +12342,7 @@
           </a:ln>
           <a:extLst>
             <a:ext uri="{C572A759-6A51-4108-AA02-DFA0A04FC94B}">
-              <ma14:wrappingTextBoxFlag xmlns:ma14="http://schemas.microsoft.com/office/mac/drawingml/2011/main" val="1"/>
+              <ma14:wrappingTextBoxFlag xmlns:ma14="http://schemas.microsoft.com/office/mac/drawingml/2011/main" xmlns="" val="1"/>
             </a:ext>
           </a:extLst>
         </p:spPr>
@@ -12454,7 +12402,7 @@
           </a:ln>
           <a:extLst>
             <a:ext uri="{C572A759-6A51-4108-AA02-DFA0A04FC94B}">
-              <ma14:wrappingTextBoxFlag xmlns:ma14="http://schemas.microsoft.com/office/mac/drawingml/2011/main" val="1"/>
+              <ma14:wrappingTextBoxFlag xmlns:ma14="http://schemas.microsoft.com/office/mac/drawingml/2011/main" xmlns="" val="1"/>
             </a:ext>
           </a:extLst>
         </p:spPr>
@@ -12635,7 +12583,7 @@
           </a:ln>
           <a:extLst>
             <a:ext uri="{C572A759-6A51-4108-AA02-DFA0A04FC94B}">
-              <ma14:wrappingTextBoxFlag xmlns:ma14="http://schemas.microsoft.com/office/mac/drawingml/2011/main" val="1"/>
+              <ma14:wrappingTextBoxFlag xmlns:ma14="http://schemas.microsoft.com/office/mac/drawingml/2011/main" xmlns="" val="1"/>
             </a:ext>
           </a:extLst>
         </p:spPr>
@@ -12695,7 +12643,7 @@
           </a:ln>
           <a:extLst>
             <a:ext uri="{C572A759-6A51-4108-AA02-DFA0A04FC94B}">
-              <ma14:wrappingTextBoxFlag xmlns:ma14="http://schemas.microsoft.com/office/mac/drawingml/2011/main" val="1"/>
+              <ma14:wrappingTextBoxFlag xmlns:ma14="http://schemas.microsoft.com/office/mac/drawingml/2011/main" xmlns="" val="1"/>
             </a:ext>
           </a:extLst>
         </p:spPr>
@@ -12880,7 +12828,7 @@
           </a:ln>
           <a:extLst>
             <a:ext uri="{C572A759-6A51-4108-AA02-DFA0A04FC94B}">
-              <ma14:wrappingTextBoxFlag xmlns:ma14="http://schemas.microsoft.com/office/mac/drawingml/2011/main" val="1"/>
+              <ma14:wrappingTextBoxFlag xmlns:ma14="http://schemas.microsoft.com/office/mac/drawingml/2011/main" xmlns="" val="1"/>
             </a:ext>
           </a:extLst>
         </p:spPr>
@@ -12940,7 +12888,7 @@
           </a:ln>
           <a:extLst>
             <a:ext uri="{C572A759-6A51-4108-AA02-DFA0A04FC94B}">
-              <ma14:wrappingTextBoxFlag xmlns:ma14="http://schemas.microsoft.com/office/mac/drawingml/2011/main" val="1"/>
+              <ma14:wrappingTextBoxFlag xmlns:ma14="http://schemas.microsoft.com/office/mac/drawingml/2011/main" xmlns="" val="1"/>
             </a:ext>
           </a:extLst>
         </p:spPr>
@@ -13118,7 +13066,7 @@
           </a:ln>
           <a:extLst>
             <a:ext uri="{C572A759-6A51-4108-AA02-DFA0A04FC94B}">
-              <ma14:wrappingTextBoxFlag xmlns:ma14="http://schemas.microsoft.com/office/mac/drawingml/2011/main" val="1"/>
+              <ma14:wrappingTextBoxFlag xmlns:ma14="http://schemas.microsoft.com/office/mac/drawingml/2011/main" xmlns="" val="1"/>
             </a:ext>
           </a:extLst>
         </p:spPr>
@@ -13178,7 +13126,7 @@
           </a:ln>
           <a:extLst>
             <a:ext uri="{C572A759-6A51-4108-AA02-DFA0A04FC94B}">
-              <ma14:wrappingTextBoxFlag xmlns:ma14="http://schemas.microsoft.com/office/mac/drawingml/2011/main" val="1"/>
+              <ma14:wrappingTextBoxFlag xmlns:ma14="http://schemas.microsoft.com/office/mac/drawingml/2011/main" xmlns="" val="1"/>
             </a:ext>
           </a:extLst>
         </p:spPr>
@@ -13307,7 +13255,7 @@
           </a:ln>
           <a:extLst>
             <a:ext uri="{C572A759-6A51-4108-AA02-DFA0A04FC94B}">
-              <ma14:wrappingTextBoxFlag xmlns:ma14="http://schemas.microsoft.com/office/mac/drawingml/2011/main" val="1"/>
+              <ma14:wrappingTextBoxFlag xmlns:ma14="http://schemas.microsoft.com/office/mac/drawingml/2011/main" xmlns="" val="1"/>
             </a:ext>
           </a:extLst>
         </p:spPr>
@@ -13367,7 +13315,7 @@
           </a:ln>
           <a:extLst>
             <a:ext uri="{C572A759-6A51-4108-AA02-DFA0A04FC94B}">
-              <ma14:wrappingTextBoxFlag xmlns:ma14="http://schemas.microsoft.com/office/mac/drawingml/2011/main" val="1"/>
+              <ma14:wrappingTextBoxFlag xmlns:ma14="http://schemas.microsoft.com/office/mac/drawingml/2011/main" xmlns="" val="1"/>
             </a:ext>
           </a:extLst>
         </p:spPr>

--- a/dns/dns3-presentation.pptx
+++ b/dns/dns3-presentation.pptx
@@ -886,7 +886,7 @@
           </a:ln>
           <a:extLst>
             <a:ext uri="{C572A759-6A51-4108-AA02-DFA0A04FC94B}">
-              <ma14:wrappingTextBoxFlag xmlns:ma14="http://schemas.microsoft.com/office/mac/drawingml/2011/main" xmlns="" val="1"/>
+              <ma14:wrappingTextBoxFlag xmlns="" xmlns:ma14="http://schemas.microsoft.com/office/mac/drawingml/2011/main" val="1"/>
             </a:ext>
           </a:extLst>
         </p:spPr>
@@ -950,7 +950,7 @@
           </a:ln>
           <a:extLst>
             <a:ext uri="{C572A759-6A51-4108-AA02-DFA0A04FC94B}">
-              <ma14:wrappingTextBoxFlag xmlns:ma14="http://schemas.microsoft.com/office/mac/drawingml/2011/main" xmlns="" val="1"/>
+              <ma14:wrappingTextBoxFlag xmlns="" xmlns:ma14="http://schemas.microsoft.com/office/mac/drawingml/2011/main" val="1"/>
             </a:ext>
           </a:extLst>
         </p:spPr>
@@ -1037,7 +1037,7 @@
                 <a:cs typeface="Calibri"/>
                 <a:sym typeface="Calibri"/>
               </a:rPr>
-              <a:t>8</a:t>
+              <a:t>9</a:t>
             </a:r>
             <a:r>
               <a:rPr sz="3100" dirty="0">
@@ -1055,7 +1055,7 @@
                 <a:cs typeface="Calibri"/>
                 <a:sym typeface="Calibri"/>
               </a:rPr>
-              <a:t>Dakar</a:t>
+              <a:t>Kampala</a:t>
             </a:r>
             <a:endParaRPr sz="3100" dirty="0">
               <a:latin typeface="Calibri"/>
@@ -1085,7 +1085,7 @@
           </a:ln>
           <a:extLst>
             <a:ext uri="{C572A759-6A51-4108-AA02-DFA0A04FC94B}">
-              <ma14:wrappingTextBoxFlag xmlns:ma14="http://schemas.microsoft.com/office/mac/drawingml/2011/main" xmlns="" val="1"/>
+              <ma14:wrappingTextBoxFlag xmlns="" xmlns:ma14="http://schemas.microsoft.com/office/mac/drawingml/2011/main" val="1"/>
             </a:ext>
           </a:extLst>
         </p:spPr>
@@ -1213,7 +1213,7 @@
           </a:ln>
           <a:extLst>
             <a:ext uri="{C572A759-6A51-4108-AA02-DFA0A04FC94B}">
-              <ma14:wrappingTextBoxFlag xmlns:ma14="http://schemas.microsoft.com/office/mac/drawingml/2011/main" xmlns="" val="1"/>
+              <ma14:wrappingTextBoxFlag xmlns="" xmlns:ma14="http://schemas.microsoft.com/office/mac/drawingml/2011/main" val="1"/>
             </a:ext>
           </a:extLst>
         </p:spPr>
@@ -1273,7 +1273,7 @@
           </a:ln>
           <a:extLst>
             <a:ext uri="{C572A759-6A51-4108-AA02-DFA0A04FC94B}">
-              <ma14:wrappingTextBoxFlag xmlns:ma14="http://schemas.microsoft.com/office/mac/drawingml/2011/main" xmlns="" val="1"/>
+              <ma14:wrappingTextBoxFlag xmlns="" xmlns:ma14="http://schemas.microsoft.com/office/mac/drawingml/2011/main" val="1"/>
             </a:ext>
           </a:extLst>
         </p:spPr>
@@ -1457,7 +1457,7 @@
           </a:ln>
           <a:extLst>
             <a:ext uri="{C572A759-6A51-4108-AA02-DFA0A04FC94B}">
-              <ma14:wrappingTextBoxFlag xmlns:ma14="http://schemas.microsoft.com/office/mac/drawingml/2011/main" xmlns="" val="1"/>
+              <ma14:wrappingTextBoxFlag xmlns="" xmlns:ma14="http://schemas.microsoft.com/office/mac/drawingml/2011/main" val="1"/>
             </a:ext>
           </a:extLst>
         </p:spPr>
@@ -1697,7 +1697,7 @@
           </a:ln>
           <a:extLst>
             <a:ext uri="{C572A759-6A51-4108-AA02-DFA0A04FC94B}">
-              <ma14:wrappingTextBoxFlag xmlns:ma14="http://schemas.microsoft.com/office/mac/drawingml/2011/main" xmlns="" val="1"/>
+              <ma14:wrappingTextBoxFlag xmlns="" xmlns:ma14="http://schemas.microsoft.com/office/mac/drawingml/2011/main" val="1"/>
             </a:ext>
           </a:extLst>
         </p:spPr>
@@ -1756,7 +1756,7 @@
           </a:ln>
           <a:extLst>
             <a:ext uri="{C572A759-6A51-4108-AA02-DFA0A04FC94B}">
-              <ma14:wrappingTextBoxFlag xmlns:ma14="http://schemas.microsoft.com/office/mac/drawingml/2011/main" xmlns="" val="1"/>
+              <ma14:wrappingTextBoxFlag xmlns="" xmlns:ma14="http://schemas.microsoft.com/office/mac/drawingml/2011/main" val="1"/>
             </a:ext>
           </a:extLst>
         </p:spPr>
@@ -1859,7 +1859,7 @@
           </a:ln>
           <a:extLst>
             <a:ext uri="{C572A759-6A51-4108-AA02-DFA0A04FC94B}">
-              <ma14:wrappingTextBoxFlag xmlns:ma14="http://schemas.microsoft.com/office/mac/drawingml/2011/main" xmlns="" val="1"/>
+              <ma14:wrappingTextBoxFlag xmlns="" xmlns:ma14="http://schemas.microsoft.com/office/mac/drawingml/2011/main" val="1"/>
             </a:ext>
           </a:extLst>
         </p:spPr>
@@ -2099,7 +2099,7 @@
           </a:ln>
           <a:extLst>
             <a:ext uri="{C572A759-6A51-4108-AA02-DFA0A04FC94B}">
-              <ma14:wrappingTextBoxFlag xmlns:ma14="http://schemas.microsoft.com/office/mac/drawingml/2011/main" xmlns="" val="1"/>
+              <ma14:wrappingTextBoxFlag xmlns="" xmlns:ma14="http://schemas.microsoft.com/office/mac/drawingml/2011/main" val="1"/>
             </a:ext>
           </a:extLst>
         </p:spPr>
@@ -2159,7 +2159,7 @@
           </a:ln>
           <a:extLst>
             <a:ext uri="{C572A759-6A51-4108-AA02-DFA0A04FC94B}">
-              <ma14:wrappingTextBoxFlag xmlns:ma14="http://schemas.microsoft.com/office/mac/drawingml/2011/main" xmlns="" val="1"/>
+              <ma14:wrappingTextBoxFlag xmlns="" xmlns:ma14="http://schemas.microsoft.com/office/mac/drawingml/2011/main" val="1"/>
             </a:ext>
           </a:extLst>
         </p:spPr>
@@ -2367,7 +2367,7 @@
           </a:ln>
           <a:extLst>
             <a:ext uri="{C572A759-6A51-4108-AA02-DFA0A04FC94B}">
-              <ma14:wrappingTextBoxFlag xmlns:ma14="http://schemas.microsoft.com/office/mac/drawingml/2011/main" xmlns="" val="1"/>
+              <ma14:wrappingTextBoxFlag xmlns="" xmlns:ma14="http://schemas.microsoft.com/office/mac/drawingml/2011/main" val="1"/>
             </a:ext>
           </a:extLst>
         </p:spPr>
@@ -2427,7 +2427,7 @@
           </a:ln>
           <a:extLst>
             <a:ext uri="{C572A759-6A51-4108-AA02-DFA0A04FC94B}">
-              <ma14:wrappingTextBoxFlag xmlns:ma14="http://schemas.microsoft.com/office/mac/drawingml/2011/main" xmlns="" val="1"/>
+              <ma14:wrappingTextBoxFlag xmlns="" xmlns:ma14="http://schemas.microsoft.com/office/mac/drawingml/2011/main" val="1"/>
             </a:ext>
           </a:extLst>
         </p:spPr>
@@ -2553,7 +2553,7 @@
           </a:ln>
           <a:extLst>
             <a:ext uri="{C572A759-6A51-4108-AA02-DFA0A04FC94B}">
-              <ma14:wrappingTextBoxFlag xmlns:ma14="http://schemas.microsoft.com/office/mac/drawingml/2011/main" xmlns="" val="1"/>
+              <ma14:wrappingTextBoxFlag xmlns="" xmlns:ma14="http://schemas.microsoft.com/office/mac/drawingml/2011/main" val="1"/>
             </a:ext>
           </a:extLst>
         </p:spPr>
@@ -2703,7 +2703,7 @@
           </a:ln>
           <a:extLst>
             <a:ext uri="{C572A759-6A51-4108-AA02-DFA0A04FC94B}">
-              <ma14:wrappingTextBoxFlag xmlns:ma14="http://schemas.microsoft.com/office/mac/drawingml/2011/main" xmlns="" val="1"/>
+              <ma14:wrappingTextBoxFlag xmlns="" xmlns:ma14="http://schemas.microsoft.com/office/mac/drawingml/2011/main" val="1"/>
             </a:ext>
           </a:extLst>
         </p:spPr>
@@ -2763,7 +2763,7 @@
           </a:ln>
           <a:extLst>
             <a:ext uri="{C572A759-6A51-4108-AA02-DFA0A04FC94B}">
-              <ma14:wrappingTextBoxFlag xmlns:ma14="http://schemas.microsoft.com/office/mac/drawingml/2011/main" xmlns="" val="1"/>
+              <ma14:wrappingTextBoxFlag xmlns="" xmlns:ma14="http://schemas.microsoft.com/office/mac/drawingml/2011/main" val="1"/>
             </a:ext>
           </a:extLst>
         </p:spPr>
@@ -3071,7 +3071,7 @@
           </a:ln>
           <a:extLst>
             <a:ext uri="{C572A759-6A51-4108-AA02-DFA0A04FC94B}">
-              <ma14:wrappingTextBoxFlag xmlns:ma14="http://schemas.microsoft.com/office/mac/drawingml/2011/main" xmlns="" val="1"/>
+              <ma14:wrappingTextBoxFlag xmlns="" xmlns:ma14="http://schemas.microsoft.com/office/mac/drawingml/2011/main" val="1"/>
             </a:ext>
           </a:extLst>
         </p:spPr>
@@ -3131,7 +3131,7 @@
           </a:ln>
           <a:extLst>
             <a:ext uri="{C572A759-6A51-4108-AA02-DFA0A04FC94B}">
-              <ma14:wrappingTextBoxFlag xmlns:ma14="http://schemas.microsoft.com/office/mac/drawingml/2011/main" xmlns="" val="1"/>
+              <ma14:wrappingTextBoxFlag xmlns="" xmlns:ma14="http://schemas.microsoft.com/office/mac/drawingml/2011/main" val="1"/>
             </a:ext>
           </a:extLst>
         </p:spPr>
@@ -3326,7 +3326,7 @@
           </a:ln>
           <a:extLst>
             <a:ext uri="{C572A759-6A51-4108-AA02-DFA0A04FC94B}">
-              <ma14:wrappingTextBoxFlag xmlns:ma14="http://schemas.microsoft.com/office/mac/drawingml/2011/main" xmlns="" val="1"/>
+              <ma14:wrappingTextBoxFlag xmlns="" xmlns:ma14="http://schemas.microsoft.com/office/mac/drawingml/2011/main" val="1"/>
             </a:ext>
           </a:extLst>
         </p:spPr>
@@ -3446,7 +3446,7 @@
           </a:ln>
           <a:extLst>
             <a:ext uri="{C572A759-6A51-4108-AA02-DFA0A04FC94B}">
-              <ma14:wrappingTextBoxFlag xmlns:ma14="http://schemas.microsoft.com/office/mac/drawingml/2011/main" xmlns="" val="1"/>
+              <ma14:wrappingTextBoxFlag xmlns="" xmlns:ma14="http://schemas.microsoft.com/office/mac/drawingml/2011/main" val="1"/>
             </a:ext>
           </a:extLst>
         </p:spPr>
@@ -3506,7 +3506,7 @@
           </a:ln>
           <a:extLst>
             <a:ext uri="{C572A759-6A51-4108-AA02-DFA0A04FC94B}">
-              <ma14:wrappingTextBoxFlag xmlns:ma14="http://schemas.microsoft.com/office/mac/drawingml/2011/main" xmlns="" val="1"/>
+              <ma14:wrappingTextBoxFlag xmlns="" xmlns:ma14="http://schemas.microsoft.com/office/mac/drawingml/2011/main" val="1"/>
             </a:ext>
           </a:extLst>
         </p:spPr>
@@ -3745,7 +3745,7 @@
           </a:ln>
           <a:extLst>
             <a:ext uri="{C572A759-6A51-4108-AA02-DFA0A04FC94B}">
-              <ma14:wrappingTextBoxFlag xmlns:ma14="http://schemas.microsoft.com/office/mac/drawingml/2011/main" xmlns="" val="1"/>
+              <ma14:wrappingTextBoxFlag xmlns="" xmlns:ma14="http://schemas.microsoft.com/office/mac/drawingml/2011/main" val="1"/>
             </a:ext>
           </a:extLst>
         </p:spPr>
@@ -3801,7 +3801,7 @@
           </a:ln>
           <a:extLst>
             <a:ext uri="{C572A759-6A51-4108-AA02-DFA0A04FC94B}">
-              <ma14:wrappingTextBoxFlag xmlns:ma14="http://schemas.microsoft.com/office/mac/drawingml/2011/main" xmlns="" val="1"/>
+              <ma14:wrappingTextBoxFlag xmlns="" xmlns:ma14="http://schemas.microsoft.com/office/mac/drawingml/2011/main" val="1"/>
             </a:ext>
           </a:extLst>
         </p:spPr>
@@ -3864,7 +3864,7 @@
           </a:ln>
           <a:extLst>
             <a:ext uri="{C572A759-6A51-4108-AA02-DFA0A04FC94B}">
-              <ma14:wrappingTextBoxFlag xmlns:ma14="http://schemas.microsoft.com/office/mac/drawingml/2011/main" xmlns="" val="1"/>
+              <ma14:wrappingTextBoxFlag xmlns="" xmlns:ma14="http://schemas.microsoft.com/office/mac/drawingml/2011/main" val="1"/>
             </a:ext>
           </a:extLst>
         </p:spPr>
@@ -4108,7 +4108,7 @@
           </a:ln>
           <a:extLst>
             <a:ext uri="{C572A759-6A51-4108-AA02-DFA0A04FC94B}">
-              <ma14:wrappingTextBoxFlag xmlns:ma14="http://schemas.microsoft.com/office/mac/drawingml/2011/main" xmlns="" val="1"/>
+              <ma14:wrappingTextBoxFlag xmlns="" xmlns:ma14="http://schemas.microsoft.com/office/mac/drawingml/2011/main" val="1"/>
             </a:ext>
           </a:extLst>
         </p:spPr>
@@ -4856,7 +4856,7 @@
           </a:ln>
           <a:extLst>
             <a:ext uri="{C572A759-6A51-4108-AA02-DFA0A04FC94B}">
-              <ma14:wrappingTextBoxFlag xmlns:ma14="http://schemas.microsoft.com/office/mac/drawingml/2011/main" xmlns="" val="1"/>
+              <ma14:wrappingTextBoxFlag xmlns="" xmlns:ma14="http://schemas.microsoft.com/office/mac/drawingml/2011/main" val="1"/>
             </a:ext>
           </a:extLst>
         </p:spPr>
@@ -4916,7 +4916,7 @@
           </a:ln>
           <a:extLst>
             <a:ext uri="{C572A759-6A51-4108-AA02-DFA0A04FC94B}">
-              <ma14:wrappingTextBoxFlag xmlns:ma14="http://schemas.microsoft.com/office/mac/drawingml/2011/main" xmlns="" val="1"/>
+              <ma14:wrappingTextBoxFlag xmlns="" xmlns:ma14="http://schemas.microsoft.com/office/mac/drawingml/2011/main" val="1"/>
             </a:ext>
           </a:extLst>
         </p:spPr>
@@ -5420,7 +5420,7 @@
           </a:ln>
           <a:extLst>
             <a:ext uri="{C572A759-6A51-4108-AA02-DFA0A04FC94B}">
-              <ma14:wrappingTextBoxFlag xmlns:ma14="http://schemas.microsoft.com/office/mac/drawingml/2011/main" xmlns="" val="1"/>
+              <ma14:wrappingTextBoxFlag xmlns="" xmlns:ma14="http://schemas.microsoft.com/office/mac/drawingml/2011/main" val="1"/>
             </a:ext>
           </a:extLst>
         </p:spPr>
@@ -5480,7 +5480,7 @@
           </a:ln>
           <a:extLst>
             <a:ext uri="{C572A759-6A51-4108-AA02-DFA0A04FC94B}">
-              <ma14:wrappingTextBoxFlag xmlns:ma14="http://schemas.microsoft.com/office/mac/drawingml/2011/main" xmlns="" val="1"/>
+              <ma14:wrappingTextBoxFlag xmlns="" xmlns:ma14="http://schemas.microsoft.com/office/mac/drawingml/2011/main" val="1"/>
             </a:ext>
           </a:extLst>
         </p:spPr>
@@ -5775,7 +5775,7 @@
           </a:ln>
           <a:extLst>
             <a:ext uri="{C572A759-6A51-4108-AA02-DFA0A04FC94B}">
-              <ma14:wrappingTextBoxFlag xmlns:ma14="http://schemas.microsoft.com/office/mac/drawingml/2011/main" xmlns="" val="1"/>
+              <ma14:wrappingTextBoxFlag xmlns="" xmlns:ma14="http://schemas.microsoft.com/office/mac/drawingml/2011/main" val="1"/>
             </a:ext>
           </a:extLst>
         </p:spPr>
@@ -5835,7 +5835,7 @@
           </a:ln>
           <a:extLst>
             <a:ext uri="{C572A759-6A51-4108-AA02-DFA0A04FC94B}">
-              <ma14:wrappingTextBoxFlag xmlns:ma14="http://schemas.microsoft.com/office/mac/drawingml/2011/main" xmlns="" val="1"/>
+              <ma14:wrappingTextBoxFlag xmlns="" xmlns:ma14="http://schemas.microsoft.com/office/mac/drawingml/2011/main" val="1"/>
             </a:ext>
           </a:extLst>
         </p:spPr>
@@ -5987,7 +5987,7 @@
           </a:ln>
           <a:extLst>
             <a:ext uri="{C572A759-6A51-4108-AA02-DFA0A04FC94B}">
-              <ma14:wrappingTextBoxFlag xmlns:ma14="http://schemas.microsoft.com/office/mac/drawingml/2011/main" xmlns="" val="1"/>
+              <ma14:wrappingTextBoxFlag xmlns="" xmlns:ma14="http://schemas.microsoft.com/office/mac/drawingml/2011/main" val="1"/>
             </a:ext>
           </a:extLst>
         </p:spPr>
@@ -6047,7 +6047,7 @@
           </a:ln>
           <a:extLst>
             <a:ext uri="{C572A759-6A51-4108-AA02-DFA0A04FC94B}">
-              <ma14:wrappingTextBoxFlag xmlns:ma14="http://schemas.microsoft.com/office/mac/drawingml/2011/main" xmlns="" val="1"/>
+              <ma14:wrappingTextBoxFlag xmlns="" xmlns:ma14="http://schemas.microsoft.com/office/mac/drawingml/2011/main" val="1"/>
             </a:ext>
           </a:extLst>
         </p:spPr>
@@ -6280,7 +6280,7 @@
           </a:ln>
           <a:extLst>
             <a:ext uri="{C572A759-6A51-4108-AA02-DFA0A04FC94B}">
-              <ma14:wrappingTextBoxFlag xmlns:ma14="http://schemas.microsoft.com/office/mac/drawingml/2011/main" xmlns="" val="1"/>
+              <ma14:wrappingTextBoxFlag xmlns="" xmlns:ma14="http://schemas.microsoft.com/office/mac/drawingml/2011/main" val="1"/>
             </a:ext>
           </a:extLst>
         </p:spPr>
@@ -6340,7 +6340,7 @@
           </a:ln>
           <a:extLst>
             <a:ext uri="{C572A759-6A51-4108-AA02-DFA0A04FC94B}">
-              <ma14:wrappingTextBoxFlag xmlns:ma14="http://schemas.microsoft.com/office/mac/drawingml/2011/main" xmlns="" val="1"/>
+              <ma14:wrappingTextBoxFlag xmlns="" xmlns:ma14="http://schemas.microsoft.com/office/mac/drawingml/2011/main" val="1"/>
             </a:ext>
           </a:extLst>
         </p:spPr>
@@ -6420,7 +6420,7 @@
           </a:ln>
           <a:extLst>
             <a:ext uri="{C572A759-6A51-4108-AA02-DFA0A04FC94B}">
-              <ma14:wrappingTextBoxFlag xmlns:ma14="http://schemas.microsoft.com/office/mac/drawingml/2011/main" xmlns="" val="1"/>
+              <ma14:wrappingTextBoxFlag xmlns="" xmlns:ma14="http://schemas.microsoft.com/office/mac/drawingml/2011/main" val="1"/>
             </a:ext>
           </a:extLst>
         </p:spPr>
@@ -6834,7 +6834,7 @@
           </a:ln>
           <a:extLst>
             <a:ext uri="{C572A759-6A51-4108-AA02-DFA0A04FC94B}">
-              <ma14:wrappingTextBoxFlag xmlns:ma14="http://schemas.microsoft.com/office/mac/drawingml/2011/main" xmlns="" val="1"/>
+              <ma14:wrappingTextBoxFlag xmlns="" xmlns:ma14="http://schemas.microsoft.com/office/mac/drawingml/2011/main" val="1"/>
             </a:ext>
           </a:extLst>
         </p:spPr>
@@ -6894,7 +6894,7 @@
           </a:ln>
           <a:extLst>
             <a:ext uri="{C572A759-6A51-4108-AA02-DFA0A04FC94B}">
-              <ma14:wrappingTextBoxFlag xmlns:ma14="http://schemas.microsoft.com/office/mac/drawingml/2011/main" xmlns="" val="1"/>
+              <ma14:wrappingTextBoxFlag xmlns="" xmlns:ma14="http://schemas.microsoft.com/office/mac/drawingml/2011/main" val="1"/>
             </a:ext>
           </a:extLst>
         </p:spPr>
@@ -7161,7 +7161,7 @@
           </a:ln>
           <a:extLst>
             <a:ext uri="{C572A759-6A51-4108-AA02-DFA0A04FC94B}">
-              <ma14:wrappingTextBoxFlag xmlns:ma14="http://schemas.microsoft.com/office/mac/drawingml/2011/main" xmlns="" val="1"/>
+              <ma14:wrappingTextBoxFlag xmlns="" xmlns:ma14="http://schemas.microsoft.com/office/mac/drawingml/2011/main" val="1"/>
             </a:ext>
           </a:extLst>
         </p:spPr>
@@ -7221,7 +7221,7 @@
           </a:ln>
           <a:extLst>
             <a:ext uri="{C572A759-6A51-4108-AA02-DFA0A04FC94B}">
-              <ma14:wrappingTextBoxFlag xmlns:ma14="http://schemas.microsoft.com/office/mac/drawingml/2011/main" xmlns="" val="1"/>
+              <ma14:wrappingTextBoxFlag xmlns="" xmlns:ma14="http://schemas.microsoft.com/office/mac/drawingml/2011/main" val="1"/>
             </a:ext>
           </a:extLst>
         </p:spPr>
@@ -7568,7 +7568,7 @@
           </a:ln>
           <a:extLst>
             <a:ext uri="{C572A759-6A51-4108-AA02-DFA0A04FC94B}">
-              <ma14:wrappingTextBoxFlag xmlns:ma14="http://schemas.microsoft.com/office/mac/drawingml/2011/main" xmlns="" val="1"/>
+              <ma14:wrappingTextBoxFlag xmlns="" xmlns:ma14="http://schemas.microsoft.com/office/mac/drawingml/2011/main" val="1"/>
             </a:ext>
           </a:extLst>
         </p:spPr>
@@ -7628,7 +7628,7 @@
           </a:ln>
           <a:extLst>
             <a:ext uri="{C572A759-6A51-4108-AA02-DFA0A04FC94B}">
-              <ma14:wrappingTextBoxFlag xmlns:ma14="http://schemas.microsoft.com/office/mac/drawingml/2011/main" xmlns="" val="1"/>
+              <ma14:wrappingTextBoxFlag xmlns="" xmlns:ma14="http://schemas.microsoft.com/office/mac/drawingml/2011/main" val="1"/>
             </a:ext>
           </a:extLst>
         </p:spPr>
@@ -7803,7 +7803,7 @@
           </a:ln>
           <a:extLst>
             <a:ext uri="{C572A759-6A51-4108-AA02-DFA0A04FC94B}">
-              <ma14:wrappingTextBoxFlag xmlns:ma14="http://schemas.microsoft.com/office/mac/drawingml/2011/main" xmlns="" val="1"/>
+              <ma14:wrappingTextBoxFlag xmlns="" xmlns:ma14="http://schemas.microsoft.com/office/mac/drawingml/2011/main" val="1"/>
             </a:ext>
           </a:extLst>
         </p:spPr>
@@ -7863,7 +7863,7 @@
           </a:ln>
           <a:extLst>
             <a:ext uri="{C572A759-6A51-4108-AA02-DFA0A04FC94B}">
-              <ma14:wrappingTextBoxFlag xmlns:ma14="http://schemas.microsoft.com/office/mac/drawingml/2011/main" xmlns="" val="1"/>
+              <ma14:wrappingTextBoxFlag xmlns="" xmlns:ma14="http://schemas.microsoft.com/office/mac/drawingml/2011/main" val="1"/>
             </a:ext>
           </a:extLst>
         </p:spPr>
@@ -8141,7 +8141,7 @@
           </a:ln>
           <a:extLst>
             <a:ext uri="{C572A759-6A51-4108-AA02-DFA0A04FC94B}">
-              <ma14:wrappingTextBoxFlag xmlns:ma14="http://schemas.microsoft.com/office/mac/drawingml/2011/main" xmlns="" val="1"/>
+              <ma14:wrappingTextBoxFlag xmlns="" xmlns:ma14="http://schemas.microsoft.com/office/mac/drawingml/2011/main" val="1"/>
             </a:ext>
           </a:extLst>
         </p:spPr>
@@ -8201,7 +8201,7 @@
           </a:ln>
           <a:extLst>
             <a:ext uri="{C572A759-6A51-4108-AA02-DFA0A04FC94B}">
-              <ma14:wrappingTextBoxFlag xmlns:ma14="http://schemas.microsoft.com/office/mac/drawingml/2011/main" xmlns="" val="1"/>
+              <ma14:wrappingTextBoxFlag xmlns="" xmlns:ma14="http://schemas.microsoft.com/office/mac/drawingml/2011/main" val="1"/>
             </a:ext>
           </a:extLst>
         </p:spPr>
@@ -8353,7 +8353,7 @@
           </a:ln>
           <a:extLst>
             <a:ext uri="{C572A759-6A51-4108-AA02-DFA0A04FC94B}">
-              <ma14:wrappingTextBoxFlag xmlns:ma14="http://schemas.microsoft.com/office/mac/drawingml/2011/main" xmlns="" val="1"/>
+              <ma14:wrappingTextBoxFlag xmlns="" xmlns:ma14="http://schemas.microsoft.com/office/mac/drawingml/2011/main" val="1"/>
             </a:ext>
           </a:extLst>
         </p:spPr>
@@ -8413,7 +8413,7 @@
           </a:ln>
           <a:extLst>
             <a:ext uri="{C572A759-6A51-4108-AA02-DFA0A04FC94B}">
-              <ma14:wrappingTextBoxFlag xmlns:ma14="http://schemas.microsoft.com/office/mac/drawingml/2011/main" xmlns="" val="1"/>
+              <ma14:wrappingTextBoxFlag xmlns="" xmlns:ma14="http://schemas.microsoft.com/office/mac/drawingml/2011/main" val="1"/>
             </a:ext>
           </a:extLst>
         </p:spPr>
@@ -8505,7 +8505,7 @@
           </a:ln>
           <a:extLst>
             <a:ext uri="{C572A759-6A51-4108-AA02-DFA0A04FC94B}">
-              <ma14:wrappingTextBoxFlag xmlns:ma14="http://schemas.microsoft.com/office/mac/drawingml/2011/main" xmlns="" val="1"/>
+              <ma14:wrappingTextBoxFlag xmlns="" xmlns:ma14="http://schemas.microsoft.com/office/mac/drawingml/2011/main" val="1"/>
             </a:ext>
           </a:extLst>
         </p:spPr>
@@ -8565,7 +8565,7 @@
           </a:ln>
           <a:extLst>
             <a:ext uri="{C572A759-6A51-4108-AA02-DFA0A04FC94B}">
-              <ma14:wrappingTextBoxFlag xmlns:ma14="http://schemas.microsoft.com/office/mac/drawingml/2011/main" xmlns="" val="1"/>
+              <ma14:wrappingTextBoxFlag xmlns="" xmlns:ma14="http://schemas.microsoft.com/office/mac/drawingml/2011/main" val="1"/>
             </a:ext>
           </a:extLst>
         </p:spPr>
@@ -8723,7 +8723,7 @@
           </a:ln>
           <a:extLst>
             <a:ext uri="{C572A759-6A51-4108-AA02-DFA0A04FC94B}">
-              <ma14:wrappingTextBoxFlag xmlns:ma14="http://schemas.microsoft.com/office/mac/drawingml/2011/main" xmlns="" val="1"/>
+              <ma14:wrappingTextBoxFlag xmlns="" xmlns:ma14="http://schemas.microsoft.com/office/mac/drawingml/2011/main" val="1"/>
             </a:ext>
           </a:extLst>
         </p:spPr>
@@ -8783,7 +8783,7 @@
           </a:ln>
           <a:extLst>
             <a:ext uri="{C572A759-6A51-4108-AA02-DFA0A04FC94B}">
-              <ma14:wrappingTextBoxFlag xmlns:ma14="http://schemas.microsoft.com/office/mac/drawingml/2011/main" xmlns="" val="1"/>
+              <ma14:wrappingTextBoxFlag xmlns="" xmlns:ma14="http://schemas.microsoft.com/office/mac/drawingml/2011/main" val="1"/>
             </a:ext>
           </a:extLst>
         </p:spPr>
@@ -9017,7 +9017,7 @@
           </a:ln>
           <a:extLst>
             <a:ext uri="{C572A759-6A51-4108-AA02-DFA0A04FC94B}">
-              <ma14:wrappingTextBoxFlag xmlns:ma14="http://schemas.microsoft.com/office/mac/drawingml/2011/main" xmlns="" val="1"/>
+              <ma14:wrappingTextBoxFlag xmlns="" xmlns:ma14="http://schemas.microsoft.com/office/mac/drawingml/2011/main" val="1"/>
             </a:ext>
           </a:extLst>
         </p:spPr>
@@ -9077,7 +9077,7 @@
           </a:ln>
           <a:extLst>
             <a:ext uri="{C572A759-6A51-4108-AA02-DFA0A04FC94B}">
-              <ma14:wrappingTextBoxFlag xmlns:ma14="http://schemas.microsoft.com/office/mac/drawingml/2011/main" xmlns="" val="1"/>
+              <ma14:wrappingTextBoxFlag xmlns="" xmlns:ma14="http://schemas.microsoft.com/office/mac/drawingml/2011/main" val="1"/>
             </a:ext>
           </a:extLst>
         </p:spPr>
@@ -9255,7 +9255,7 @@
           </a:ln>
           <a:extLst>
             <a:ext uri="{C572A759-6A51-4108-AA02-DFA0A04FC94B}">
-              <ma14:wrappingTextBoxFlag xmlns:ma14="http://schemas.microsoft.com/office/mac/drawingml/2011/main" xmlns="" val="1"/>
+              <ma14:wrappingTextBoxFlag xmlns="" xmlns:ma14="http://schemas.microsoft.com/office/mac/drawingml/2011/main" val="1"/>
             </a:ext>
           </a:extLst>
         </p:spPr>
@@ -9315,7 +9315,7 @@
           </a:ln>
           <a:extLst>
             <a:ext uri="{C572A759-6A51-4108-AA02-DFA0A04FC94B}">
-              <ma14:wrappingTextBoxFlag xmlns:ma14="http://schemas.microsoft.com/office/mac/drawingml/2011/main" xmlns="" val="1"/>
+              <ma14:wrappingTextBoxFlag xmlns="" xmlns:ma14="http://schemas.microsoft.com/office/mac/drawingml/2011/main" val="1"/>
             </a:ext>
           </a:extLst>
         </p:spPr>
@@ -9513,7 +9513,7 @@
           </a:ln>
           <a:extLst>
             <a:ext uri="{C572A759-6A51-4108-AA02-DFA0A04FC94B}">
-              <ma14:wrappingTextBoxFlag xmlns:ma14="http://schemas.microsoft.com/office/mac/drawingml/2011/main" xmlns="" val="1"/>
+              <ma14:wrappingTextBoxFlag xmlns="" xmlns:ma14="http://schemas.microsoft.com/office/mac/drawingml/2011/main" val="1"/>
             </a:ext>
           </a:extLst>
         </p:spPr>
@@ -9573,7 +9573,7 @@
           </a:ln>
           <a:extLst>
             <a:ext uri="{C572A759-6A51-4108-AA02-DFA0A04FC94B}">
-              <ma14:wrappingTextBoxFlag xmlns:ma14="http://schemas.microsoft.com/office/mac/drawingml/2011/main" xmlns="" val="1"/>
+              <ma14:wrappingTextBoxFlag xmlns="" xmlns:ma14="http://schemas.microsoft.com/office/mac/drawingml/2011/main" val="1"/>
             </a:ext>
           </a:extLst>
         </p:spPr>
@@ -9679,7 +9679,7 @@
           </a:ln>
           <a:extLst>
             <a:ext uri="{C572A759-6A51-4108-AA02-DFA0A04FC94B}">
-              <ma14:wrappingTextBoxFlag xmlns:ma14="http://schemas.microsoft.com/office/mac/drawingml/2011/main" xmlns="" val="1"/>
+              <ma14:wrappingTextBoxFlag xmlns="" xmlns:ma14="http://schemas.microsoft.com/office/mac/drawingml/2011/main" val="1"/>
             </a:ext>
           </a:extLst>
         </p:spPr>
@@ -9739,7 +9739,7 @@
           </a:ln>
           <a:extLst>
             <a:ext uri="{C572A759-6A51-4108-AA02-DFA0A04FC94B}">
-              <ma14:wrappingTextBoxFlag xmlns:ma14="http://schemas.microsoft.com/office/mac/drawingml/2011/main" xmlns="" val="1"/>
+              <ma14:wrappingTextBoxFlag xmlns="" xmlns:ma14="http://schemas.microsoft.com/office/mac/drawingml/2011/main" val="1"/>
             </a:ext>
           </a:extLst>
         </p:spPr>
@@ -9956,7 +9956,7 @@
           </a:ln>
           <a:extLst>
             <a:ext uri="{C572A759-6A51-4108-AA02-DFA0A04FC94B}">
-              <ma14:wrappingTextBoxFlag xmlns:ma14="http://schemas.microsoft.com/office/mac/drawingml/2011/main" xmlns="" val="1"/>
+              <ma14:wrappingTextBoxFlag xmlns="" xmlns:ma14="http://schemas.microsoft.com/office/mac/drawingml/2011/main" val="1"/>
             </a:ext>
           </a:extLst>
         </p:spPr>
@@ -10281,7 +10281,7 @@
           </a:ln>
           <a:extLst>
             <a:ext uri="{C572A759-6A51-4108-AA02-DFA0A04FC94B}">
-              <ma14:wrappingTextBoxFlag xmlns:ma14="http://schemas.microsoft.com/office/mac/drawingml/2011/main" xmlns="" val="1"/>
+              <ma14:wrappingTextBoxFlag xmlns="" xmlns:ma14="http://schemas.microsoft.com/office/mac/drawingml/2011/main" val="1"/>
             </a:ext>
           </a:extLst>
         </p:spPr>
@@ -10341,7 +10341,7 @@
           </a:ln>
           <a:extLst>
             <a:ext uri="{C572A759-6A51-4108-AA02-DFA0A04FC94B}">
-              <ma14:wrappingTextBoxFlag xmlns:ma14="http://schemas.microsoft.com/office/mac/drawingml/2011/main" xmlns="" val="1"/>
+              <ma14:wrappingTextBoxFlag xmlns="" xmlns:ma14="http://schemas.microsoft.com/office/mac/drawingml/2011/main" val="1"/>
             </a:ext>
           </a:extLst>
         </p:spPr>
@@ -10447,7 +10447,7 @@
           </a:ln>
           <a:extLst>
             <a:ext uri="{C572A759-6A51-4108-AA02-DFA0A04FC94B}">
-              <ma14:wrappingTextBoxFlag xmlns:ma14="http://schemas.microsoft.com/office/mac/drawingml/2011/main" xmlns="" val="1"/>
+              <ma14:wrappingTextBoxFlag xmlns="" xmlns:ma14="http://schemas.microsoft.com/office/mac/drawingml/2011/main" val="1"/>
             </a:ext>
           </a:extLst>
         </p:spPr>
@@ -10507,7 +10507,7 @@
           </a:ln>
           <a:extLst>
             <a:ext uri="{C572A759-6A51-4108-AA02-DFA0A04FC94B}">
-              <ma14:wrappingTextBoxFlag xmlns:ma14="http://schemas.microsoft.com/office/mac/drawingml/2011/main" xmlns="" val="1"/>
+              <ma14:wrappingTextBoxFlag xmlns="" xmlns:ma14="http://schemas.microsoft.com/office/mac/drawingml/2011/main" val="1"/>
             </a:ext>
           </a:extLst>
         </p:spPr>
@@ -10636,7 +10636,7 @@
           </a:ln>
           <a:extLst>
             <a:ext uri="{C572A759-6A51-4108-AA02-DFA0A04FC94B}">
-              <ma14:wrappingTextBoxFlag xmlns:ma14="http://schemas.microsoft.com/office/mac/drawingml/2011/main" xmlns="" val="1"/>
+              <ma14:wrappingTextBoxFlag xmlns="" xmlns:ma14="http://schemas.microsoft.com/office/mac/drawingml/2011/main" val="1"/>
             </a:ext>
           </a:extLst>
         </p:spPr>
@@ -10696,7 +10696,7 @@
           </a:ln>
           <a:extLst>
             <a:ext uri="{C572A759-6A51-4108-AA02-DFA0A04FC94B}">
-              <ma14:wrappingTextBoxFlag xmlns:ma14="http://schemas.microsoft.com/office/mac/drawingml/2011/main" xmlns="" val="1"/>
+              <ma14:wrappingTextBoxFlag xmlns="" xmlns:ma14="http://schemas.microsoft.com/office/mac/drawingml/2011/main" val="1"/>
             </a:ext>
           </a:extLst>
         </p:spPr>
@@ -10848,7 +10848,7 @@
           </a:ln>
           <a:extLst>
             <a:ext uri="{C572A759-6A51-4108-AA02-DFA0A04FC94B}">
-              <ma14:wrappingTextBoxFlag xmlns:ma14="http://schemas.microsoft.com/office/mac/drawingml/2011/main" xmlns="" val="1"/>
+              <ma14:wrappingTextBoxFlag xmlns="" xmlns:ma14="http://schemas.microsoft.com/office/mac/drawingml/2011/main" val="1"/>
             </a:ext>
           </a:extLst>
         </p:spPr>
@@ -10908,7 +10908,7 @@
           </a:ln>
           <a:extLst>
             <a:ext uri="{C572A759-6A51-4108-AA02-DFA0A04FC94B}">
-              <ma14:wrappingTextBoxFlag xmlns:ma14="http://schemas.microsoft.com/office/mac/drawingml/2011/main" xmlns="" val="1"/>
+              <ma14:wrappingTextBoxFlag xmlns="" xmlns:ma14="http://schemas.microsoft.com/office/mac/drawingml/2011/main" val="1"/>
             </a:ext>
           </a:extLst>
         </p:spPr>
@@ -11037,7 +11037,7 @@
           </a:ln>
           <a:extLst>
             <a:ext uri="{C572A759-6A51-4108-AA02-DFA0A04FC94B}">
-              <ma14:wrappingTextBoxFlag xmlns:ma14="http://schemas.microsoft.com/office/mac/drawingml/2011/main" xmlns="" val="1"/>
+              <ma14:wrappingTextBoxFlag xmlns="" xmlns:ma14="http://schemas.microsoft.com/office/mac/drawingml/2011/main" val="1"/>
             </a:ext>
           </a:extLst>
         </p:spPr>
@@ -11097,7 +11097,7 @@
           </a:ln>
           <a:extLst>
             <a:ext uri="{C572A759-6A51-4108-AA02-DFA0A04FC94B}">
-              <ma14:wrappingTextBoxFlag xmlns:ma14="http://schemas.microsoft.com/office/mac/drawingml/2011/main" xmlns="" val="1"/>
+              <ma14:wrappingTextBoxFlag xmlns="" xmlns:ma14="http://schemas.microsoft.com/office/mac/drawingml/2011/main" val="1"/>
             </a:ext>
           </a:extLst>
         </p:spPr>
@@ -11183,7 +11183,7 @@
           </a:ln>
           <a:extLst>
             <a:ext uri="{C572A759-6A51-4108-AA02-DFA0A04FC94B}">
-              <ma14:wrappingTextBoxFlag xmlns:ma14="http://schemas.microsoft.com/office/mac/drawingml/2011/main" xmlns="" val="1"/>
+              <ma14:wrappingTextBoxFlag xmlns="" xmlns:ma14="http://schemas.microsoft.com/office/mac/drawingml/2011/main" val="1"/>
             </a:ext>
           </a:extLst>
         </p:spPr>
@@ -11243,7 +11243,7 @@
           </a:ln>
           <a:extLst>
             <a:ext uri="{C572A759-6A51-4108-AA02-DFA0A04FC94B}">
-              <ma14:wrappingTextBoxFlag xmlns:ma14="http://schemas.microsoft.com/office/mac/drawingml/2011/main" xmlns="" val="1"/>
+              <ma14:wrappingTextBoxFlag xmlns="" xmlns:ma14="http://schemas.microsoft.com/office/mac/drawingml/2011/main" val="1"/>
             </a:ext>
           </a:extLst>
         </p:spPr>
@@ -11453,7 +11453,7 @@
           </a:ln>
           <a:extLst>
             <a:ext uri="{C572A759-6A51-4108-AA02-DFA0A04FC94B}">
-              <ma14:wrappingTextBoxFlag xmlns:ma14="http://schemas.microsoft.com/office/mac/drawingml/2011/main" xmlns="" val="1"/>
+              <ma14:wrappingTextBoxFlag xmlns="" xmlns:ma14="http://schemas.microsoft.com/office/mac/drawingml/2011/main" val="1"/>
             </a:ext>
           </a:extLst>
         </p:spPr>
@@ -11513,7 +11513,7 @@
           </a:ln>
           <a:extLst>
             <a:ext uri="{C572A759-6A51-4108-AA02-DFA0A04FC94B}">
-              <ma14:wrappingTextBoxFlag xmlns:ma14="http://schemas.microsoft.com/office/mac/drawingml/2011/main" xmlns="" val="1"/>
+              <ma14:wrappingTextBoxFlag xmlns="" xmlns:ma14="http://schemas.microsoft.com/office/mac/drawingml/2011/main" val="1"/>
             </a:ext>
           </a:extLst>
         </p:spPr>
@@ -11772,7 +11772,7 @@
           </a:ln>
           <a:extLst>
             <a:ext uri="{C572A759-6A51-4108-AA02-DFA0A04FC94B}">
-              <ma14:wrappingTextBoxFlag xmlns:ma14="http://schemas.microsoft.com/office/mac/drawingml/2011/main" xmlns="" val="1"/>
+              <ma14:wrappingTextBoxFlag xmlns="" xmlns:ma14="http://schemas.microsoft.com/office/mac/drawingml/2011/main" val="1"/>
             </a:ext>
           </a:extLst>
         </p:spPr>
@@ -11832,7 +11832,7 @@
           </a:ln>
           <a:extLst>
             <a:ext uri="{C572A759-6A51-4108-AA02-DFA0A04FC94B}">
-              <ma14:wrappingTextBoxFlag xmlns:ma14="http://schemas.microsoft.com/office/mac/drawingml/2011/main" xmlns="" val="1"/>
+              <ma14:wrappingTextBoxFlag xmlns="" xmlns:ma14="http://schemas.microsoft.com/office/mac/drawingml/2011/main" val="1"/>
             </a:ext>
           </a:extLst>
         </p:spPr>
@@ -11953,7 +11953,7 @@
             <a:effectLst/>
             <a:extLst>
               <a:ext uri="{C572A759-6A51-4108-AA02-DFA0A04FC94B}">
-                <ma14:wrappingTextBoxFlag xmlns:ma14="http://schemas.microsoft.com/office/mac/drawingml/2011/main" xmlns="" val="1"/>
+                <ma14:wrappingTextBoxFlag xmlns="" xmlns:ma14="http://schemas.microsoft.com/office/mac/drawingml/2011/main" val="1"/>
               </a:ext>
             </a:extLst>
           </p:spPr>
@@ -12066,7 +12066,7 @@
             <a:effectLst/>
             <a:extLst>
               <a:ext uri="{C572A759-6A51-4108-AA02-DFA0A04FC94B}">
-                <ma14:wrappingTextBoxFlag xmlns:ma14="http://schemas.microsoft.com/office/mac/drawingml/2011/main" xmlns="" val="1"/>
+                <ma14:wrappingTextBoxFlag xmlns="" xmlns:ma14="http://schemas.microsoft.com/office/mac/drawingml/2011/main" val="1"/>
               </a:ext>
             </a:extLst>
           </p:spPr>
@@ -12179,7 +12179,7 @@
             <a:effectLst/>
             <a:extLst>
               <a:ext uri="{C572A759-6A51-4108-AA02-DFA0A04FC94B}">
-                <ma14:wrappingTextBoxFlag xmlns:ma14="http://schemas.microsoft.com/office/mac/drawingml/2011/main" xmlns="" val="1"/>
+                <ma14:wrappingTextBoxFlag xmlns="" xmlns:ma14="http://schemas.microsoft.com/office/mac/drawingml/2011/main" val="1"/>
               </a:ext>
             </a:extLst>
           </p:spPr>
@@ -12342,7 +12342,7 @@
           </a:ln>
           <a:extLst>
             <a:ext uri="{C572A759-6A51-4108-AA02-DFA0A04FC94B}">
-              <ma14:wrappingTextBoxFlag xmlns:ma14="http://schemas.microsoft.com/office/mac/drawingml/2011/main" xmlns="" val="1"/>
+              <ma14:wrappingTextBoxFlag xmlns="" xmlns:ma14="http://schemas.microsoft.com/office/mac/drawingml/2011/main" val="1"/>
             </a:ext>
           </a:extLst>
         </p:spPr>
@@ -12402,7 +12402,7 @@
           </a:ln>
           <a:extLst>
             <a:ext uri="{C572A759-6A51-4108-AA02-DFA0A04FC94B}">
-              <ma14:wrappingTextBoxFlag xmlns:ma14="http://schemas.microsoft.com/office/mac/drawingml/2011/main" xmlns="" val="1"/>
+              <ma14:wrappingTextBoxFlag xmlns="" xmlns:ma14="http://schemas.microsoft.com/office/mac/drawingml/2011/main" val="1"/>
             </a:ext>
           </a:extLst>
         </p:spPr>
@@ -12583,7 +12583,7 @@
           </a:ln>
           <a:extLst>
             <a:ext uri="{C572A759-6A51-4108-AA02-DFA0A04FC94B}">
-              <ma14:wrappingTextBoxFlag xmlns:ma14="http://schemas.microsoft.com/office/mac/drawingml/2011/main" xmlns="" val="1"/>
+              <ma14:wrappingTextBoxFlag xmlns="" xmlns:ma14="http://schemas.microsoft.com/office/mac/drawingml/2011/main" val="1"/>
             </a:ext>
           </a:extLst>
         </p:spPr>
@@ -12643,7 +12643,7 @@
           </a:ln>
           <a:extLst>
             <a:ext uri="{C572A759-6A51-4108-AA02-DFA0A04FC94B}">
-              <ma14:wrappingTextBoxFlag xmlns:ma14="http://schemas.microsoft.com/office/mac/drawingml/2011/main" xmlns="" val="1"/>
+              <ma14:wrappingTextBoxFlag xmlns="" xmlns:ma14="http://schemas.microsoft.com/office/mac/drawingml/2011/main" val="1"/>
             </a:ext>
           </a:extLst>
         </p:spPr>
@@ -12828,7 +12828,7 @@
           </a:ln>
           <a:extLst>
             <a:ext uri="{C572A759-6A51-4108-AA02-DFA0A04FC94B}">
-              <ma14:wrappingTextBoxFlag xmlns:ma14="http://schemas.microsoft.com/office/mac/drawingml/2011/main" xmlns="" val="1"/>
+              <ma14:wrappingTextBoxFlag xmlns="" xmlns:ma14="http://schemas.microsoft.com/office/mac/drawingml/2011/main" val="1"/>
             </a:ext>
           </a:extLst>
         </p:spPr>
@@ -12888,7 +12888,7 @@
           </a:ln>
           <a:extLst>
             <a:ext uri="{C572A759-6A51-4108-AA02-DFA0A04FC94B}">
-              <ma14:wrappingTextBoxFlag xmlns:ma14="http://schemas.microsoft.com/office/mac/drawingml/2011/main" xmlns="" val="1"/>
+              <ma14:wrappingTextBoxFlag xmlns="" xmlns:ma14="http://schemas.microsoft.com/office/mac/drawingml/2011/main" val="1"/>
             </a:ext>
           </a:extLst>
         </p:spPr>
@@ -13066,7 +13066,7 @@
           </a:ln>
           <a:extLst>
             <a:ext uri="{C572A759-6A51-4108-AA02-DFA0A04FC94B}">
-              <ma14:wrappingTextBoxFlag xmlns:ma14="http://schemas.microsoft.com/office/mac/drawingml/2011/main" xmlns="" val="1"/>
+              <ma14:wrappingTextBoxFlag xmlns="" xmlns:ma14="http://schemas.microsoft.com/office/mac/drawingml/2011/main" val="1"/>
             </a:ext>
           </a:extLst>
         </p:spPr>
@@ -13126,7 +13126,7 @@
           </a:ln>
           <a:extLst>
             <a:ext uri="{C572A759-6A51-4108-AA02-DFA0A04FC94B}">
-              <ma14:wrappingTextBoxFlag xmlns:ma14="http://schemas.microsoft.com/office/mac/drawingml/2011/main" xmlns="" val="1"/>
+              <ma14:wrappingTextBoxFlag xmlns="" xmlns:ma14="http://schemas.microsoft.com/office/mac/drawingml/2011/main" val="1"/>
             </a:ext>
           </a:extLst>
         </p:spPr>
@@ -13255,7 +13255,7 @@
           </a:ln>
           <a:extLst>
             <a:ext uri="{C572A759-6A51-4108-AA02-DFA0A04FC94B}">
-              <ma14:wrappingTextBoxFlag xmlns:ma14="http://schemas.microsoft.com/office/mac/drawingml/2011/main" xmlns="" val="1"/>
+              <ma14:wrappingTextBoxFlag xmlns="" xmlns:ma14="http://schemas.microsoft.com/office/mac/drawingml/2011/main" val="1"/>
             </a:ext>
           </a:extLst>
         </p:spPr>
@@ -13315,7 +13315,7 @@
           </a:ln>
           <a:extLst>
             <a:ext uri="{C572A759-6A51-4108-AA02-DFA0A04FC94B}">
-              <ma14:wrappingTextBoxFlag xmlns:ma14="http://schemas.microsoft.com/office/mac/drawingml/2011/main" xmlns="" val="1"/>
+              <ma14:wrappingTextBoxFlag xmlns="" xmlns:ma14="http://schemas.microsoft.com/office/mac/drawingml/2011/main" val="1"/>
             </a:ext>
           </a:extLst>
         </p:spPr>
